--- a/大组会en.pptx
+++ b/大组会en.pptx
@@ -233,7 +233,7 @@
           <a:p>
             <a:fld id="{99A451CF-4477-487C-80D6-EEDE3E70D9F2}" type="datetimeFigureOut">
               <a:rPr lang="zh-CN" altLang="en-US" smtClean="0"/>
-              <a:t>2019/3/31</a:t>
+              <a:t>2019/4/1</a:t>
             </a:fld>
             <a:endParaRPr lang="zh-CN" altLang="en-US"/>
           </a:p>
@@ -674,8 +674,487 @@
               <a:rPr lang="en-US" altLang="zh-CN" dirty="0" smtClean="0">
                 <a:sym typeface="Wingdings" panose="05000000000000000000" pitchFamily="2" charset="2"/>
               </a:rPr>
-              <a:t>:99.9%</a:t>
-            </a:r>
+              <a:t>:99.9</a:t>
+            </a:r>
+            <a:r>
+              <a:rPr lang="en-US" altLang="zh-CN" dirty="0" smtClean="0">
+                <a:sym typeface="Wingdings" panose="05000000000000000000" pitchFamily="2" charset="2"/>
+              </a:rPr>
+              <a:t>%</a:t>
+            </a:r>
+          </a:p>
+          <a:p>
+            <a:pPr marL="171450" marR="0" indent="-171450" algn="l" defTabSz="914400" rtl="0" eaLnBrk="1" fontAlgn="auto" latinLnBrk="0" hangingPunct="1">
+              <a:lnSpc>
+                <a:spcPct val="100000"/>
+              </a:lnSpc>
+              <a:spcBef>
+                <a:spcPts val="0"/>
+              </a:spcBef>
+              <a:spcAft>
+                <a:spcPts val="0"/>
+              </a:spcAft>
+              <a:buClrTx/>
+              <a:buSzTx/>
+              <a:buFont typeface="Arial" panose="020B0604020202020204" pitchFamily="34" charset="0"/>
+              <a:buChar char="•"/>
+              <a:tabLst/>
+              <a:defRPr/>
+            </a:pPr>
+            <a:r>
+              <a:rPr lang="en-US" altLang="zh-CN" sz="1200" b="0" i="0" kern="1200" dirty="0" smtClean="0">
+                <a:solidFill>
+                  <a:schemeClr val="tx1"/>
+                </a:solidFill>
+                <a:effectLst/>
+                <a:latin typeface="+mn-lt"/>
+                <a:ea typeface="+mn-ea"/>
+                <a:cs typeface="+mn-cs"/>
+              </a:rPr>
+              <a:t>39 reported query parameter mismatches</a:t>
+            </a:r>
+            <a:r>
+              <a:rPr lang="en-US" altLang="zh-CN" dirty="0" smtClean="0"/>
+              <a:t> </a:t>
+            </a:r>
+            <a:endParaRPr lang="en-US" altLang="zh-CN" dirty="0" smtClean="0">
+              <a:sym typeface="Wingdings" panose="05000000000000000000" pitchFamily="2" charset="2"/>
+            </a:endParaRPr>
+          </a:p>
+          <a:p>
+            <a:pPr marL="628650" marR="0" lvl="1" indent="-171450" algn="l" defTabSz="914400" rtl="0" eaLnBrk="1" fontAlgn="auto" latinLnBrk="0" hangingPunct="1">
+              <a:lnSpc>
+                <a:spcPct val="100000"/>
+              </a:lnSpc>
+              <a:spcBef>
+                <a:spcPts val="0"/>
+              </a:spcBef>
+              <a:spcAft>
+                <a:spcPts val="0"/>
+              </a:spcAft>
+              <a:buClrTx/>
+              <a:buSzTx/>
+              <a:buFont typeface="Arial" panose="020B0604020202020204" pitchFamily="34" charset="0"/>
+              <a:buChar char="•"/>
+              <a:tabLst/>
+              <a:defRPr/>
+            </a:pPr>
+            <a:r>
+              <a:rPr lang="en-US" altLang="zh-CN" sz="1200" b="0" i="0" kern="1200" dirty="0" smtClean="0">
+                <a:solidFill>
+                  <a:schemeClr val="tx1"/>
+                </a:solidFill>
+                <a:effectLst/>
+                <a:latin typeface="+mn-lt"/>
+                <a:ea typeface="+mn-ea"/>
+                <a:cs typeface="+mn-cs"/>
+              </a:rPr>
+              <a:t>15 cases are explained by errors in the specification – required</a:t>
+            </a:r>
+            <a:r>
+              <a:rPr lang="en-US" altLang="zh-CN" sz="1200" b="0" i="0" kern="1200" baseline="0" dirty="0" smtClean="0">
+                <a:solidFill>
+                  <a:schemeClr val="tx1"/>
+                </a:solidFill>
+                <a:effectLst/>
+                <a:latin typeface="+mn-lt"/>
+                <a:ea typeface="+mn-ea"/>
+                <a:cs typeface="+mn-cs"/>
+              </a:rPr>
+              <a:t> </a:t>
+            </a:r>
+            <a:r>
+              <a:rPr lang="en-US" altLang="zh-CN" sz="1200" b="0" i="0" kern="1200" dirty="0" smtClean="0">
+                <a:solidFill>
+                  <a:schemeClr val="tx1"/>
+                </a:solidFill>
+                <a:effectLst/>
+                <a:latin typeface="+mn-lt"/>
+                <a:ea typeface="+mn-ea"/>
+                <a:cs typeface="+mn-cs"/>
+              </a:rPr>
+              <a:t>parameters are actually not necessary for a successful request</a:t>
+            </a:r>
+            <a:r>
+              <a:rPr lang="en-US" altLang="zh-CN" dirty="0" smtClean="0"/>
+              <a:t> </a:t>
+            </a:r>
+            <a:r>
+              <a:rPr lang="zh-CN" altLang="en-US" dirty="0" smtClean="0"/>
+              <a:t>（规范有问题）</a:t>
+            </a:r>
+            <a:endParaRPr lang="en-US" altLang="zh-CN" dirty="0" smtClean="0"/>
+          </a:p>
+          <a:p>
+            <a:pPr marL="628650" marR="0" lvl="1" indent="-171450" algn="l" defTabSz="914400" rtl="0" eaLnBrk="1" fontAlgn="auto" latinLnBrk="0" hangingPunct="1">
+              <a:lnSpc>
+                <a:spcPct val="100000"/>
+              </a:lnSpc>
+              <a:spcBef>
+                <a:spcPts val="0"/>
+              </a:spcBef>
+              <a:spcAft>
+                <a:spcPts val="0"/>
+              </a:spcAft>
+              <a:buClrTx/>
+              <a:buSzTx/>
+              <a:buFont typeface="Arial" panose="020B0604020202020204" pitchFamily="34" charset="0"/>
+              <a:buChar char="•"/>
+              <a:tabLst/>
+              <a:defRPr/>
+            </a:pPr>
+            <a:r>
+              <a:rPr lang="en-US" altLang="zh-CN" sz="1200" b="0" i="0" kern="1200" dirty="0" smtClean="0">
+                <a:solidFill>
+                  <a:schemeClr val="tx1"/>
+                </a:solidFill>
+                <a:effectLst/>
+                <a:latin typeface="+mn-lt"/>
+                <a:ea typeface="+mn-ea"/>
+                <a:cs typeface="+mn-cs"/>
+              </a:rPr>
+              <a:t>In 24 cases, query parameters that are required according to</a:t>
+            </a:r>
+            <a:r>
+              <a:rPr lang="en-US" altLang="zh-CN" sz="1200" b="0" i="0" kern="1200" baseline="0" dirty="0" smtClean="0">
+                <a:solidFill>
+                  <a:schemeClr val="tx1"/>
+                </a:solidFill>
+                <a:effectLst/>
+                <a:latin typeface="+mn-lt"/>
+                <a:ea typeface="+mn-ea"/>
+                <a:cs typeface="+mn-cs"/>
+              </a:rPr>
+              <a:t> </a:t>
+            </a:r>
+            <a:r>
+              <a:rPr lang="en-US" altLang="zh-CN" sz="1200" b="0" i="0" kern="1200" dirty="0" smtClean="0">
+                <a:solidFill>
+                  <a:schemeClr val="tx1"/>
+                </a:solidFill>
+                <a:effectLst/>
+                <a:latin typeface="+mn-lt"/>
+                <a:ea typeface="+mn-ea"/>
+                <a:cs typeface="+mn-cs"/>
+              </a:rPr>
+              <a:t>the specification are sent in the payload body of the request</a:t>
+            </a:r>
+            <a:r>
+              <a:rPr lang="en-US" altLang="zh-CN" sz="1200" b="0" i="0" kern="1200" baseline="0" dirty="0" smtClean="0">
+                <a:solidFill>
+                  <a:schemeClr val="tx1"/>
+                </a:solidFill>
+                <a:effectLst/>
+                <a:latin typeface="+mn-lt"/>
+                <a:ea typeface="+mn-ea"/>
+                <a:cs typeface="+mn-cs"/>
+              </a:rPr>
+              <a:t> </a:t>
+            </a:r>
+            <a:r>
+              <a:rPr lang="en-US" altLang="zh-CN" sz="1200" b="0" i="0" kern="1200" dirty="0" smtClean="0">
+                <a:solidFill>
+                  <a:schemeClr val="tx1"/>
+                </a:solidFill>
+                <a:effectLst/>
+                <a:latin typeface="+mn-lt"/>
+                <a:ea typeface="+mn-ea"/>
+                <a:cs typeface="+mn-cs"/>
+              </a:rPr>
+              <a:t>instead, which is, in most of these cases, in conflict with both,</a:t>
+            </a:r>
+            <a:r>
+              <a:rPr lang="en-US" altLang="zh-CN" sz="1200" b="0" i="0" kern="1200" baseline="0" dirty="0" smtClean="0">
+                <a:solidFill>
+                  <a:schemeClr val="tx1"/>
+                </a:solidFill>
+                <a:effectLst/>
+                <a:latin typeface="+mn-lt"/>
+                <a:ea typeface="+mn-ea"/>
+                <a:cs typeface="+mn-cs"/>
+              </a:rPr>
+              <a:t> </a:t>
+            </a:r>
+          </a:p>
+          <a:p>
+            <a:pPr marL="457200" marR="0" lvl="1" indent="0" algn="l" defTabSz="914400" rtl="0" eaLnBrk="1" fontAlgn="auto" latinLnBrk="0" hangingPunct="1">
+              <a:lnSpc>
+                <a:spcPct val="100000"/>
+              </a:lnSpc>
+              <a:spcBef>
+                <a:spcPts val="0"/>
+              </a:spcBef>
+              <a:spcAft>
+                <a:spcPts val="0"/>
+              </a:spcAft>
+              <a:buClrTx/>
+              <a:buSzTx/>
+              <a:buFont typeface="Arial" panose="020B0604020202020204" pitchFamily="34" charset="0"/>
+              <a:buNone/>
+              <a:tabLst/>
+              <a:defRPr/>
+            </a:pPr>
+            <a:r>
+              <a:rPr lang="en-US" altLang="zh-CN" sz="1200" b="0" i="0" kern="1200" baseline="0" dirty="0" smtClean="0">
+                <a:solidFill>
+                  <a:schemeClr val="tx1"/>
+                </a:solidFill>
+                <a:effectLst/>
+                <a:latin typeface="+mn-lt"/>
+                <a:ea typeface="+mn-ea"/>
+                <a:cs typeface="+mn-cs"/>
+              </a:rPr>
+              <a:t>    </a:t>
+            </a:r>
+            <a:r>
+              <a:rPr lang="en-US" altLang="zh-CN" sz="1200" b="0" i="0" kern="1200" dirty="0" smtClean="0">
+                <a:solidFill>
+                  <a:schemeClr val="tx1"/>
+                </a:solidFill>
+                <a:effectLst/>
+                <a:latin typeface="+mn-lt"/>
+                <a:ea typeface="+mn-ea"/>
+                <a:cs typeface="+mn-cs"/>
+              </a:rPr>
+              <a:t>the API specification and online documentation</a:t>
+            </a:r>
+            <a:r>
+              <a:rPr lang="zh-CN" altLang="en-US" sz="1200" b="0" i="0" kern="1200" dirty="0" smtClean="0">
+                <a:solidFill>
+                  <a:schemeClr val="tx1"/>
+                </a:solidFill>
+                <a:effectLst/>
+                <a:latin typeface="+mn-lt"/>
+                <a:ea typeface="+mn-ea"/>
+                <a:cs typeface="+mn-cs"/>
+              </a:rPr>
+              <a:t>。（代码中将查询数据被放到有效载荷</a:t>
+            </a:r>
+            <a:r>
+              <a:rPr lang="en-US" altLang="zh-CN" sz="1200" b="0" i="0" kern="1200" dirty="0" smtClean="0">
+                <a:solidFill>
+                  <a:schemeClr val="tx1"/>
+                </a:solidFill>
+                <a:effectLst/>
+                <a:latin typeface="+mn-lt"/>
+                <a:ea typeface="+mn-ea"/>
+                <a:cs typeface="+mn-cs"/>
+              </a:rPr>
+              <a:t>payload</a:t>
+            </a:r>
+            <a:r>
+              <a:rPr lang="zh-CN" altLang="en-US" sz="1200" b="0" i="0" kern="1200" dirty="0" smtClean="0">
+                <a:solidFill>
+                  <a:schemeClr val="tx1"/>
+                </a:solidFill>
+                <a:effectLst/>
+                <a:latin typeface="+mn-lt"/>
+                <a:ea typeface="+mn-ea"/>
+                <a:cs typeface="+mn-cs"/>
+              </a:rPr>
+              <a:t>中，因为缺失查询数据，该模型判为错，而规范认为是对的）</a:t>
+            </a:r>
+            <a:endParaRPr lang="en-US" altLang="zh-CN" dirty="0" smtClean="0"/>
+          </a:p>
+          <a:p>
+            <a:pPr marL="171450" marR="0" lvl="0" indent="-171450" algn="l" defTabSz="914400" rtl="0" eaLnBrk="1" fontAlgn="auto" latinLnBrk="0" hangingPunct="1">
+              <a:lnSpc>
+                <a:spcPct val="100000"/>
+              </a:lnSpc>
+              <a:spcBef>
+                <a:spcPts val="0"/>
+              </a:spcBef>
+              <a:spcAft>
+                <a:spcPts val="0"/>
+              </a:spcAft>
+              <a:buClrTx/>
+              <a:buSzTx/>
+              <a:buFont typeface="Arial" panose="020B0604020202020204" pitchFamily="34" charset="0"/>
+              <a:buChar char="•"/>
+              <a:tabLst/>
+              <a:defRPr/>
+            </a:pPr>
+            <a:r>
+              <a:rPr lang="en-US" altLang="zh-CN" sz="1200" b="0" i="0" kern="1200" dirty="0" smtClean="0">
+                <a:solidFill>
+                  <a:schemeClr val="tx1"/>
+                </a:solidFill>
+                <a:effectLst/>
+                <a:latin typeface="+mn-lt"/>
+                <a:ea typeface="+mn-ea"/>
+                <a:cs typeface="+mn-cs"/>
+              </a:rPr>
+              <a:t>Only in two</a:t>
+            </a:r>
+            <a:r>
+              <a:rPr lang="en-US" altLang="zh-CN" sz="1200" b="0" i="0" kern="1200" baseline="0" dirty="0" smtClean="0">
+                <a:solidFill>
+                  <a:schemeClr val="tx1"/>
+                </a:solidFill>
+                <a:effectLst/>
+                <a:latin typeface="+mn-lt"/>
+                <a:ea typeface="+mn-ea"/>
+                <a:cs typeface="+mn-cs"/>
+              </a:rPr>
+              <a:t> </a:t>
+            </a:r>
+            <a:r>
+              <a:rPr lang="en-US" altLang="zh-CN" sz="1200" b="0" i="0" kern="1200" dirty="0" smtClean="0">
+                <a:solidFill>
+                  <a:schemeClr val="tx1"/>
+                </a:solidFill>
+                <a:effectLst/>
+                <a:latin typeface="+mn-lt"/>
+                <a:ea typeface="+mn-ea"/>
+                <a:cs typeface="+mn-cs"/>
+              </a:rPr>
+              <a:t>cases do we find mismatches due to our approach’s failure to</a:t>
+            </a:r>
+            <a:r>
+              <a:rPr lang="en-US" altLang="zh-CN" sz="1200" b="0" i="0" kern="1200" baseline="0" dirty="0" smtClean="0">
+                <a:solidFill>
+                  <a:schemeClr val="tx1"/>
+                </a:solidFill>
+                <a:effectLst/>
+                <a:latin typeface="+mn-lt"/>
+                <a:ea typeface="+mn-ea"/>
+                <a:cs typeface="+mn-cs"/>
+              </a:rPr>
+              <a:t> </a:t>
+            </a:r>
+            <a:r>
+              <a:rPr lang="en-US" altLang="zh-CN" sz="1200" b="0" i="0" kern="1200" dirty="0" smtClean="0">
+                <a:solidFill>
+                  <a:schemeClr val="tx1"/>
+                </a:solidFill>
+                <a:effectLst/>
+                <a:latin typeface="+mn-lt"/>
+                <a:ea typeface="+mn-ea"/>
+                <a:cs typeface="+mn-cs"/>
+              </a:rPr>
+              <a:t>report needed information</a:t>
+            </a:r>
+            <a:r>
+              <a:rPr lang="en-US" altLang="zh-CN" dirty="0" smtClean="0"/>
+              <a:t> </a:t>
+            </a:r>
+            <a:r>
+              <a:rPr lang="zh-CN" altLang="en-US" dirty="0" smtClean="0"/>
+              <a:t>（解析</a:t>
+            </a:r>
+            <a:r>
+              <a:rPr lang="en-US" altLang="zh-CN" dirty="0" err="1" smtClean="0"/>
+              <a:t>url</a:t>
+            </a:r>
+            <a:r>
+              <a:rPr lang="zh-CN" altLang="en-US" dirty="0" smtClean="0"/>
+              <a:t>出错，）</a:t>
+            </a:r>
+            <a:r>
+              <a:rPr lang="en-US" altLang="zh-CN" dirty="0" smtClean="0"/>
+              <a:t/>
+            </a:r>
+            <a:br>
+              <a:rPr lang="en-US" altLang="zh-CN" dirty="0" smtClean="0"/>
+            </a:br>
+            <a:r>
+              <a:rPr lang="en-US" altLang="zh-CN" sz="1200" b="0" i="0" kern="1200" dirty="0" smtClean="0">
+                <a:solidFill>
+                  <a:schemeClr val="tx1"/>
+                </a:solidFill>
+                <a:effectLst/>
+                <a:latin typeface="+mn-lt"/>
+                <a:ea typeface="+mn-ea"/>
+                <a:cs typeface="+mn-cs"/>
+              </a:rPr>
+              <a:t>We observe two cases where the static analysis misses to</a:t>
+            </a:r>
+            <a:r>
+              <a:rPr lang="en-US" altLang="zh-CN" sz="1200" b="0" i="0" kern="1200" baseline="0" dirty="0" smtClean="0">
+                <a:solidFill>
+                  <a:schemeClr val="tx1"/>
+                </a:solidFill>
+                <a:effectLst/>
+                <a:latin typeface="+mn-lt"/>
+                <a:ea typeface="+mn-ea"/>
+                <a:cs typeface="+mn-cs"/>
+              </a:rPr>
+              <a:t> </a:t>
+            </a:r>
+            <a:r>
+              <a:rPr lang="en-US" altLang="zh-CN" sz="1200" b="0" i="0" kern="1200" dirty="0" smtClean="0">
+                <a:solidFill>
+                  <a:schemeClr val="tx1"/>
+                </a:solidFill>
+                <a:effectLst/>
+                <a:latin typeface="+mn-lt"/>
+                <a:ea typeface="+mn-ea"/>
+                <a:cs typeface="+mn-cs"/>
+              </a:rPr>
+              <a:t>report an inconsistency because the extracted URLs end with a</a:t>
+            </a:r>
+            <a:r>
+              <a:rPr lang="en-US" altLang="zh-CN" sz="1200" b="0" i="0" kern="1200" baseline="0" dirty="0" smtClean="0">
+                <a:solidFill>
+                  <a:schemeClr val="tx1"/>
+                </a:solidFill>
+                <a:effectLst/>
+                <a:latin typeface="+mn-lt"/>
+                <a:ea typeface="+mn-ea"/>
+                <a:cs typeface="+mn-cs"/>
+              </a:rPr>
+              <a:t> </a:t>
+            </a:r>
+            <a:r>
+              <a:rPr lang="en-US" altLang="zh-CN" sz="1200" b="0" i="0" kern="1200" dirty="0" smtClean="0">
+                <a:solidFill>
+                  <a:schemeClr val="tx1"/>
+                </a:solidFill>
+                <a:effectLst/>
+                <a:latin typeface="+mn-lt"/>
+                <a:ea typeface="+mn-ea"/>
+                <a:cs typeface="+mn-cs"/>
+              </a:rPr>
+              <a:t>variable</a:t>
+            </a:r>
+            <a:r>
+              <a:rPr lang="en-US" altLang="zh-CN" dirty="0" smtClean="0"/>
+              <a:t> </a:t>
+            </a:r>
+            <a:br>
+              <a:rPr lang="en-US" altLang="zh-CN" dirty="0" smtClean="0"/>
+            </a:br>
+            <a:r>
+              <a:rPr lang="en-US" altLang="zh-CN" dirty="0" smtClean="0"/>
+              <a:t/>
+            </a:r>
+            <a:br>
+              <a:rPr lang="en-US" altLang="zh-CN" dirty="0" smtClean="0"/>
+            </a:br>
+            <a:r>
+              <a:rPr lang="en-US" altLang="zh-CN" dirty="0" smtClean="0"/>
+              <a:t/>
+            </a:r>
+            <a:br>
+              <a:rPr lang="en-US" altLang="zh-CN" dirty="0" smtClean="0"/>
+            </a:br>
+            <a:r>
+              <a:rPr lang="en-US" altLang="zh-CN" dirty="0" smtClean="0"/>
+              <a:t/>
+            </a:r>
+            <a:br>
+              <a:rPr lang="en-US" altLang="zh-CN" dirty="0" smtClean="0"/>
+            </a:br>
+            <a:r>
+              <a:rPr lang="en-US" altLang="zh-CN" dirty="0" smtClean="0"/>
+              <a:t> </a:t>
+            </a:r>
+            <a:br>
+              <a:rPr lang="en-US" altLang="zh-CN" dirty="0" smtClean="0"/>
+            </a:br>
+            <a:endParaRPr lang="en-US" altLang="zh-CN" dirty="0" smtClean="0">
+              <a:sym typeface="Wingdings" panose="05000000000000000000" pitchFamily="2" charset="2"/>
+            </a:endParaRPr>
           </a:p>
           <a:p>
             <a:endParaRPr lang="zh-CN" altLang="en-US" dirty="0"/>
@@ -1828,7 +2307,89 @@
                 <a:ea typeface="+mn-ea"/>
                 <a:cs typeface="+mn-cs"/>
               </a:rPr>
-              <a:t>Labeled Propagation System</a:t>
+              <a:t>Root</a:t>
+            </a:r>
+            <a:r>
+              <a:rPr lang="en-US" altLang="zh-CN" sz="1200" b="0" i="0" kern="1200" baseline="0" dirty="0" smtClean="0">
+                <a:solidFill>
+                  <a:schemeClr val="tx1"/>
+                </a:solidFill>
+                <a:effectLst/>
+                <a:latin typeface="+mn-lt"/>
+                <a:ea typeface="+mn-ea"/>
+                <a:cs typeface="+mn-cs"/>
+              </a:rPr>
+              <a:t> cause</a:t>
+            </a:r>
+            <a:r>
+              <a:rPr lang="zh-CN" altLang="en-US" sz="1200" b="0" i="0" kern="1200" baseline="0" dirty="0" smtClean="0">
+                <a:solidFill>
+                  <a:schemeClr val="tx1"/>
+                </a:solidFill>
+                <a:effectLst/>
+                <a:latin typeface="+mn-lt"/>
+                <a:ea typeface="+mn-ea"/>
+                <a:cs typeface="+mn-cs"/>
+              </a:rPr>
+              <a:t>定位被分成两部分：解释标签传播系统和使用指向图和对应的标签去确定对应的</a:t>
+            </a:r>
+            <a:r>
+              <a:rPr lang="en-US" altLang="zh-CN" sz="1200" b="0" i="0" kern="1200" baseline="0" dirty="0" smtClean="0">
+                <a:solidFill>
+                  <a:schemeClr val="tx1"/>
+                </a:solidFill>
+                <a:effectLst/>
+                <a:latin typeface="+mn-lt"/>
+                <a:ea typeface="+mn-ea"/>
+                <a:cs typeface="+mn-cs"/>
+              </a:rPr>
+              <a:t>root cause</a:t>
+            </a:r>
+            <a:endParaRPr lang="en-US" altLang="zh-CN" sz="1200" b="0" i="0" kern="1200" dirty="0" smtClean="0">
+              <a:solidFill>
+                <a:schemeClr val="tx1"/>
+              </a:solidFill>
+              <a:effectLst/>
+              <a:latin typeface="+mn-lt"/>
+              <a:ea typeface="+mn-ea"/>
+              <a:cs typeface="+mn-cs"/>
+            </a:endParaRPr>
+          </a:p>
+          <a:p>
+            <a:endParaRPr lang="en-US" altLang="zh-CN" sz="1200" b="0" i="0" kern="1200" dirty="0" smtClean="0">
+              <a:solidFill>
+                <a:schemeClr val="tx1"/>
+              </a:solidFill>
+              <a:effectLst/>
+              <a:latin typeface="+mn-lt"/>
+              <a:ea typeface="+mn-ea"/>
+              <a:cs typeface="+mn-cs"/>
+            </a:endParaRPr>
+          </a:p>
+          <a:p>
+            <a:r>
+              <a:rPr lang="en-US" altLang="zh-CN" sz="1200" b="0" i="0" kern="1200" dirty="0" smtClean="0">
+                <a:solidFill>
+                  <a:schemeClr val="tx1"/>
+                </a:solidFill>
+                <a:effectLst/>
+                <a:latin typeface="+mn-lt"/>
+                <a:ea typeface="+mn-ea"/>
+                <a:cs typeface="+mn-cs"/>
+              </a:rPr>
+              <a:t>Labeled </a:t>
+            </a:r>
+            <a:r>
+              <a:rPr lang="en-US" altLang="zh-CN" sz="1200" b="0" i="0" kern="1200" dirty="0" smtClean="0">
+                <a:solidFill>
+                  <a:schemeClr val="tx1"/>
+                </a:solidFill>
+                <a:effectLst/>
+                <a:latin typeface="+mn-lt"/>
+                <a:ea typeface="+mn-ea"/>
+                <a:cs typeface="+mn-cs"/>
+              </a:rPr>
+              <a:t>Propagation System</a:t>
             </a:r>
             <a:r>
               <a:rPr lang="en-US" altLang="zh-CN" dirty="0" smtClean="0"/>
@@ -2034,6 +2595,261 @@
             <a:r>
               <a:rPr lang="en-US" altLang="zh-CN" dirty="0" smtClean="0"/>
               <a:t> </a:t>
+            </a:r>
+            <a:endParaRPr lang="en-US" altLang="zh-CN" dirty="0" smtClean="0"/>
+          </a:p>
+          <a:p>
+            <a:endParaRPr lang="en-US" altLang="zh-CN" dirty="0" smtClean="0"/>
+          </a:p>
+          <a:p>
+            <a:r>
+              <a:rPr lang="zh-CN" altLang="en-US" dirty="0" smtClean="0"/>
+              <a:t>对一个变量的指向集（</a:t>
+            </a:r>
+            <a:r>
+              <a:rPr lang="en-US" altLang="zh-CN" dirty="0" smtClean="0"/>
+              <a:t>point-to set</a:t>
+            </a:r>
+            <a:r>
+              <a:rPr lang="zh-CN" altLang="en-US" dirty="0" smtClean="0"/>
+              <a:t>）举例：</a:t>
+            </a:r>
+            <a:r>
+              <a:rPr lang="en-US" altLang="zh-CN" sz="1200" b="0" i="0" kern="1200" dirty="0" smtClean="0">
+                <a:solidFill>
+                  <a:schemeClr val="tx1"/>
+                </a:solidFill>
+                <a:effectLst/>
+                <a:latin typeface="+mn-lt"/>
+                <a:ea typeface="+mn-ea"/>
+                <a:cs typeface="+mn-cs"/>
+              </a:rPr>
+              <a:t>the propagation-history</a:t>
+            </a:r>
+            <a:r>
+              <a:rPr lang="en-US" altLang="zh-CN" sz="1200" b="0" i="0" kern="1200" baseline="0" dirty="0" smtClean="0">
+                <a:solidFill>
+                  <a:schemeClr val="tx1"/>
+                </a:solidFill>
+                <a:effectLst/>
+                <a:latin typeface="+mn-lt"/>
+                <a:ea typeface="+mn-ea"/>
+                <a:cs typeface="+mn-cs"/>
+              </a:rPr>
+              <a:t> </a:t>
+            </a:r>
+            <a:r>
+              <a:rPr lang="en-US" altLang="zh-CN" sz="1200" b="0" i="0" kern="1200" dirty="0" smtClean="0">
+                <a:solidFill>
+                  <a:schemeClr val="tx1"/>
+                </a:solidFill>
+                <a:effectLst/>
+                <a:latin typeface="+mn-lt"/>
+                <a:ea typeface="+mn-ea"/>
+                <a:cs typeface="+mn-cs"/>
+              </a:rPr>
+              <a:t>graph for the points-to set of </a:t>
+            </a:r>
+            <a:r>
+              <a:rPr lang="en-US" altLang="zh-CN" sz="1200" b="0" i="0" kern="1200" dirty="0" err="1" smtClean="0">
+                <a:solidFill>
+                  <a:schemeClr val="tx1"/>
+                </a:solidFill>
+                <a:effectLst/>
+                <a:latin typeface="+mn-lt"/>
+                <a:ea typeface="+mn-ea"/>
+                <a:cs typeface="+mn-cs"/>
+              </a:rPr>
+              <a:t>vtmp</a:t>
+            </a:r>
+            <a:r>
+              <a:rPr lang="en-US" altLang="zh-CN" sz="1200" b="0" i="0" kern="1200" dirty="0" smtClean="0">
+                <a:solidFill>
+                  <a:schemeClr val="tx1"/>
+                </a:solidFill>
+                <a:effectLst/>
+                <a:latin typeface="+mn-lt"/>
+                <a:ea typeface="+mn-ea"/>
+                <a:cs typeface="+mn-cs"/>
+              </a:rPr>
+              <a:t> consists of all the reference properties of source[name] as entry points. </a:t>
+            </a:r>
+            <a:r>
+              <a:rPr lang="en-US" altLang="zh-CN" sz="1200" b="0" i="0" kern="1200" dirty="0" err="1" smtClean="0">
+                <a:solidFill>
+                  <a:schemeClr val="tx1"/>
+                </a:solidFill>
+                <a:effectLst/>
+                <a:latin typeface="+mn-lt"/>
+                <a:ea typeface="+mn-ea"/>
+                <a:cs typeface="+mn-cs"/>
+              </a:rPr>
+              <a:t>vtmp</a:t>
+            </a:r>
+            <a:r>
+              <a:rPr lang="en-US" altLang="zh-CN" sz="1200" b="0" i="0" kern="1200" dirty="0" smtClean="0">
+                <a:solidFill>
+                  <a:schemeClr val="tx1"/>
+                </a:solidFill>
+                <a:effectLst/>
+                <a:latin typeface="+mn-lt"/>
+                <a:ea typeface="+mn-ea"/>
+                <a:cs typeface="+mn-cs"/>
+              </a:rPr>
+              <a:t> is</a:t>
+            </a:r>
+            <a:br>
+              <a:rPr lang="en-US" altLang="zh-CN" sz="1200" b="0" i="0" kern="1200" dirty="0" smtClean="0">
+                <a:solidFill>
+                  <a:schemeClr val="tx1"/>
+                </a:solidFill>
+                <a:effectLst/>
+                <a:latin typeface="+mn-lt"/>
+                <a:ea typeface="+mn-ea"/>
+                <a:cs typeface="+mn-cs"/>
+              </a:rPr>
+            </a:br>
+            <a:r>
+              <a:rPr lang="en-US" altLang="zh-CN" sz="1200" b="0" i="0" kern="1200" dirty="0" smtClean="0">
+                <a:solidFill>
+                  <a:schemeClr val="tx1"/>
+                </a:solidFill>
+                <a:effectLst/>
+                <a:latin typeface="+mn-lt"/>
+                <a:ea typeface="+mn-ea"/>
+                <a:cs typeface="+mn-cs"/>
+              </a:rPr>
+              <a:t>the entry point of the propagation-history graph for the</a:t>
+            </a:r>
+            <a:r>
+              <a:rPr lang="en-US" altLang="zh-CN" sz="1200" b="0" i="0" kern="1200" baseline="0" dirty="0" smtClean="0">
+                <a:solidFill>
+                  <a:schemeClr val="tx1"/>
+                </a:solidFill>
+                <a:effectLst/>
+                <a:latin typeface="+mn-lt"/>
+                <a:ea typeface="+mn-ea"/>
+                <a:cs typeface="+mn-cs"/>
+              </a:rPr>
+              <a:t> </a:t>
+            </a:r>
+            <a:r>
+              <a:rPr lang="en-US" altLang="zh-CN" sz="1200" b="0" i="0" kern="1200" dirty="0" smtClean="0">
+                <a:solidFill>
+                  <a:schemeClr val="tx1"/>
+                </a:solidFill>
+                <a:effectLst/>
+                <a:latin typeface="+mn-lt"/>
+                <a:ea typeface="+mn-ea"/>
+                <a:cs typeface="+mn-cs"/>
+              </a:rPr>
+              <a:t>points-to set of each reference property of target[name]</a:t>
+            </a:r>
+            <a:r>
+              <a:rPr lang="en-US" altLang="zh-CN" sz="1200" b="0" i="0" kern="1200" baseline="0" dirty="0" smtClean="0">
+                <a:solidFill>
+                  <a:schemeClr val="tx1"/>
+                </a:solidFill>
+                <a:effectLst/>
+                <a:latin typeface="+mn-lt"/>
+                <a:ea typeface="+mn-ea"/>
+                <a:cs typeface="+mn-cs"/>
+              </a:rPr>
+              <a:t> </a:t>
+            </a:r>
+            <a:r>
+              <a:rPr lang="en-US" altLang="zh-CN" sz="1200" b="0" i="0" kern="1200" dirty="0" smtClean="0">
+                <a:solidFill>
+                  <a:schemeClr val="tx1"/>
+                </a:solidFill>
+                <a:effectLst/>
+                <a:latin typeface="+mn-lt"/>
+                <a:ea typeface="+mn-ea"/>
+                <a:cs typeface="+mn-cs"/>
+              </a:rPr>
+              <a:t>(e.g., </a:t>
+            </a:r>
+            <a:r>
+              <a:rPr lang="en-US" altLang="zh-CN" sz="1200" b="0" i="0" kern="1200" dirty="0" err="1" smtClean="0">
+                <a:solidFill>
+                  <a:schemeClr val="tx1"/>
+                </a:solidFill>
+                <a:effectLst/>
+                <a:latin typeface="+mn-lt"/>
+                <a:ea typeface="+mn-ea"/>
+                <a:cs typeface="+mn-cs"/>
+              </a:rPr>
+              <a:t>ptarget_i.pname_j</a:t>
+            </a:r>
+            <a:r>
+              <a:rPr lang="en-US" altLang="zh-CN" sz="1200" b="0" i="0" kern="1200" dirty="0" smtClean="0">
+                <a:solidFill>
+                  <a:schemeClr val="tx1"/>
+                </a:solidFill>
+                <a:effectLst/>
+                <a:latin typeface="+mn-lt"/>
+                <a:ea typeface="+mn-ea"/>
+                <a:cs typeface="+mn-cs"/>
+              </a:rPr>
+              <a:t>), while there also are edges from </a:t>
+            </a:r>
+            <a:r>
+              <a:rPr lang="en-US" altLang="zh-CN" sz="1200" b="0" i="0" kern="1200" dirty="0" err="1" smtClean="0">
+                <a:solidFill>
+                  <a:schemeClr val="tx1"/>
+                </a:solidFill>
+                <a:effectLst/>
+                <a:latin typeface="+mn-lt"/>
+                <a:ea typeface="+mn-ea"/>
+                <a:cs typeface="+mn-cs"/>
+              </a:rPr>
+              <a:t>vtmp</a:t>
+            </a:r>
+            <a:r>
+              <a:rPr lang="en-US" altLang="zh-CN" sz="1200" b="0" i="0" kern="1200" dirty="0" smtClean="0">
+                <a:solidFill>
+                  <a:schemeClr val="tx1"/>
+                </a:solidFill>
+                <a:effectLst/>
+                <a:latin typeface="+mn-lt"/>
+                <a:ea typeface="+mn-ea"/>
+                <a:cs typeface="+mn-cs"/>
+              </a:rPr>
+              <a:t/>
+            </a:r>
+            <a:br>
+              <a:rPr lang="en-US" altLang="zh-CN" sz="1200" b="0" i="0" kern="1200" dirty="0" smtClean="0">
+                <a:solidFill>
+                  <a:schemeClr val="tx1"/>
+                </a:solidFill>
+                <a:effectLst/>
+                <a:latin typeface="+mn-lt"/>
+                <a:ea typeface="+mn-ea"/>
+                <a:cs typeface="+mn-cs"/>
+              </a:rPr>
+            </a:br>
+            <a:r>
+              <a:rPr lang="en-US" altLang="zh-CN" sz="1200" b="0" i="0" kern="1200" dirty="0" smtClean="0">
+                <a:solidFill>
+                  <a:schemeClr val="tx1"/>
+                </a:solidFill>
+                <a:effectLst/>
+                <a:latin typeface="+mn-lt"/>
+                <a:ea typeface="+mn-ea"/>
+                <a:cs typeface="+mn-cs"/>
+              </a:rPr>
+              <a:t>to the properties of source[name]</a:t>
+            </a:r>
+            <a:r>
+              <a:rPr lang="en-US" altLang="zh-CN" dirty="0" smtClean="0"/>
+              <a:t> </a:t>
+            </a:r>
+            <a:br>
+              <a:rPr lang="en-US" altLang="zh-CN" dirty="0" smtClean="0"/>
+            </a:br>
+            <a:r>
+              <a:rPr lang="en-US" altLang="zh-CN" dirty="0" smtClean="0"/>
+              <a:t/>
             </a:r>
             <a:br>
               <a:rPr lang="en-US" altLang="zh-CN" dirty="0" smtClean="0"/>
@@ -2169,6 +2985,18 @@
             <a:br>
               <a:rPr lang="en-US" altLang="zh-CN" dirty="0" smtClean="0"/>
             </a:br>
+            <a:r>
+              <a:rPr lang="zh-CN" altLang="en-US" dirty="0" smtClean="0"/>
+              <a:t>认为指向规模应该是个线性的过程，有斜率有截距，唯一的问题是这个</a:t>
+            </a:r>
+            <a:r>
+              <a:rPr lang="en-US" altLang="zh-CN" dirty="0" smtClean="0"/>
+              <a:t>evaluation</a:t>
+            </a:r>
+            <a:r>
+              <a:rPr lang="zh-CN" altLang="en-US" dirty="0" smtClean="0"/>
+              <a:t>是啥意思？</a:t>
+            </a:r>
             <a:endParaRPr lang="zh-CN" altLang="en-US" dirty="0"/>
           </a:p>
         </p:txBody>
@@ -2254,207 +3082,25 @@
           <a:lstStyle/>
           <a:p>
             <a:r>
-              <a:rPr lang="zh-CN" altLang="en-US" dirty="0" smtClean="0"/>
-              <a:t>因为获得了不同的上下文敏感的动态指向图，可以确定哪个</a:t>
-            </a:r>
-            <a:r>
-              <a:rPr lang="en-US" altLang="zh-CN" dirty="0" smtClean="0"/>
-              <a:t>policy</a:t>
-            </a:r>
-            <a:r>
-              <a:rPr lang="zh-CN" altLang="en-US" dirty="0" smtClean="0"/>
-              <a:t>是有用的。（</a:t>
-            </a:r>
-            <a:r>
-              <a:rPr lang="en-US" altLang="zh-CN" dirty="0" smtClean="0"/>
-              <a:t>policy</a:t>
-            </a:r>
-            <a:r>
-              <a:rPr lang="zh-CN" altLang="en-US" dirty="0" smtClean="0"/>
-              <a:t>包括</a:t>
-            </a:r>
-            <a:r>
-              <a:rPr lang="en-US" altLang="zh-CN" dirty="0" smtClean="0"/>
-              <a:t>call site</a:t>
-            </a:r>
-            <a:r>
-              <a:rPr lang="zh-CN" altLang="en-US" dirty="0" smtClean="0"/>
-              <a:t>、</a:t>
-            </a:r>
-            <a:r>
-              <a:rPr lang="en-US" altLang="zh-CN" dirty="0" smtClean="0"/>
-              <a:t>argument</a:t>
-            </a:r>
-            <a:r>
-              <a:rPr lang="zh-CN" altLang="en-US" dirty="0" smtClean="0"/>
-              <a:t>、</a:t>
-            </a:r>
-            <a:r>
-              <a:rPr lang="en-US" altLang="zh-CN" dirty="0" smtClean="0"/>
-              <a:t>everywhere</a:t>
-            </a:r>
-            <a:r>
-              <a:rPr lang="zh-CN" altLang="en-US" dirty="0" smtClean="0"/>
-              <a:t>）去确定哪种</a:t>
-            </a:r>
-            <a:r>
-              <a:rPr lang="en-US" altLang="zh-CN" sz="1200" b="0" i="0" kern="1200" dirty="0" smtClean="0">
-                <a:solidFill>
-                  <a:schemeClr val="tx1"/>
-                </a:solidFill>
-                <a:effectLst/>
-                <a:latin typeface="+mn-lt"/>
-                <a:ea typeface="+mn-ea"/>
-                <a:cs typeface="+mn-cs"/>
-              </a:rPr>
-              <a:t>calling context</a:t>
-            </a:r>
-            <a:r>
-              <a:rPr lang="zh-CN" altLang="en-US" sz="1200" b="0" i="0" kern="1200" dirty="0" smtClean="0">
-                <a:solidFill>
-                  <a:schemeClr val="tx1"/>
-                </a:solidFill>
-                <a:effectLst/>
-                <a:latin typeface="+mn-lt"/>
-                <a:ea typeface="+mn-ea"/>
-                <a:cs typeface="+mn-cs"/>
-              </a:rPr>
-              <a:t>是</a:t>
-            </a:r>
-            <a:endParaRPr lang="en-US" altLang="zh-CN" dirty="0" smtClean="0"/>
-          </a:p>
-          <a:p>
-            <a:r>
-              <a:rPr lang="en-US" altLang="zh-CN" sz="1200" b="0" i="0" kern="1200" dirty="0" smtClean="0">
-                <a:solidFill>
-                  <a:schemeClr val="tx1"/>
-                </a:solidFill>
-                <a:effectLst/>
-                <a:latin typeface="+mn-lt"/>
-                <a:ea typeface="+mn-ea"/>
-                <a:cs typeface="+mn-cs"/>
-              </a:rPr>
-              <a:t>the target program is executed to collect a dynamic</a:t>
-            </a:r>
-            <a:r>
-              <a:rPr lang="en-US" altLang="zh-CN" sz="1200" b="0" i="0" kern="1200" baseline="0" dirty="0" smtClean="0">
-                <a:solidFill>
-                  <a:schemeClr val="tx1"/>
-                </a:solidFill>
-                <a:effectLst/>
-                <a:latin typeface="+mn-lt"/>
-                <a:ea typeface="+mn-ea"/>
-                <a:cs typeface="+mn-cs"/>
-              </a:rPr>
-              <a:t> </a:t>
-            </a:r>
-            <a:r>
-              <a:rPr lang="en-US" altLang="zh-CN" sz="1200" b="0" i="0" kern="1200" dirty="0" smtClean="0">
-                <a:solidFill>
-                  <a:schemeClr val="tx1"/>
-                </a:solidFill>
-                <a:effectLst/>
-                <a:latin typeface="+mn-lt"/>
-                <a:ea typeface="+mn-ea"/>
-                <a:cs typeface="+mn-cs"/>
-              </a:rPr>
-              <a:t>trace</a:t>
-            </a:r>
-            <a:r>
-              <a:rPr lang="en-US" altLang="zh-CN" dirty="0" smtClean="0"/>
-              <a:t> </a:t>
-            </a:r>
-          </a:p>
-          <a:p>
-            <a:pPr marL="285750" indent="-285750">
-              <a:buAutoNum type="romanLcParenBoth"/>
-            </a:pPr>
-            <a:r>
-              <a:rPr lang="en-US" altLang="zh-CN" sz="1200" b="0" i="0" kern="1200" dirty="0" smtClean="0">
-                <a:solidFill>
-                  <a:schemeClr val="tx1"/>
-                </a:solidFill>
-                <a:effectLst/>
-                <a:latin typeface="+mn-lt"/>
-                <a:ea typeface="+mn-ea"/>
-                <a:cs typeface="+mn-cs"/>
-              </a:rPr>
-              <a:t>function entries and</a:t>
-            </a:r>
-            <a:r>
-              <a:rPr lang="en-US" altLang="zh-CN" sz="1200" b="0" i="0" kern="1200" baseline="0" dirty="0" smtClean="0">
-                <a:solidFill>
-                  <a:schemeClr val="tx1"/>
-                </a:solidFill>
-                <a:effectLst/>
-                <a:latin typeface="+mn-lt"/>
-                <a:ea typeface="+mn-ea"/>
-                <a:cs typeface="+mn-cs"/>
-              </a:rPr>
-              <a:t> </a:t>
-            </a:r>
-            <a:r>
-              <a:rPr lang="en-US" altLang="zh-CN" sz="1200" b="0" i="0" kern="1200" dirty="0" smtClean="0">
-                <a:solidFill>
-                  <a:schemeClr val="tx1"/>
-                </a:solidFill>
-                <a:effectLst/>
-                <a:latin typeface="+mn-lt"/>
-                <a:ea typeface="+mn-ea"/>
-                <a:cs typeface="+mn-cs"/>
-              </a:rPr>
-              <a:t>exits; (ii) invocations; and (iii) property reads and writes</a:t>
-            </a:r>
-            <a:r>
-              <a:rPr lang="en-US" altLang="zh-CN" dirty="0" smtClean="0"/>
-              <a:t> </a:t>
-            </a:r>
-            <a:r>
-              <a:rPr lang="zh-CN" altLang="en-US" dirty="0" smtClean="0"/>
-              <a:t>动态的指向图</a:t>
-            </a:r>
-            <a:endParaRPr lang="en-US" altLang="zh-CN" dirty="0" smtClean="0"/>
-          </a:p>
-          <a:p>
-            <a:pPr marL="0" indent="0">
-              <a:buNone/>
-            </a:pPr>
-            <a:r>
-              <a:rPr lang="zh-CN" altLang="en-US" dirty="0" smtClean="0"/>
-              <a:t>此模块是通过动态的方法去确定选择哪种</a:t>
-            </a:r>
-            <a:r>
-              <a:rPr lang="en-US" altLang="zh-CN" dirty="0" smtClean="0"/>
-              <a:t>calling context</a:t>
-            </a:r>
-            <a:r>
-              <a:rPr lang="zh-CN" altLang="en-US" dirty="0" smtClean="0"/>
-              <a:t>是最好的。</a:t>
-            </a:r>
-            <a:r>
-              <a:rPr lang="en-US" altLang="zh-CN" dirty="0" smtClean="0"/>
-              <a:t/>
-            </a:r>
-            <a:br>
-              <a:rPr lang="en-US" altLang="zh-CN" dirty="0" smtClean="0"/>
-            </a:br>
-            <a:endParaRPr lang="en-US" altLang="zh-CN" dirty="0" smtClean="0"/>
-          </a:p>
-          <a:p>
-            <a:pPr marL="0" indent="0">
-              <a:buNone/>
-            </a:pPr>
-            <a:r>
-              <a:rPr lang="zh-CN" altLang="en-US" dirty="0" smtClean="0"/>
-              <a:t>问题在于此项目适用，并不代表这里得到的结论可以用于其它项目</a:t>
-            </a:r>
-            <a:r>
-              <a:rPr lang="en-US" altLang="zh-CN" dirty="0" smtClean="0"/>
-              <a:t/>
-            </a:r>
-            <a:br>
-              <a:rPr lang="en-US" altLang="zh-CN" dirty="0" smtClean="0"/>
-            </a:br>
+              <a:rPr lang="en-US" altLang="zh-CN" dirty="0" smtClean="0"/>
+              <a:t>|</a:t>
+            </a:r>
+            <a:r>
+              <a:rPr lang="en-US" altLang="zh-CN" dirty="0" err="1" smtClean="0"/>
+              <a:t>Lv</a:t>
+            </a:r>
+            <a:r>
+              <a:rPr lang="en-US" altLang="zh-CN" dirty="0" smtClean="0"/>
+              <a:t>| measures how widely v reaches within the propagation system, and |</a:t>
+            </a:r>
+            <a:r>
+              <a:rPr lang="en-US" altLang="zh-CN" dirty="0" err="1" smtClean="0"/>
+              <a:t>Pv</a:t>
+            </a:r>
+            <a:r>
+              <a:rPr lang="en-US" altLang="zh-CN" dirty="0" smtClean="0"/>
+              <a:t>| measures if the impact of its wide reach is significant</a:t>
+            </a:r>
             <a:endParaRPr lang="zh-CN" altLang="en-US" dirty="0"/>
           </a:p>
         </p:txBody>
@@ -2476,7 +3122,7 @@
           <a:p>
             <a:fld id="{D1A57DDF-2958-4B06-BBB2-5E1DEC7CA669}" type="slidenum">
               <a:rPr lang="zh-CN" altLang="en-US" smtClean="0"/>
-              <a:t>24</a:t>
+              <a:t>22</a:t>
             </a:fld>
             <a:endParaRPr lang="zh-CN" altLang="en-US"/>
           </a:p>
@@ -2485,7 +3131,7 @@
     </p:spTree>
     <p:extLst>
       <p:ext uri="{BB962C8B-B14F-4D97-AF65-F5344CB8AC3E}">
-        <p14:creationId xmlns:p14="http://schemas.microsoft.com/office/powerpoint/2010/main" val="3402999404"/>
+        <p14:creationId xmlns:p14="http://schemas.microsoft.com/office/powerpoint/2010/main" val="506058656"/>
       </p:ext>
     </p:extLst>
   </p:cSld>
@@ -2540,352 +3186,18 @@
           <a:lstStyle/>
           <a:p>
             <a:r>
-              <a:rPr lang="zh-CN" altLang="en-US" baseline="0" dirty="0" smtClean="0"/>
-              <a:t>两组实验：</a:t>
-            </a:r>
-            <a:endParaRPr lang="en-US" altLang="zh-CN" baseline="0" dirty="0" smtClean="0"/>
-          </a:p>
-          <a:p>
-            <a:r>
-              <a:rPr lang="zh-CN" altLang="en-US" baseline="0" dirty="0" smtClean="0"/>
-              <a:t>实验一：先对</a:t>
-            </a:r>
-            <a:r>
-              <a:rPr lang="en-US" altLang="zh-CN" baseline="0" dirty="0" smtClean="0"/>
-              <a:t>benchmark</a:t>
-            </a:r>
-            <a:r>
-              <a:rPr lang="zh-CN" altLang="en-US" baseline="0" dirty="0" smtClean="0"/>
-              <a:t>执行</a:t>
-            </a:r>
-            <a:r>
-              <a:rPr lang="en-US" altLang="zh-CN" baseline="0" dirty="0" smtClean="0"/>
-              <a:t>1-CFA</a:t>
-            </a:r>
-            <a:r>
-              <a:rPr lang="zh-CN" altLang="en-US" baseline="0" dirty="0" smtClean="0"/>
-              <a:t>分析，然后执行定位方法找到包含根本原因的函数，对这些函数</a:t>
-            </a:r>
-            <a:r>
-              <a:rPr lang="en-US" altLang="zh-CN" sz="1200" b="0" i="0" kern="1200" dirty="0" smtClean="0">
-                <a:solidFill>
-                  <a:schemeClr val="tx1"/>
-                </a:solidFill>
-                <a:effectLst/>
-                <a:latin typeface="+mn-lt"/>
-                <a:ea typeface="+mn-ea"/>
-                <a:cs typeface="+mn-cs"/>
-              </a:rPr>
-              <a:t>applied additional argument sensitivity on the first arguments</a:t>
-            </a:r>
-            <a:r>
-              <a:rPr lang="en-US" altLang="zh-CN" dirty="0" smtClean="0"/>
-              <a:t> </a:t>
-            </a:r>
-            <a:r>
               <a:rPr lang="zh-CN" altLang="en-US" dirty="0" smtClean="0"/>
-              <a:t>，剩下的函数执行</a:t>
-            </a:r>
-            <a:r>
-              <a:rPr lang="en-US" altLang="zh-CN" dirty="0" smtClean="0"/>
-              <a:t>1-CFA</a:t>
+              <a:t>首先收集一个动态执行的</a:t>
+            </a:r>
+            <a:r>
+              <a:rPr lang="en-US" altLang="zh-CN" dirty="0" smtClean="0"/>
+              <a:t>trace</a:t>
             </a:r>
             <a:r>
               <a:rPr lang="zh-CN" altLang="en-US" dirty="0" smtClean="0"/>
-              <a:t>分析。</a:t>
-            </a:r>
-            <a:endParaRPr lang="en-US" altLang="zh-CN" dirty="0" smtClean="0"/>
-          </a:p>
-          <a:p>
-            <a:r>
-              <a:rPr lang="en-US" altLang="zh-CN" sz="1200" b="0" i="0" kern="1200" dirty="0" smtClean="0">
-                <a:solidFill>
-                  <a:schemeClr val="tx1"/>
-                </a:solidFill>
-                <a:effectLst/>
-                <a:latin typeface="+mn-lt"/>
-                <a:ea typeface="+mn-ea"/>
-                <a:cs typeface="+mn-cs"/>
-              </a:rPr>
-              <a:t>the whole-program 1-CFA and 1</a:t>
-            </a:r>
-            <a:r>
-              <a:rPr lang="en-US" altLang="zh-CN" sz="1200" b="0" i="0" kern="1200" baseline="30000" dirty="0" smtClean="0">
-                <a:solidFill>
-                  <a:schemeClr val="tx1"/>
-                </a:solidFill>
-                <a:effectLst/>
-                <a:latin typeface="+mn-lt"/>
-                <a:ea typeface="+mn-ea"/>
-                <a:cs typeface="+mn-cs"/>
-              </a:rPr>
-              <a:t>st</a:t>
-            </a:r>
-            <a:r>
-              <a:rPr lang="en-US" altLang="zh-CN" sz="1200" b="0" i="0" kern="1200" dirty="0" smtClean="0">
-                <a:solidFill>
-                  <a:schemeClr val="tx1"/>
-                </a:solidFill>
-                <a:effectLst/>
-                <a:latin typeface="+mn-lt"/>
-                <a:ea typeface="+mn-ea"/>
-                <a:cs typeface="+mn-cs"/>
-              </a:rPr>
-              <a:t>-argument-sensitive analysis, and the </a:t>
-            </a:r>
-            <a:r>
-              <a:rPr lang="en-US" altLang="zh-CN" sz="1200" b="0" i="1" kern="1200" dirty="0" smtClean="0">
-                <a:solidFill>
-                  <a:schemeClr val="tx1"/>
-                </a:solidFill>
-                <a:effectLst/>
-                <a:latin typeface="+mn-lt"/>
-                <a:ea typeface="+mn-ea"/>
-                <a:cs typeface="+mn-cs"/>
-              </a:rPr>
-              <a:t>selective </a:t>
-            </a:r>
-            <a:r>
-              <a:rPr lang="en-US" altLang="zh-CN" sz="1200" b="0" i="0" kern="1200" dirty="0" smtClean="0">
-                <a:solidFill>
-                  <a:schemeClr val="tx1"/>
-                </a:solidFill>
-                <a:effectLst/>
-                <a:latin typeface="+mn-lt"/>
-                <a:ea typeface="+mn-ea"/>
-                <a:cs typeface="+mn-cs"/>
-              </a:rPr>
-              <a:t>analysis</a:t>
-            </a:r>
-            <a:r>
-              <a:rPr lang="en-US" altLang="zh-CN" dirty="0" smtClean="0"/>
-              <a:t> </a:t>
-            </a:r>
-          </a:p>
-          <a:p>
-            <a:r>
-              <a:rPr lang="zh-CN" altLang="en-US" dirty="0" smtClean="0"/>
-              <a:t>实验二：</a:t>
-            </a:r>
-            <a:r>
-              <a:rPr lang="en-US" altLang="zh-CN" sz="1200" b="0" i="0" kern="1200" dirty="0" smtClean="0">
-                <a:solidFill>
-                  <a:schemeClr val="tx1"/>
-                </a:solidFill>
-                <a:effectLst/>
-                <a:latin typeface="+mn-lt"/>
-                <a:ea typeface="+mn-ea"/>
-                <a:cs typeface="+mn-cs"/>
-              </a:rPr>
-              <a:t>we applied the root-cause localization as well as</a:t>
-            </a:r>
-            <a:r>
-              <a:rPr lang="en-US" altLang="zh-CN" sz="1200" b="0" i="0" kern="1200" baseline="0" dirty="0" smtClean="0">
-                <a:solidFill>
-                  <a:schemeClr val="tx1"/>
-                </a:solidFill>
-                <a:effectLst/>
-                <a:latin typeface="+mn-lt"/>
-                <a:ea typeface="+mn-ea"/>
-                <a:cs typeface="+mn-cs"/>
-              </a:rPr>
-              <a:t> </a:t>
-            </a:r>
-            <a:r>
-              <a:rPr lang="en-US" altLang="zh-CN" sz="1200" b="0" i="0" kern="1200" dirty="0" smtClean="0">
-                <a:solidFill>
-                  <a:schemeClr val="tx1"/>
-                </a:solidFill>
-                <a:effectLst/>
-                <a:latin typeface="+mn-lt"/>
-                <a:ea typeface="+mn-ea"/>
-                <a:cs typeface="+mn-cs"/>
-              </a:rPr>
-              <a:t>improvement suggestion algorithms on the </a:t>
-            </a:r>
-            <a:r>
-              <a:rPr lang="en-US" altLang="zh-CN" sz="1200" b="0" i="1" kern="1200" dirty="0" smtClean="0">
-                <a:solidFill>
-                  <a:schemeClr val="tx1"/>
-                </a:solidFill>
-                <a:effectLst/>
-                <a:latin typeface="+mn-lt"/>
-                <a:ea typeface="+mn-ea"/>
-                <a:cs typeface="+mn-cs"/>
-              </a:rPr>
-              <a:t>baseline </a:t>
-            </a:r>
-            <a:r>
-              <a:rPr lang="en-US" altLang="zh-CN" sz="1200" b="0" i="0" kern="1200" dirty="0" smtClean="0">
-                <a:solidFill>
-                  <a:schemeClr val="tx1"/>
-                </a:solidFill>
-                <a:effectLst/>
-                <a:latin typeface="+mn-lt"/>
-                <a:ea typeface="+mn-ea"/>
-                <a:cs typeface="+mn-cs"/>
-              </a:rPr>
-              <a:t>0-1-CFA</a:t>
-            </a:r>
-            <a:r>
-              <a:rPr lang="en-US" altLang="zh-CN" sz="1200" b="0" i="0" kern="1200" baseline="0" dirty="0" smtClean="0">
-                <a:solidFill>
-                  <a:schemeClr val="tx1"/>
-                </a:solidFill>
-                <a:effectLst/>
-                <a:latin typeface="+mn-lt"/>
-                <a:ea typeface="+mn-ea"/>
-                <a:cs typeface="+mn-cs"/>
-              </a:rPr>
-              <a:t> </a:t>
-            </a:r>
-            <a:r>
-              <a:rPr lang="en-US" altLang="zh-CN" sz="1200" b="0" i="0" kern="1200" dirty="0" smtClean="0">
-                <a:solidFill>
-                  <a:schemeClr val="tx1"/>
-                </a:solidFill>
-                <a:effectLst/>
-                <a:latin typeface="+mn-lt"/>
-                <a:ea typeface="+mn-ea"/>
-                <a:cs typeface="+mn-cs"/>
-              </a:rPr>
-              <a:t>analysis.</a:t>
-            </a:r>
-          </a:p>
-          <a:p>
-            <a:r>
-              <a:rPr lang="en-US" altLang="zh-CN" sz="1200" b="0" i="0" kern="1200" dirty="0" smtClean="0">
-                <a:solidFill>
-                  <a:schemeClr val="tx1"/>
-                </a:solidFill>
-                <a:effectLst/>
-                <a:latin typeface="+mn-lt"/>
-                <a:ea typeface="+mn-ea"/>
-                <a:cs typeface="+mn-cs"/>
-              </a:rPr>
-              <a:t>Possible suggestions for root-cause functions include: </a:t>
-            </a:r>
-          </a:p>
-          <a:p>
-            <a:pPr marL="285750" indent="-285750">
-              <a:buAutoNum type="romanLcParenBoth"/>
-            </a:pPr>
-            <a:r>
-              <a:rPr lang="en-US" altLang="zh-CN" sz="1200" b="0" i="0" kern="1200" dirty="0" smtClean="0">
-                <a:solidFill>
-                  <a:schemeClr val="tx1"/>
-                </a:solidFill>
-                <a:effectLst/>
-                <a:latin typeface="+mn-lt"/>
-                <a:ea typeface="+mn-ea"/>
-                <a:cs typeface="+mn-cs"/>
-              </a:rPr>
-              <a:t>a context-insensitive analysis,</a:t>
-            </a:r>
-          </a:p>
-          <a:p>
-            <a:pPr marL="285750" indent="-285750">
-              <a:buAutoNum type="romanLcParenBoth"/>
-            </a:pPr>
-            <a:r>
-              <a:rPr lang="en-US" altLang="zh-CN" sz="1200" b="0" i="0" kern="1200" dirty="0" smtClean="0">
-                <a:solidFill>
-                  <a:schemeClr val="tx1"/>
-                </a:solidFill>
-                <a:effectLst/>
-                <a:latin typeface="+mn-lt"/>
-                <a:ea typeface="+mn-ea"/>
-                <a:cs typeface="+mn-cs"/>
-              </a:rPr>
-              <a:t>a single</a:t>
-            </a:r>
-            <a:r>
-              <a:rPr lang="en-US" altLang="zh-CN" sz="1200" b="0" i="0" kern="1200" baseline="0" dirty="0" smtClean="0">
-                <a:solidFill>
-                  <a:schemeClr val="tx1"/>
-                </a:solidFill>
-                <a:effectLst/>
-                <a:latin typeface="+mn-lt"/>
-                <a:ea typeface="+mn-ea"/>
-                <a:cs typeface="+mn-cs"/>
-              </a:rPr>
-              <a:t> </a:t>
-            </a:r>
-            <a:r>
-              <a:rPr lang="en-US" altLang="zh-CN" sz="1200" b="0" i="0" kern="1200" dirty="0" smtClean="0">
-                <a:solidFill>
-                  <a:schemeClr val="tx1"/>
-                </a:solidFill>
-                <a:effectLst/>
-                <a:latin typeface="+mn-lt"/>
-                <a:ea typeface="+mn-ea"/>
-                <a:cs typeface="+mn-cs"/>
-              </a:rPr>
-              <a:t>context-sensitive analysis (i.e., 1-CFA or argument sensitivity on any argument of the function5)</a:t>
-            </a:r>
-          </a:p>
-          <a:p>
-            <a:pPr marL="285750" indent="-285750">
-              <a:buAutoNum type="romanLcParenBoth"/>
-            </a:pPr>
-            <a:r>
-              <a:rPr lang="en-US" altLang="zh-CN" sz="1200" b="0" i="0" kern="1200" dirty="0" smtClean="0">
-                <a:solidFill>
-                  <a:schemeClr val="tx1"/>
-                </a:solidFill>
-                <a:effectLst/>
-                <a:latin typeface="+mn-lt"/>
-                <a:ea typeface="+mn-ea"/>
-                <a:cs typeface="+mn-cs"/>
-              </a:rPr>
-              <a:t>a combined</a:t>
-            </a:r>
-            <a:r>
-              <a:rPr lang="en-US" altLang="zh-CN" sz="1200" b="0" i="0" kern="1200" baseline="0" dirty="0" smtClean="0">
-                <a:solidFill>
-                  <a:schemeClr val="tx1"/>
-                </a:solidFill>
-                <a:effectLst/>
-                <a:latin typeface="+mn-lt"/>
-                <a:ea typeface="+mn-ea"/>
-                <a:cs typeface="+mn-cs"/>
-              </a:rPr>
-              <a:t> </a:t>
-            </a:r>
-            <a:r>
-              <a:rPr lang="en-US" altLang="zh-CN" sz="1200" b="0" i="0" kern="1200" dirty="0" smtClean="0">
-                <a:solidFill>
-                  <a:schemeClr val="tx1"/>
-                </a:solidFill>
-                <a:effectLst/>
-                <a:latin typeface="+mn-lt"/>
-                <a:ea typeface="+mn-ea"/>
-                <a:cs typeface="+mn-cs"/>
-              </a:rPr>
-              <a:t>context-sensitive analysis (e.g., 1-CFA + 1st-argument sensitivity)</a:t>
-            </a:r>
-            <a:r>
-              <a:rPr lang="en-US" altLang="zh-CN" dirty="0" smtClean="0"/>
-              <a:t> </a:t>
-            </a:r>
-            <a:br>
-              <a:rPr lang="en-US" altLang="zh-CN" dirty="0" smtClean="0"/>
-            </a:br>
-            <a:r>
-              <a:rPr lang="en-US" altLang="zh-CN" dirty="0" smtClean="0"/>
-              <a:t/>
-            </a:r>
-            <a:br>
-              <a:rPr lang="en-US" altLang="zh-CN" dirty="0" smtClean="0"/>
-            </a:br>
-            <a:r>
-              <a:rPr lang="en-US" altLang="zh-CN" dirty="0" smtClean="0"/>
-              <a:t/>
-            </a:r>
-            <a:br>
-              <a:rPr lang="en-US" altLang="zh-CN" dirty="0" smtClean="0"/>
-            </a:br>
-            <a:endParaRPr lang="zh-CN" altLang="en-US" dirty="0" smtClean="0"/>
+              <a:t>，对每一种类型的对象记录对应的信息</a:t>
+            </a:r>
+            <a:endParaRPr lang="zh-CN" altLang="en-US" dirty="0"/>
           </a:p>
         </p:txBody>
       </p:sp>
@@ -2906,7 +3218,7 @@
           <a:p>
             <a:fld id="{D1A57DDF-2958-4B06-BBB2-5E1DEC7CA669}" type="slidenum">
               <a:rPr lang="zh-CN" altLang="en-US" smtClean="0"/>
-              <a:t>25</a:t>
+              <a:t>23</a:t>
             </a:fld>
             <a:endParaRPr lang="zh-CN" altLang="en-US"/>
           </a:p>
@@ -2915,7 +3227,7 @@
     </p:spTree>
     <p:extLst>
       <p:ext uri="{BB962C8B-B14F-4D97-AF65-F5344CB8AC3E}">
-        <p14:creationId xmlns:p14="http://schemas.microsoft.com/office/powerpoint/2010/main" val="1813227927"/>
+        <p14:creationId xmlns:p14="http://schemas.microsoft.com/office/powerpoint/2010/main" val="775662592"/>
       </p:ext>
     </p:extLst>
   </p:cSld>
@@ -3142,8 +3454,206 @@
           <a:p>
             <a:r>
               <a:rPr lang="zh-CN" altLang="en-US" dirty="0" smtClean="0"/>
-              <a:t>两个实验分别验证了这两个假设</a:t>
-            </a:r>
+              <a:t>因为获得了不同的上下文敏感的动态指向图，可以确定哪个</a:t>
+            </a:r>
+            <a:r>
+              <a:rPr lang="en-US" altLang="zh-CN" dirty="0" smtClean="0"/>
+              <a:t>policy</a:t>
+            </a:r>
+            <a:r>
+              <a:rPr lang="zh-CN" altLang="en-US" dirty="0" smtClean="0"/>
+              <a:t>是有用的。（</a:t>
+            </a:r>
+            <a:r>
+              <a:rPr lang="en-US" altLang="zh-CN" dirty="0" smtClean="0"/>
+              <a:t>policy</a:t>
+            </a:r>
+            <a:r>
+              <a:rPr lang="zh-CN" altLang="en-US" dirty="0" smtClean="0"/>
+              <a:t>包括</a:t>
+            </a:r>
+            <a:r>
+              <a:rPr lang="en-US" altLang="zh-CN" dirty="0" smtClean="0"/>
+              <a:t>call site</a:t>
+            </a:r>
+            <a:r>
+              <a:rPr lang="zh-CN" altLang="en-US" dirty="0" smtClean="0"/>
+              <a:t>、</a:t>
+            </a:r>
+            <a:r>
+              <a:rPr lang="en-US" altLang="zh-CN" dirty="0" smtClean="0"/>
+              <a:t>argument</a:t>
+            </a:r>
+            <a:r>
+              <a:rPr lang="zh-CN" altLang="en-US" dirty="0" smtClean="0"/>
+              <a:t>、</a:t>
+            </a:r>
+            <a:r>
+              <a:rPr lang="en-US" altLang="zh-CN" dirty="0" smtClean="0"/>
+              <a:t>everywhere</a:t>
+            </a:r>
+            <a:r>
+              <a:rPr lang="zh-CN" altLang="en-US" dirty="0" smtClean="0"/>
+              <a:t>）去确定哪种</a:t>
+            </a:r>
+            <a:r>
+              <a:rPr lang="en-US" altLang="zh-CN" sz="1200" b="0" i="0" kern="1200" dirty="0" smtClean="0">
+                <a:solidFill>
+                  <a:schemeClr val="tx1"/>
+                </a:solidFill>
+                <a:effectLst/>
+                <a:latin typeface="+mn-lt"/>
+                <a:ea typeface="+mn-ea"/>
+                <a:cs typeface="+mn-cs"/>
+              </a:rPr>
+              <a:t>calling context</a:t>
+            </a:r>
+            <a:r>
+              <a:rPr lang="zh-CN" altLang="en-US" sz="1200" b="0" i="0" kern="1200" dirty="0" smtClean="0">
+                <a:solidFill>
+                  <a:schemeClr val="tx1"/>
+                </a:solidFill>
+                <a:effectLst/>
+                <a:latin typeface="+mn-lt"/>
+                <a:ea typeface="+mn-ea"/>
+                <a:cs typeface="+mn-cs"/>
+              </a:rPr>
+              <a:t>是</a:t>
+            </a:r>
+            <a:endParaRPr lang="en-US" altLang="zh-CN" dirty="0" smtClean="0"/>
+          </a:p>
+          <a:p>
+            <a:r>
+              <a:rPr lang="en-US" altLang="zh-CN" sz="1200" b="0" i="0" kern="1200" dirty="0" smtClean="0">
+                <a:solidFill>
+                  <a:schemeClr val="tx1"/>
+                </a:solidFill>
+                <a:effectLst/>
+                <a:latin typeface="+mn-lt"/>
+                <a:ea typeface="+mn-ea"/>
+                <a:cs typeface="+mn-cs"/>
+              </a:rPr>
+              <a:t>the target program is executed to collect a dynamic</a:t>
+            </a:r>
+            <a:r>
+              <a:rPr lang="en-US" altLang="zh-CN" sz="1200" b="0" i="0" kern="1200" baseline="0" dirty="0" smtClean="0">
+                <a:solidFill>
+                  <a:schemeClr val="tx1"/>
+                </a:solidFill>
+                <a:effectLst/>
+                <a:latin typeface="+mn-lt"/>
+                <a:ea typeface="+mn-ea"/>
+                <a:cs typeface="+mn-cs"/>
+              </a:rPr>
+              <a:t> </a:t>
+            </a:r>
+            <a:r>
+              <a:rPr lang="en-US" altLang="zh-CN" sz="1200" b="0" i="0" kern="1200" dirty="0" smtClean="0">
+                <a:solidFill>
+                  <a:schemeClr val="tx1"/>
+                </a:solidFill>
+                <a:effectLst/>
+                <a:latin typeface="+mn-lt"/>
+                <a:ea typeface="+mn-ea"/>
+                <a:cs typeface="+mn-cs"/>
+              </a:rPr>
+              <a:t>trace</a:t>
+            </a:r>
+            <a:r>
+              <a:rPr lang="en-US" altLang="zh-CN" dirty="0" smtClean="0"/>
+              <a:t> </a:t>
+            </a:r>
+          </a:p>
+          <a:p>
+            <a:pPr marL="285750" indent="-285750">
+              <a:buAutoNum type="romanLcParenBoth"/>
+            </a:pPr>
+            <a:r>
+              <a:rPr lang="en-US" altLang="zh-CN" sz="1200" b="0" i="0" kern="1200" dirty="0" smtClean="0">
+                <a:solidFill>
+                  <a:schemeClr val="tx1"/>
+                </a:solidFill>
+                <a:effectLst/>
+                <a:latin typeface="+mn-lt"/>
+                <a:ea typeface="+mn-ea"/>
+                <a:cs typeface="+mn-cs"/>
+              </a:rPr>
+              <a:t>function entries and</a:t>
+            </a:r>
+            <a:r>
+              <a:rPr lang="en-US" altLang="zh-CN" sz="1200" b="0" i="0" kern="1200" baseline="0" dirty="0" smtClean="0">
+                <a:solidFill>
+                  <a:schemeClr val="tx1"/>
+                </a:solidFill>
+                <a:effectLst/>
+                <a:latin typeface="+mn-lt"/>
+                <a:ea typeface="+mn-ea"/>
+                <a:cs typeface="+mn-cs"/>
+              </a:rPr>
+              <a:t> </a:t>
+            </a:r>
+            <a:r>
+              <a:rPr lang="en-US" altLang="zh-CN" sz="1200" b="0" i="0" kern="1200" dirty="0" smtClean="0">
+                <a:solidFill>
+                  <a:schemeClr val="tx1"/>
+                </a:solidFill>
+                <a:effectLst/>
+                <a:latin typeface="+mn-lt"/>
+                <a:ea typeface="+mn-ea"/>
+                <a:cs typeface="+mn-cs"/>
+              </a:rPr>
+              <a:t>exits; (ii) invocations; and (iii) property reads and writes</a:t>
+            </a:r>
+            <a:r>
+              <a:rPr lang="en-US" altLang="zh-CN" dirty="0" smtClean="0"/>
+              <a:t> </a:t>
+            </a:r>
+            <a:r>
+              <a:rPr lang="zh-CN" altLang="en-US" dirty="0" smtClean="0"/>
+              <a:t>动态的指向图</a:t>
+            </a:r>
+            <a:endParaRPr lang="en-US" altLang="zh-CN" dirty="0" smtClean="0"/>
+          </a:p>
+          <a:p>
+            <a:pPr marL="0" indent="0">
+              <a:buNone/>
+            </a:pPr>
+            <a:r>
+              <a:rPr lang="zh-CN" altLang="en-US" dirty="0" smtClean="0"/>
+              <a:t>此模块是通过动态的方法去确定选择哪种</a:t>
+            </a:r>
+            <a:r>
+              <a:rPr lang="en-US" altLang="zh-CN" dirty="0" smtClean="0"/>
+              <a:t>calling context</a:t>
+            </a:r>
+            <a:r>
+              <a:rPr lang="zh-CN" altLang="en-US" dirty="0" smtClean="0"/>
+              <a:t>是最好的。</a:t>
+            </a:r>
+            <a:r>
+              <a:rPr lang="en-US" altLang="zh-CN" dirty="0" smtClean="0"/>
+              <a:t/>
+            </a:r>
+            <a:br>
+              <a:rPr lang="en-US" altLang="zh-CN" dirty="0" smtClean="0"/>
+            </a:br>
+            <a:endParaRPr lang="en-US" altLang="zh-CN" dirty="0" smtClean="0"/>
+          </a:p>
+          <a:p>
+            <a:pPr marL="0" indent="0">
+              <a:buNone/>
+            </a:pPr>
+            <a:r>
+              <a:rPr lang="zh-CN" altLang="en-US" dirty="0" smtClean="0"/>
+              <a:t>问题在于此项目适用，并不代表这里得到的结论可以用于其它项目</a:t>
+            </a:r>
+            <a:r>
+              <a:rPr lang="en-US" altLang="zh-CN" dirty="0" smtClean="0"/>
+              <a:t/>
+            </a:r>
+            <a:br>
+              <a:rPr lang="en-US" altLang="zh-CN" dirty="0" smtClean="0"/>
+            </a:br>
             <a:endParaRPr lang="zh-CN" altLang="en-US" dirty="0"/>
           </a:p>
         </p:txBody>
@@ -3165,7 +3675,7 @@
           <a:p>
             <a:fld id="{D1A57DDF-2958-4B06-BBB2-5E1DEC7CA669}" type="slidenum">
               <a:rPr lang="zh-CN" altLang="en-US" smtClean="0"/>
-              <a:t>26</a:t>
+              <a:t>24</a:t>
             </a:fld>
             <a:endParaRPr lang="zh-CN" altLang="en-US"/>
           </a:p>
@@ -3174,7 +3684,7 @@
     </p:spTree>
     <p:extLst>
       <p:ext uri="{BB962C8B-B14F-4D97-AF65-F5344CB8AC3E}">
-        <p14:creationId xmlns:p14="http://schemas.microsoft.com/office/powerpoint/2010/main" val="1688983907"/>
+        <p14:creationId xmlns:p14="http://schemas.microsoft.com/office/powerpoint/2010/main" val="3402999404"/>
       </p:ext>
     </p:extLst>
   </p:cSld>
@@ -3229,6 +3739,33 @@
           <a:lstStyle/>
           <a:p>
             <a:r>
+              <a:rPr lang="zh-CN" altLang="en-US" baseline="0" dirty="0" smtClean="0"/>
+              <a:t>两组实验：</a:t>
+            </a:r>
+            <a:endParaRPr lang="en-US" altLang="zh-CN" baseline="0" dirty="0" smtClean="0"/>
+          </a:p>
+          <a:p>
+            <a:r>
+              <a:rPr lang="zh-CN" altLang="en-US" baseline="0" dirty="0" smtClean="0"/>
+              <a:t>实验一：先对</a:t>
+            </a:r>
+            <a:r>
+              <a:rPr lang="en-US" altLang="zh-CN" baseline="0" dirty="0" smtClean="0"/>
+              <a:t>benchmark</a:t>
+            </a:r>
+            <a:r>
+              <a:rPr lang="zh-CN" altLang="en-US" baseline="0" dirty="0" smtClean="0"/>
+              <a:t>执行</a:t>
+            </a:r>
+            <a:r>
+              <a:rPr lang="en-US" altLang="zh-CN" baseline="0" dirty="0" smtClean="0"/>
+              <a:t>1-CFA</a:t>
+            </a:r>
+            <a:r>
+              <a:rPr lang="zh-CN" altLang="en-US" baseline="0" dirty="0" smtClean="0"/>
+              <a:t>分析，然后执行定位方法找到包含根本原因的函数，对这些函数</a:t>
+            </a:r>
+            <a:r>
               <a:rPr lang="en-US" altLang="zh-CN" sz="1200" b="0" i="0" kern="1200" dirty="0" smtClean="0">
                 <a:solidFill>
                   <a:schemeClr val="tx1"/>
@@ -3238,8 +3775,25 @@
                 <a:ea typeface="+mn-ea"/>
                 <a:cs typeface="+mn-cs"/>
               </a:rPr>
-              <a:t>This result suggests that</a:t>
-            </a:r>
+              <a:t>applied additional argument sensitivity on the first arguments</a:t>
+            </a:r>
+            <a:r>
+              <a:rPr lang="en-US" altLang="zh-CN" dirty="0" smtClean="0"/>
+              <a:t> </a:t>
+            </a:r>
+            <a:r>
+              <a:rPr lang="zh-CN" altLang="en-US" dirty="0" smtClean="0"/>
+              <a:t>，剩下的函数执行</a:t>
+            </a:r>
+            <a:r>
+              <a:rPr lang="en-US" altLang="zh-CN" dirty="0" smtClean="0"/>
+              <a:t>1-CFA</a:t>
+            </a:r>
+            <a:r>
+              <a:rPr lang="zh-CN" altLang="en-US" dirty="0" smtClean="0"/>
+              <a:t>分析。</a:t>
+            </a:r>
+            <a:endParaRPr lang="en-US" altLang="zh-CN" dirty="0" smtClean="0"/>
           </a:p>
           <a:p>
             <a:r>
@@ -3252,19 +3806,19 @@
                 <a:ea typeface="+mn-ea"/>
                 <a:cs typeface="+mn-cs"/>
               </a:rPr>
-              <a:t> (</a:t>
-            </a:r>
-            <a:r>
-              <a:rPr lang="en-US" altLang="zh-CN" sz="1200" b="0" i="0" kern="1200" dirty="0" err="1" smtClean="0">
-                <a:solidFill>
-                  <a:schemeClr val="tx1"/>
-                </a:solidFill>
-                <a:effectLst/>
-                <a:latin typeface="+mn-lt"/>
-                <a:ea typeface="+mn-ea"/>
-                <a:cs typeface="+mn-cs"/>
-              </a:rPr>
-              <a:t>i</a:t>
+              <a:t>the whole-program 1-CFA and 1</a:t>
+            </a:r>
+            <a:r>
+              <a:rPr lang="en-US" altLang="zh-CN" sz="1200" b="0" i="0" kern="1200" baseline="30000" dirty="0" smtClean="0">
+                <a:solidFill>
+                  <a:schemeClr val="tx1"/>
+                </a:solidFill>
+                <a:effectLst/>
+                <a:latin typeface="+mn-lt"/>
+                <a:ea typeface="+mn-ea"/>
+                <a:cs typeface="+mn-cs"/>
+              </a:rPr>
+              <a:t>st</a:t>
             </a:r>
             <a:r>
               <a:rPr lang="en-US" altLang="zh-CN" sz="1200" b="0" i="0" kern="1200" dirty="0" smtClean="0">
@@ -3276,10 +3830,20 @@
                 <a:ea typeface="+mn-ea"/>
                 <a:cs typeface="+mn-cs"/>
               </a:rPr>
-              <a:t>) 1-CFA analysis is imprecise to resolve the call targets in many cases, and </a:t>
-            </a:r>
-          </a:p>
-          <a:p>
+              <a:t>-argument-sensitive analysis, and the </a:t>
+            </a:r>
+            <a:r>
+              <a:rPr lang="en-US" altLang="zh-CN" sz="1200" b="0" i="1" kern="1200" dirty="0" smtClean="0">
+                <a:solidFill>
+                  <a:schemeClr val="tx1"/>
+                </a:solidFill>
+                <a:effectLst/>
+                <a:latin typeface="+mn-lt"/>
+                <a:ea typeface="+mn-ea"/>
+                <a:cs typeface="+mn-cs"/>
+              </a:rPr>
+              <a:t>selective </a:t>
+            </a:r>
             <a:r>
               <a:rPr lang="en-US" altLang="zh-CN" sz="1200" b="0" i="0" kern="1200" dirty="0" smtClean="0">
                 <a:solidFill>
@@ -3290,7 +3854,29 @@
                 <a:ea typeface="+mn-ea"/>
                 <a:cs typeface="+mn-cs"/>
               </a:rPr>
-              <a:t>(ii)</a:t>
+              <a:t>analysis</a:t>
+            </a:r>
+            <a:r>
+              <a:rPr lang="en-US" altLang="zh-CN" dirty="0" smtClean="0"/>
+              <a:t> </a:t>
+            </a:r>
+          </a:p>
+          <a:p>
+            <a:r>
+              <a:rPr lang="zh-CN" altLang="en-US" dirty="0" smtClean="0"/>
+              <a:t>实验二：</a:t>
+            </a:r>
+            <a:r>
+              <a:rPr lang="en-US" altLang="zh-CN" sz="1200" b="0" i="0" kern="1200" dirty="0" smtClean="0">
+                <a:solidFill>
+                  <a:schemeClr val="tx1"/>
+                </a:solidFill>
+                <a:effectLst/>
+                <a:latin typeface="+mn-lt"/>
+                <a:ea typeface="+mn-ea"/>
+                <a:cs typeface="+mn-cs"/>
+              </a:rPr>
+              <a:t>we applied the root-cause localization as well as</a:t>
             </a:r>
             <a:r>
               <a:rPr lang="en-US" altLang="zh-CN" sz="1200" b="0" i="0" kern="1200" baseline="0" dirty="0" smtClean="0">
@@ -3314,7 +3900,7 @@
                 <a:ea typeface="+mn-ea"/>
                 <a:cs typeface="+mn-cs"/>
               </a:rPr>
-              <a:t>because the </a:t>
+              <a:t>improvement suggestion algorithms on the </a:t>
             </a:r>
             <a:r>
               <a:rPr lang="en-US" altLang="zh-CN" sz="1200" b="0" i="1" kern="1200" dirty="0" smtClean="0">
@@ -3326,7 +3912,7 @@
                 <a:ea typeface="+mn-ea"/>
                 <a:cs typeface="+mn-cs"/>
               </a:rPr>
-              <a:t>whole-combined </a:t>
+              <a:t>baseline </a:t>
             </a:r>
             <a:r>
               <a:rPr lang="en-US" altLang="zh-CN" sz="1200" b="0" i="0" kern="1200" dirty="0" smtClean="0">
@@ -3338,7 +3924,7 @@
                 <a:ea typeface="+mn-ea"/>
                 <a:cs typeface="+mn-cs"/>
               </a:rPr>
-              <a:t>analysis applies 1st-argument</a:t>
+              <a:t>0-1-CFA</a:t>
             </a:r>
             <a:r>
               <a:rPr lang="en-US" altLang="zh-CN" sz="1200" b="0" i="0" kern="1200" baseline="0" dirty="0" smtClean="0">
@@ -3362,7 +3948,55 @@
                 <a:ea typeface="+mn-ea"/>
                 <a:cs typeface="+mn-cs"/>
               </a:rPr>
-              <a:t>sensitivity over all the program, it may create many calling contexts for the functions that are not identified as root</a:t>
+              <a:t>analysis.</a:t>
+            </a:r>
+          </a:p>
+          <a:p>
+            <a:r>
+              <a:rPr lang="en-US" altLang="zh-CN" sz="1200" b="0" i="0" kern="1200" dirty="0" smtClean="0">
+                <a:solidFill>
+                  <a:schemeClr val="tx1"/>
+                </a:solidFill>
+                <a:effectLst/>
+                <a:latin typeface="+mn-lt"/>
+                <a:ea typeface="+mn-ea"/>
+                <a:cs typeface="+mn-cs"/>
+              </a:rPr>
+              <a:t>Possible suggestions for root-cause functions include: </a:t>
+            </a:r>
+          </a:p>
+          <a:p>
+            <a:pPr marL="285750" indent="-285750">
+              <a:buAutoNum type="romanLcParenBoth"/>
+            </a:pPr>
+            <a:r>
+              <a:rPr lang="en-US" altLang="zh-CN" sz="1200" b="0" i="0" kern="1200" dirty="0" smtClean="0">
+                <a:solidFill>
+                  <a:schemeClr val="tx1"/>
+                </a:solidFill>
+                <a:effectLst/>
+                <a:latin typeface="+mn-lt"/>
+                <a:ea typeface="+mn-ea"/>
+                <a:cs typeface="+mn-cs"/>
+              </a:rPr>
+              <a:t>a context-insensitive analysis,</a:t>
+            </a:r>
+          </a:p>
+          <a:p>
+            <a:pPr marL="285750" indent="-285750">
+              <a:buAutoNum type="romanLcParenBoth"/>
+            </a:pPr>
+            <a:r>
+              <a:rPr lang="en-US" altLang="zh-CN" sz="1200" b="0" i="0" kern="1200" dirty="0" smtClean="0">
+                <a:solidFill>
+                  <a:schemeClr val="tx1"/>
+                </a:solidFill>
+                <a:effectLst/>
+                <a:latin typeface="+mn-lt"/>
+                <a:ea typeface="+mn-ea"/>
+                <a:cs typeface="+mn-cs"/>
+              </a:rPr>
+              <a:t>a single</a:t>
             </a:r>
             <a:r>
               <a:rPr lang="en-US" altLang="zh-CN" sz="1200" b="0" i="0" kern="1200" baseline="0" dirty="0" smtClean="0">
@@ -3386,16 +4020,71 @@
                 <a:ea typeface="+mn-ea"/>
                 <a:cs typeface="+mn-cs"/>
               </a:rPr>
-              <a:t>causes which may not significantly increase the analysis precision (e.g., in terms of the REAC_FUNC metric)</a:t>
-            </a:r>
-            <a:r>
-              <a:rPr lang="en-US" altLang="zh-CN" dirty="0" smtClean="0"/>
+              <a:t>context-sensitive analysis (i.e., 1-CFA or argument sensitivity on any argument of the function5)</a:t>
+            </a:r>
+          </a:p>
+          <a:p>
+            <a:pPr marL="285750" indent="-285750">
+              <a:buAutoNum type="romanLcParenBoth"/>
+            </a:pPr>
+            <a:r>
+              <a:rPr lang="en-US" altLang="zh-CN" sz="1200" b="0" i="0" kern="1200" dirty="0" smtClean="0">
+                <a:solidFill>
+                  <a:schemeClr val="tx1"/>
+                </a:solidFill>
+                <a:effectLst/>
+                <a:latin typeface="+mn-lt"/>
+                <a:ea typeface="+mn-ea"/>
+                <a:cs typeface="+mn-cs"/>
+              </a:rPr>
+              <a:t>a combined</a:t>
+            </a:r>
+            <a:r>
+              <a:rPr lang="en-US" altLang="zh-CN" sz="1200" b="0" i="0" kern="1200" baseline="0" dirty="0" smtClean="0">
+                <a:solidFill>
+                  <a:schemeClr val="tx1"/>
+                </a:solidFill>
+                <a:effectLst/>
+                <a:latin typeface="+mn-lt"/>
+                <a:ea typeface="+mn-ea"/>
+                <a:cs typeface="+mn-cs"/>
+              </a:rPr>
               <a:t> </a:t>
             </a:r>
+            <a:r>
+              <a:rPr lang="en-US" altLang="zh-CN" sz="1200" b="0" i="0" kern="1200" dirty="0" smtClean="0">
+                <a:solidFill>
+                  <a:schemeClr val="tx1"/>
+                </a:solidFill>
+                <a:effectLst/>
+                <a:latin typeface="+mn-lt"/>
+                <a:ea typeface="+mn-ea"/>
+                <a:cs typeface="+mn-cs"/>
+              </a:rPr>
+              <a:t>context-sensitive analysis (e.g., 1-CFA + 1st-argument sensitivity)</a:t>
+            </a:r>
+            <a:r>
+              <a:rPr lang="en-US" altLang="zh-CN" dirty="0" smtClean="0"/>
+              <a:t> </a:t>
+            </a:r>
             <a:br>
               <a:rPr lang="en-US" altLang="zh-CN" dirty="0" smtClean="0"/>
             </a:br>
-            <a:endParaRPr lang="zh-CN" altLang="en-US" dirty="0"/>
+            <a:r>
+              <a:rPr lang="en-US" altLang="zh-CN" dirty="0" smtClean="0"/>
+              <a:t/>
+            </a:r>
+            <a:br>
+              <a:rPr lang="en-US" altLang="zh-CN" dirty="0" smtClean="0"/>
+            </a:br>
+            <a:r>
+              <a:rPr lang="en-US" altLang="zh-CN" dirty="0" smtClean="0"/>
+              <a:t/>
+            </a:r>
+            <a:br>
+              <a:rPr lang="en-US" altLang="zh-CN" dirty="0" smtClean="0"/>
+            </a:br>
+            <a:endParaRPr lang="zh-CN" altLang="en-US" dirty="0" smtClean="0"/>
           </a:p>
         </p:txBody>
       </p:sp>
@@ -3416,7 +4105,7 @@
           <a:p>
             <a:fld id="{D1A57DDF-2958-4B06-BBB2-5E1DEC7CA669}" type="slidenum">
               <a:rPr lang="zh-CN" altLang="en-US" smtClean="0"/>
-              <a:t>27</a:t>
+              <a:t>25</a:t>
             </a:fld>
             <a:endParaRPr lang="zh-CN" altLang="en-US"/>
           </a:p>
@@ -3425,7 +4114,7 @@
     </p:spTree>
     <p:extLst>
       <p:ext uri="{BB962C8B-B14F-4D97-AF65-F5344CB8AC3E}">
-        <p14:creationId xmlns:p14="http://schemas.microsoft.com/office/powerpoint/2010/main" val="3373523417"/>
+        <p14:creationId xmlns:p14="http://schemas.microsoft.com/office/powerpoint/2010/main" val="1813227927"/>
       </p:ext>
     </p:extLst>
   </p:cSld>
@@ -3479,6 +4168,10 @@
           <a:bodyPr/>
           <a:lstStyle/>
           <a:p>
+            <a:r>
+              <a:rPr lang="zh-CN" altLang="en-US" dirty="0" smtClean="0"/>
+              <a:t>两个实验分别验证了这两个假设</a:t>
+            </a:r>
             <a:endParaRPr lang="zh-CN" altLang="en-US" dirty="0"/>
           </a:p>
         </p:txBody>
@@ -3500,7 +4193,7 @@
           <a:p>
             <a:fld id="{D1A57DDF-2958-4B06-BBB2-5E1DEC7CA669}" type="slidenum">
               <a:rPr lang="zh-CN" altLang="en-US" smtClean="0"/>
-              <a:t>28</a:t>
+              <a:t>26</a:t>
             </a:fld>
             <a:endParaRPr lang="zh-CN" altLang="en-US"/>
           </a:p>
@@ -3509,7 +4202,7 @@
     </p:spTree>
     <p:extLst>
       <p:ext uri="{BB962C8B-B14F-4D97-AF65-F5344CB8AC3E}">
-        <p14:creationId xmlns:p14="http://schemas.microsoft.com/office/powerpoint/2010/main" val="3452478690"/>
+        <p14:creationId xmlns:p14="http://schemas.microsoft.com/office/powerpoint/2010/main" val="1688983907"/>
       </p:ext>
     </p:extLst>
   </p:cSld>
@@ -3564,43 +4257,173 @@
           <a:lstStyle/>
           <a:p>
             <a:r>
-              <a:rPr lang="zh-CN" altLang="en-US" dirty="0" smtClean="0"/>
-              <a:t>论文的创新点：</a:t>
-            </a:r>
-            <a:endParaRPr lang="en-US" altLang="zh-CN" dirty="0" smtClean="0"/>
-          </a:p>
-          <a:p>
-            <a:r>
-              <a:rPr lang="en-US" altLang="zh-CN" dirty="0" smtClean="0"/>
-              <a:t>1</a:t>
-            </a:r>
-            <a:r>
-              <a:rPr lang="zh-CN" altLang="en-US" dirty="0" smtClean="0"/>
-              <a:t>、第一个定位静态分析精度不准的根本原因的工作</a:t>
-            </a:r>
-            <a:endParaRPr lang="en-US" altLang="zh-CN" dirty="0" smtClean="0"/>
-          </a:p>
-          <a:p>
-            <a:r>
-              <a:rPr lang="en-US" altLang="zh-CN" dirty="0" smtClean="0"/>
-              <a:t>2</a:t>
-            </a:r>
-            <a:r>
-              <a:rPr lang="zh-CN" altLang="en-US" dirty="0" smtClean="0"/>
-              <a:t>、第一个使用动态信息自动建议上下文敏感类型</a:t>
-            </a:r>
-            <a:endParaRPr lang="en-US" altLang="zh-CN" dirty="0" smtClean="0"/>
-          </a:p>
-          <a:p>
-            <a:r>
-              <a:rPr lang="en-US" altLang="zh-CN" dirty="0" smtClean="0"/>
-              <a:t>3</a:t>
-            </a:r>
-            <a:r>
-              <a:rPr lang="zh-CN" altLang="en-US" dirty="0" smtClean="0"/>
-              <a:t>、认为找到使得初始静态分析性能不好的原因</a:t>
-            </a:r>
-            <a:endParaRPr lang="en-US" altLang="zh-CN" dirty="0" smtClean="0"/>
+              <a:rPr lang="en-US" altLang="zh-CN" sz="1200" b="0" i="0" kern="1200" dirty="0" smtClean="0">
+                <a:solidFill>
+                  <a:schemeClr val="tx1"/>
+                </a:solidFill>
+                <a:effectLst/>
+                <a:latin typeface="+mn-lt"/>
+                <a:ea typeface="+mn-ea"/>
+                <a:cs typeface="+mn-cs"/>
+              </a:rPr>
+              <a:t>This result suggests that</a:t>
+            </a:r>
+          </a:p>
+          <a:p>
+            <a:r>
+              <a:rPr lang="en-US" altLang="zh-CN" sz="1200" b="0" i="0" kern="1200" dirty="0" smtClean="0">
+                <a:solidFill>
+                  <a:schemeClr val="tx1"/>
+                </a:solidFill>
+                <a:effectLst/>
+                <a:latin typeface="+mn-lt"/>
+                <a:ea typeface="+mn-ea"/>
+                <a:cs typeface="+mn-cs"/>
+              </a:rPr>
+              <a:t> (</a:t>
+            </a:r>
+            <a:r>
+              <a:rPr lang="en-US" altLang="zh-CN" sz="1200" b="0" i="0" kern="1200" dirty="0" err="1" smtClean="0">
+                <a:solidFill>
+                  <a:schemeClr val="tx1"/>
+                </a:solidFill>
+                <a:effectLst/>
+                <a:latin typeface="+mn-lt"/>
+                <a:ea typeface="+mn-ea"/>
+                <a:cs typeface="+mn-cs"/>
+              </a:rPr>
+              <a:t>i</a:t>
+            </a:r>
+            <a:r>
+              <a:rPr lang="en-US" altLang="zh-CN" sz="1200" b="0" i="0" kern="1200" dirty="0" smtClean="0">
+                <a:solidFill>
+                  <a:schemeClr val="tx1"/>
+                </a:solidFill>
+                <a:effectLst/>
+                <a:latin typeface="+mn-lt"/>
+                <a:ea typeface="+mn-ea"/>
+                <a:cs typeface="+mn-cs"/>
+              </a:rPr>
+              <a:t>) 1-CFA analysis is imprecise to resolve the call targets in many cases, and </a:t>
+            </a:r>
+          </a:p>
+          <a:p>
+            <a:r>
+              <a:rPr lang="en-US" altLang="zh-CN" sz="1200" b="0" i="0" kern="1200" dirty="0" smtClean="0">
+                <a:solidFill>
+                  <a:schemeClr val="tx1"/>
+                </a:solidFill>
+                <a:effectLst/>
+                <a:latin typeface="+mn-lt"/>
+                <a:ea typeface="+mn-ea"/>
+                <a:cs typeface="+mn-cs"/>
+              </a:rPr>
+              <a:t>(ii)</a:t>
+            </a:r>
+            <a:r>
+              <a:rPr lang="en-US" altLang="zh-CN" sz="1200" b="0" i="0" kern="1200" baseline="0" dirty="0" smtClean="0">
+                <a:solidFill>
+                  <a:schemeClr val="tx1"/>
+                </a:solidFill>
+                <a:effectLst/>
+                <a:latin typeface="+mn-lt"/>
+                <a:ea typeface="+mn-ea"/>
+                <a:cs typeface="+mn-cs"/>
+              </a:rPr>
+              <a:t> </a:t>
+            </a:r>
+            <a:r>
+              <a:rPr lang="en-US" altLang="zh-CN" sz="1200" b="0" i="0" kern="1200" dirty="0" smtClean="0">
+                <a:solidFill>
+                  <a:schemeClr val="tx1"/>
+                </a:solidFill>
+                <a:effectLst/>
+                <a:latin typeface="+mn-lt"/>
+                <a:ea typeface="+mn-ea"/>
+                <a:cs typeface="+mn-cs"/>
+              </a:rPr>
+              <a:t>because the </a:t>
+            </a:r>
+            <a:r>
+              <a:rPr lang="en-US" altLang="zh-CN" sz="1200" b="0" i="1" kern="1200" dirty="0" smtClean="0">
+                <a:solidFill>
+                  <a:schemeClr val="tx1"/>
+                </a:solidFill>
+                <a:effectLst/>
+                <a:latin typeface="+mn-lt"/>
+                <a:ea typeface="+mn-ea"/>
+                <a:cs typeface="+mn-cs"/>
+              </a:rPr>
+              <a:t>whole-combined </a:t>
+            </a:r>
+            <a:r>
+              <a:rPr lang="en-US" altLang="zh-CN" sz="1200" b="0" i="0" kern="1200" dirty="0" smtClean="0">
+                <a:solidFill>
+                  <a:schemeClr val="tx1"/>
+                </a:solidFill>
+                <a:effectLst/>
+                <a:latin typeface="+mn-lt"/>
+                <a:ea typeface="+mn-ea"/>
+                <a:cs typeface="+mn-cs"/>
+              </a:rPr>
+              <a:t>analysis applies 1st-argument</a:t>
+            </a:r>
+            <a:r>
+              <a:rPr lang="en-US" altLang="zh-CN" sz="1200" b="0" i="0" kern="1200" baseline="0" dirty="0" smtClean="0">
+                <a:solidFill>
+                  <a:schemeClr val="tx1"/>
+                </a:solidFill>
+                <a:effectLst/>
+                <a:latin typeface="+mn-lt"/>
+                <a:ea typeface="+mn-ea"/>
+                <a:cs typeface="+mn-cs"/>
+              </a:rPr>
+              <a:t> </a:t>
+            </a:r>
+            <a:r>
+              <a:rPr lang="en-US" altLang="zh-CN" sz="1200" b="0" i="0" kern="1200" dirty="0" smtClean="0">
+                <a:solidFill>
+                  <a:schemeClr val="tx1"/>
+                </a:solidFill>
+                <a:effectLst/>
+                <a:latin typeface="+mn-lt"/>
+                <a:ea typeface="+mn-ea"/>
+                <a:cs typeface="+mn-cs"/>
+              </a:rPr>
+              <a:t>sensitivity over all the program, it may create many calling contexts for the functions that are not identified as root</a:t>
+            </a:r>
+            <a:r>
+              <a:rPr lang="en-US" altLang="zh-CN" sz="1200" b="0" i="0" kern="1200" baseline="0" dirty="0" smtClean="0">
+                <a:solidFill>
+                  <a:schemeClr val="tx1"/>
+                </a:solidFill>
+                <a:effectLst/>
+                <a:latin typeface="+mn-lt"/>
+                <a:ea typeface="+mn-ea"/>
+                <a:cs typeface="+mn-cs"/>
+              </a:rPr>
+              <a:t> </a:t>
+            </a:r>
+            <a:r>
+              <a:rPr lang="en-US" altLang="zh-CN" sz="1200" b="0" i="0" kern="1200" dirty="0" smtClean="0">
+                <a:solidFill>
+                  <a:schemeClr val="tx1"/>
+                </a:solidFill>
+                <a:effectLst/>
+                <a:latin typeface="+mn-lt"/>
+                <a:ea typeface="+mn-ea"/>
+                <a:cs typeface="+mn-cs"/>
+              </a:rPr>
+              <a:t>causes which may not significantly increase the analysis precision (e.g., in terms of the REAC_FUNC metric)</a:t>
+            </a:r>
+            <a:r>
+              <a:rPr lang="en-US" altLang="zh-CN" dirty="0" smtClean="0"/>
+              <a:t> </a:t>
+            </a:r>
+            <a:br>
+              <a:rPr lang="en-US" altLang="zh-CN" dirty="0" smtClean="0"/>
+            </a:br>
+            <a:endParaRPr lang="zh-CN" altLang="en-US" dirty="0"/>
           </a:p>
         </p:txBody>
       </p:sp>
@@ -3621,7 +4444,7 @@
           <a:p>
             <a:fld id="{D1A57DDF-2958-4B06-BBB2-5E1DEC7CA669}" type="slidenum">
               <a:rPr lang="zh-CN" altLang="en-US" smtClean="0"/>
-              <a:t>29</a:t>
+              <a:t>27</a:t>
             </a:fld>
             <a:endParaRPr lang="zh-CN" altLang="en-US"/>
           </a:p>
@@ -3630,7 +4453,7 @@
     </p:spTree>
     <p:extLst>
       <p:ext uri="{BB962C8B-B14F-4D97-AF65-F5344CB8AC3E}">
-        <p14:creationId xmlns:p14="http://schemas.microsoft.com/office/powerpoint/2010/main" val="1291040493"/>
+        <p14:creationId xmlns:p14="http://schemas.microsoft.com/office/powerpoint/2010/main" val="3373523417"/>
       </p:ext>
     </p:extLst>
   </p:cSld>
@@ -3684,18 +4507,6 @@
           <a:bodyPr/>
           <a:lstStyle/>
           <a:p>
-            <a:r>
-              <a:rPr lang="en-US" altLang="zh-CN" sz="1200" b="0" i="0" kern="1200" dirty="0" smtClean="0">
-                <a:solidFill>
-                  <a:schemeClr val="tx1"/>
-                </a:solidFill>
-                <a:effectLst/>
-                <a:latin typeface="+mn-lt"/>
-                <a:ea typeface="+mn-ea"/>
-                <a:cs typeface="+mn-cs"/>
-              </a:rPr>
-              <a:t>FSE 2018</a:t>
-            </a:r>
             <a:endParaRPr lang="zh-CN" altLang="en-US" dirty="0"/>
           </a:p>
         </p:txBody>
@@ -3717,7 +4528,7 @@
           <a:p>
             <a:fld id="{D1A57DDF-2958-4B06-BBB2-5E1DEC7CA669}" type="slidenum">
               <a:rPr lang="zh-CN" altLang="en-US" smtClean="0"/>
-              <a:t>30</a:t>
+              <a:t>28</a:t>
             </a:fld>
             <a:endParaRPr lang="zh-CN" altLang="en-US"/>
           </a:p>
@@ -3726,7 +4537,7 @@
     </p:spTree>
     <p:extLst>
       <p:ext uri="{BB962C8B-B14F-4D97-AF65-F5344CB8AC3E}">
-        <p14:creationId xmlns:p14="http://schemas.microsoft.com/office/powerpoint/2010/main" val="3270697360"/>
+        <p14:creationId xmlns:p14="http://schemas.microsoft.com/office/powerpoint/2010/main" val="3452478690"/>
       </p:ext>
     </p:extLst>
   </p:cSld>
@@ -3782,256 +4593,42 @@
           <a:p>
             <a:r>
               <a:rPr lang="zh-CN" altLang="en-US" dirty="0" smtClean="0"/>
-              <a:t>研究背景：第三方库更新导致下游应用不兼容，语义版本控制（</a:t>
-            </a:r>
-            <a:r>
-              <a:rPr lang="en-US" altLang="zh-CN" dirty="0" err="1" smtClean="0"/>
-              <a:t>SemVer</a:t>
+              <a:t>论文的创新点：</a:t>
+            </a:r>
+            <a:endParaRPr lang="en-US" altLang="zh-CN" dirty="0" smtClean="0"/>
+          </a:p>
+          <a:p>
+            <a:r>
+              <a:rPr lang="en-US" altLang="zh-CN" dirty="0" smtClean="0"/>
+              <a:t>1</a:t>
             </a:r>
             <a:r>
               <a:rPr lang="zh-CN" altLang="en-US" dirty="0" smtClean="0"/>
-              <a:t>（主版本号、次版本号、修订号））作为一种解决办法，库作者会在版本号上标明是否有</a:t>
-            </a:r>
-            <a:r>
-              <a:rPr lang="en-US" altLang="zh-CN" dirty="0" smtClean="0"/>
-              <a:t>breaking change</a:t>
+              <a:t>、第一个定位静态分析精度不准的根本原因的工作</a:t>
+            </a:r>
+            <a:endParaRPr lang="en-US" altLang="zh-CN" dirty="0" smtClean="0"/>
+          </a:p>
+          <a:p>
+            <a:r>
+              <a:rPr lang="en-US" altLang="zh-CN" dirty="0" smtClean="0"/>
+              <a:t>2</a:t>
             </a:r>
             <a:r>
               <a:rPr lang="zh-CN" altLang="en-US" dirty="0" smtClean="0"/>
-              <a:t>，存在</a:t>
-            </a:r>
-            <a:r>
-              <a:rPr lang="zh-CN" altLang="en-US" sz="1200" b="0" i="0" kern="1200" dirty="0" smtClean="0">
-                <a:solidFill>
-                  <a:schemeClr val="tx1"/>
-                </a:solidFill>
-                <a:effectLst/>
-                <a:latin typeface="+mn-lt"/>
-                <a:ea typeface="+mn-ea"/>
-                <a:cs typeface="+mn-cs"/>
-              </a:rPr>
-              <a:t>必须人工处理和不能捕捉细粒度的代码变更的问题。</a:t>
-            </a:r>
-            <a:endParaRPr lang="en-US" altLang="zh-CN" sz="1200" b="0" i="0" kern="1200" dirty="0" smtClean="0">
-              <a:solidFill>
-                <a:schemeClr val="tx1"/>
-              </a:solidFill>
-              <a:effectLst/>
-              <a:latin typeface="+mn-lt"/>
-              <a:ea typeface="+mn-ea"/>
-              <a:cs typeface="+mn-cs"/>
-            </a:endParaRPr>
-          </a:p>
-          <a:p>
-            <a:r>
-              <a:rPr lang="en-US" altLang="zh-CN" sz="1200" b="0" i="0" kern="1200" dirty="0" smtClean="0">
-                <a:solidFill>
-                  <a:schemeClr val="tx1"/>
-                </a:solidFill>
-                <a:effectLst/>
-                <a:latin typeface="+mn-lt"/>
-                <a:ea typeface="+mn-ea"/>
-                <a:cs typeface="+mn-cs"/>
-              </a:rPr>
-              <a:t> And unsurprisingly, it's impossible for that single number to contain enough meaningful information</a:t>
-            </a:r>
-          </a:p>
-          <a:p>
-            <a:r>
-              <a:rPr lang="zh-CN" altLang="en-US" sz="1200" b="0" i="0" kern="1200" dirty="0" smtClean="0">
-                <a:solidFill>
-                  <a:schemeClr val="tx1"/>
-                </a:solidFill>
-                <a:effectLst/>
-                <a:latin typeface="+mn-lt"/>
-                <a:ea typeface="+mn-ea"/>
-                <a:cs typeface="+mn-cs"/>
-              </a:rPr>
-              <a:t>本文提出一种自动检查库更新是否保证</a:t>
-            </a:r>
-            <a:r>
-              <a:rPr lang="en-US" altLang="zh-CN" sz="1200" b="0" i="0" kern="1200" dirty="0" smtClean="0">
-                <a:solidFill>
-                  <a:schemeClr val="tx1"/>
-                </a:solidFill>
-                <a:effectLst/>
-                <a:latin typeface="+mn-lt"/>
-                <a:ea typeface="+mn-ea"/>
-                <a:cs typeface="+mn-cs"/>
-              </a:rPr>
-              <a:t>API</a:t>
-            </a:r>
-            <a:r>
-              <a:rPr lang="zh-CN" altLang="en-US" sz="1200" b="0" i="0" kern="1200" dirty="0" smtClean="0">
-                <a:solidFill>
-                  <a:schemeClr val="tx1"/>
-                </a:solidFill>
-                <a:effectLst/>
-                <a:latin typeface="+mn-lt"/>
-                <a:ea typeface="+mn-ea"/>
-                <a:cs typeface="+mn-cs"/>
-              </a:rPr>
-              <a:t>兼容性的静态分析工具。与语义版本控制不同的是，不使用版本信息，而是直接对源代码计算</a:t>
-            </a:r>
-            <a:r>
-              <a:rPr lang="en-US" altLang="zh-CN" sz="1200" b="0" i="0" kern="1200" dirty="0" smtClean="0">
-                <a:solidFill>
-                  <a:schemeClr val="tx1"/>
-                </a:solidFill>
-                <a:effectLst/>
-                <a:latin typeface="+mn-lt"/>
-                <a:ea typeface="+mn-ea"/>
-                <a:cs typeface="+mn-cs"/>
-              </a:rPr>
-              <a:t>difference</a:t>
-            </a:r>
-            <a:r>
-              <a:rPr lang="zh-CN" altLang="en-US" sz="1200" b="0" i="0" kern="1200" dirty="0" smtClean="0">
-                <a:solidFill>
-                  <a:schemeClr val="tx1"/>
-                </a:solidFill>
-                <a:effectLst/>
-                <a:latin typeface="+mn-lt"/>
-                <a:ea typeface="+mn-ea"/>
-                <a:cs typeface="+mn-cs"/>
-              </a:rPr>
-              <a:t>。</a:t>
-            </a:r>
-            <a:endParaRPr lang="en-US" altLang="zh-CN" sz="1200" b="0" i="0" kern="1200" dirty="0" smtClean="0">
-              <a:solidFill>
-                <a:schemeClr val="tx1"/>
-              </a:solidFill>
-              <a:effectLst/>
-              <a:latin typeface="+mn-lt"/>
-              <a:ea typeface="+mn-ea"/>
-              <a:cs typeface="+mn-cs"/>
-            </a:endParaRPr>
-          </a:p>
-          <a:p>
-            <a:r>
-              <a:rPr lang="zh-CN" altLang="en-US" sz="1200" b="0" i="0" kern="1200" dirty="0" smtClean="0">
-                <a:solidFill>
-                  <a:schemeClr val="tx1"/>
-                </a:solidFill>
-                <a:effectLst/>
-                <a:latin typeface="+mn-lt"/>
-                <a:ea typeface="+mn-ea"/>
-                <a:cs typeface="+mn-cs"/>
-              </a:rPr>
-              <a:t>涉及到三种语言：</a:t>
-            </a:r>
-            <a:r>
-              <a:rPr lang="en-US" altLang="zh-CN" sz="1200" b="0" i="0" kern="1200" dirty="0" smtClean="0">
-                <a:solidFill>
-                  <a:schemeClr val="tx1"/>
-                </a:solidFill>
-                <a:effectLst/>
-                <a:latin typeface="+mn-lt"/>
-                <a:ea typeface="+mn-ea"/>
-                <a:cs typeface="+mn-cs"/>
-              </a:rPr>
-              <a:t>Java</a:t>
-            </a:r>
-            <a:r>
-              <a:rPr lang="zh-CN" altLang="en-US" sz="1200" b="0" i="0" kern="1200" dirty="0" smtClean="0">
-                <a:solidFill>
-                  <a:schemeClr val="tx1"/>
-                </a:solidFill>
-                <a:effectLst/>
-                <a:latin typeface="+mn-lt"/>
-                <a:ea typeface="+mn-ea"/>
-                <a:cs typeface="+mn-cs"/>
-              </a:rPr>
-              <a:t>、</a:t>
-            </a:r>
-            <a:r>
-              <a:rPr lang="en-US" altLang="zh-CN" sz="1200" b="0" i="0" kern="1200" dirty="0" smtClean="0">
-                <a:solidFill>
-                  <a:schemeClr val="tx1"/>
-                </a:solidFill>
-                <a:effectLst/>
-                <a:latin typeface="+mn-lt"/>
-                <a:ea typeface="+mn-ea"/>
-                <a:cs typeface="+mn-cs"/>
-              </a:rPr>
-              <a:t>Python</a:t>
-            </a:r>
-            <a:r>
-              <a:rPr lang="zh-CN" altLang="en-US" sz="1200" b="0" i="0" kern="1200" dirty="0" smtClean="0">
-                <a:solidFill>
-                  <a:schemeClr val="tx1"/>
-                </a:solidFill>
-                <a:effectLst/>
-                <a:latin typeface="+mn-lt"/>
-                <a:ea typeface="+mn-ea"/>
-                <a:cs typeface="+mn-cs"/>
-              </a:rPr>
-              <a:t>、</a:t>
-            </a:r>
-            <a:r>
-              <a:rPr lang="en-US" altLang="zh-CN" sz="1200" b="0" i="0" kern="1200" dirty="0" smtClean="0">
-                <a:solidFill>
-                  <a:schemeClr val="tx1"/>
-                </a:solidFill>
-                <a:effectLst/>
-                <a:latin typeface="+mn-lt"/>
-                <a:ea typeface="+mn-ea"/>
-                <a:cs typeface="+mn-cs"/>
-              </a:rPr>
-              <a:t>Ruby</a:t>
-            </a:r>
-          </a:p>
-          <a:p>
+              <a:t>、第一个使用动态信息自动建议上下文敏感类型</a:t>
+            </a:r>
+            <a:endParaRPr lang="en-US" altLang="zh-CN" dirty="0" smtClean="0"/>
+          </a:p>
+          <a:p>
+            <a:r>
+              <a:rPr lang="en-US" altLang="zh-CN" dirty="0" smtClean="0"/>
+              <a:t>3</a:t>
+            </a:r>
             <a:r>
               <a:rPr lang="zh-CN" altLang="en-US" dirty="0" smtClean="0"/>
-              <a:t>创新点</a:t>
+              <a:t>、认为找到使得初始静态分析性能不好的原因</a:t>
             </a:r>
             <a:endParaRPr lang="en-US" altLang="zh-CN" dirty="0" smtClean="0"/>
-          </a:p>
-          <a:p>
-            <a:r>
-              <a:rPr lang="en-US" altLang="zh-CN" dirty="0" smtClean="0"/>
-              <a:t>1</a:t>
-            </a:r>
-            <a:r>
-              <a:rPr lang="zh-CN" altLang="en-US" dirty="0" smtClean="0"/>
-              <a:t>、静态分析用于提醒库更新</a:t>
-            </a:r>
-            <a:endParaRPr lang="en-US" altLang="zh-CN" dirty="0" smtClean="0"/>
-          </a:p>
-          <a:p>
-            <a:r>
-              <a:rPr lang="en-US" altLang="zh-CN" dirty="0" smtClean="0"/>
-              <a:t>2</a:t>
-            </a:r>
-            <a:r>
-              <a:rPr lang="zh-CN" altLang="en-US" dirty="0" smtClean="0"/>
-              <a:t>、</a:t>
-            </a:r>
-            <a:r>
-              <a:rPr lang="en-US" altLang="zh-CN" dirty="0" smtClean="0"/>
-              <a:t>diff</a:t>
-            </a:r>
-            <a:r>
-              <a:rPr lang="zh-CN" altLang="en-US" dirty="0" smtClean="0"/>
-              <a:t>查询可以在线性时间内完成</a:t>
-            </a:r>
-            <a:endParaRPr lang="en-US" altLang="zh-CN" dirty="0" smtClean="0"/>
-          </a:p>
-          <a:p>
-            <a:r>
-              <a:rPr lang="en-US" altLang="zh-CN" dirty="0" smtClean="0"/>
-              <a:t>3</a:t>
-            </a:r>
-            <a:r>
-              <a:rPr lang="zh-CN" altLang="en-US" dirty="0" smtClean="0"/>
-              <a:t>、做了个实证分析证明了有版本违反了</a:t>
-            </a:r>
-            <a:r>
-              <a:rPr lang="en-US" altLang="zh-CN" dirty="0" err="1" smtClean="0"/>
-              <a:t>SemVer</a:t>
-            </a:r>
-            <a:endParaRPr lang="zh-CN" altLang="en-US" dirty="0"/>
           </a:p>
         </p:txBody>
       </p:sp>
@@ -4052,7 +4649,7 @@
           <a:p>
             <a:fld id="{D1A57DDF-2958-4B06-BBB2-5E1DEC7CA669}" type="slidenum">
               <a:rPr lang="zh-CN" altLang="en-US" smtClean="0"/>
-              <a:t>31</a:t>
+              <a:t>29</a:t>
             </a:fld>
             <a:endParaRPr lang="zh-CN" altLang="en-US"/>
           </a:p>
@@ -4061,7 +4658,7 @@
     </p:spTree>
     <p:extLst>
       <p:ext uri="{BB962C8B-B14F-4D97-AF65-F5344CB8AC3E}">
-        <p14:creationId xmlns:p14="http://schemas.microsoft.com/office/powerpoint/2010/main" val="2445071755"/>
+        <p14:creationId xmlns:p14="http://schemas.microsoft.com/office/powerpoint/2010/main" val="1291040493"/>
       </p:ext>
     </p:extLst>
   </p:cSld>
@@ -4115,6 +4712,18 @@
           <a:bodyPr/>
           <a:lstStyle/>
           <a:p>
+            <a:r>
+              <a:rPr lang="en-US" altLang="zh-CN" sz="1200" b="0" i="0" kern="1200" dirty="0" smtClean="0">
+                <a:solidFill>
+                  <a:schemeClr val="tx1"/>
+                </a:solidFill>
+                <a:effectLst/>
+                <a:latin typeface="+mn-lt"/>
+                <a:ea typeface="+mn-ea"/>
+                <a:cs typeface="+mn-cs"/>
+              </a:rPr>
+              <a:t>FSE 2018</a:t>
+            </a:r>
             <a:endParaRPr lang="zh-CN" altLang="en-US" dirty="0"/>
           </a:p>
         </p:txBody>
@@ -4136,7 +4745,7 @@
           <a:p>
             <a:fld id="{D1A57DDF-2958-4B06-BBB2-5E1DEC7CA669}" type="slidenum">
               <a:rPr lang="zh-CN" altLang="en-US" smtClean="0"/>
-              <a:t>32</a:t>
+              <a:t>30</a:t>
             </a:fld>
             <a:endParaRPr lang="zh-CN" altLang="en-US"/>
           </a:p>
@@ -4145,7 +4754,7 @@
     </p:spTree>
     <p:extLst>
       <p:ext uri="{BB962C8B-B14F-4D97-AF65-F5344CB8AC3E}">
-        <p14:creationId xmlns:p14="http://schemas.microsoft.com/office/powerpoint/2010/main" val="393289999"/>
+        <p14:creationId xmlns:p14="http://schemas.microsoft.com/office/powerpoint/2010/main" val="3270697360"/>
       </p:ext>
     </p:extLst>
   </p:cSld>
@@ -4201,7 +4810,231 @@
           <a:p>
             <a:r>
               <a:rPr lang="zh-CN" altLang="en-US" dirty="0" smtClean="0"/>
-              <a:t>在计算</a:t>
+              <a:t>研究背景：第三方库更新导致下游应用不兼容，语义版本控制（</a:t>
+            </a:r>
+            <a:r>
+              <a:rPr lang="en-US" altLang="zh-CN" dirty="0" err="1" smtClean="0"/>
+              <a:t>SemVer</a:t>
+            </a:r>
+            <a:r>
+              <a:rPr lang="zh-CN" altLang="en-US" dirty="0" smtClean="0"/>
+              <a:t>（主版本号、次版本号、修订号））作为一种解决办法，库作者会在版本号上标明是否有</a:t>
+            </a:r>
+            <a:r>
+              <a:rPr lang="en-US" altLang="zh-CN" dirty="0" smtClean="0"/>
+              <a:t>breaking change</a:t>
+            </a:r>
+            <a:r>
+              <a:rPr lang="zh-CN" altLang="en-US" dirty="0" smtClean="0"/>
+              <a:t>，存在</a:t>
+            </a:r>
+            <a:r>
+              <a:rPr lang="zh-CN" altLang="en-US" sz="1200" b="0" i="0" kern="1200" dirty="0" smtClean="0">
+                <a:solidFill>
+                  <a:schemeClr val="tx1"/>
+                </a:solidFill>
+                <a:effectLst/>
+                <a:latin typeface="+mn-lt"/>
+                <a:ea typeface="+mn-ea"/>
+                <a:cs typeface="+mn-cs"/>
+              </a:rPr>
+              <a:t>必须人工处理和不能捕捉细粒度的代码变更的问题。</a:t>
+            </a:r>
+            <a:endParaRPr lang="en-US" altLang="zh-CN" sz="1200" b="0" i="0" kern="1200" dirty="0" smtClean="0">
+              <a:solidFill>
+                <a:schemeClr val="tx1"/>
+              </a:solidFill>
+              <a:effectLst/>
+              <a:latin typeface="+mn-lt"/>
+              <a:ea typeface="+mn-ea"/>
+              <a:cs typeface="+mn-cs"/>
+            </a:endParaRPr>
+          </a:p>
+          <a:p>
+            <a:r>
+              <a:rPr lang="en-US" altLang="zh-CN" sz="1200" b="0" i="0" kern="1200" dirty="0" smtClean="0">
+                <a:solidFill>
+                  <a:schemeClr val="tx1"/>
+                </a:solidFill>
+                <a:effectLst/>
+                <a:latin typeface="+mn-lt"/>
+                <a:ea typeface="+mn-ea"/>
+                <a:cs typeface="+mn-cs"/>
+              </a:rPr>
+              <a:t> And unsurprisingly, it's impossible for that single number to contain enough meaningful information</a:t>
+            </a:r>
+          </a:p>
+          <a:p>
+            <a:r>
+              <a:rPr lang="zh-CN" altLang="en-US" sz="1200" b="0" i="0" kern="1200" dirty="0" smtClean="0">
+                <a:solidFill>
+                  <a:schemeClr val="tx1"/>
+                </a:solidFill>
+                <a:effectLst/>
+                <a:latin typeface="+mn-lt"/>
+                <a:ea typeface="+mn-ea"/>
+                <a:cs typeface="+mn-cs"/>
+              </a:rPr>
+              <a:t>本文提出一种自动检查库更新是否保证</a:t>
+            </a:r>
+            <a:r>
+              <a:rPr lang="en-US" altLang="zh-CN" sz="1200" b="0" i="0" kern="1200" dirty="0" smtClean="0">
+                <a:solidFill>
+                  <a:schemeClr val="tx1"/>
+                </a:solidFill>
+                <a:effectLst/>
+                <a:latin typeface="+mn-lt"/>
+                <a:ea typeface="+mn-ea"/>
+                <a:cs typeface="+mn-cs"/>
+              </a:rPr>
+              <a:t>API</a:t>
+            </a:r>
+            <a:r>
+              <a:rPr lang="zh-CN" altLang="en-US" sz="1200" b="0" i="0" kern="1200" dirty="0" smtClean="0">
+                <a:solidFill>
+                  <a:schemeClr val="tx1"/>
+                </a:solidFill>
+                <a:effectLst/>
+                <a:latin typeface="+mn-lt"/>
+                <a:ea typeface="+mn-ea"/>
+                <a:cs typeface="+mn-cs"/>
+              </a:rPr>
+              <a:t>兼容性的静态分析工具。与语义版本控制不同的是，不使用版本信息，而是直接对源代码计算</a:t>
+            </a:r>
+            <a:r>
+              <a:rPr lang="en-US" altLang="zh-CN" sz="1200" b="0" i="0" kern="1200" dirty="0" smtClean="0">
+                <a:solidFill>
+                  <a:schemeClr val="tx1"/>
+                </a:solidFill>
+                <a:effectLst/>
+                <a:latin typeface="+mn-lt"/>
+                <a:ea typeface="+mn-ea"/>
+                <a:cs typeface="+mn-cs"/>
+              </a:rPr>
+              <a:t>difference</a:t>
+            </a:r>
+            <a:r>
+              <a:rPr lang="zh-CN" altLang="en-US" sz="1200" b="0" i="0" kern="1200" dirty="0" smtClean="0">
+                <a:solidFill>
+                  <a:schemeClr val="tx1"/>
+                </a:solidFill>
+                <a:effectLst/>
+                <a:latin typeface="+mn-lt"/>
+                <a:ea typeface="+mn-ea"/>
+                <a:cs typeface="+mn-cs"/>
+              </a:rPr>
+              <a:t>。</a:t>
+            </a:r>
+            <a:endParaRPr lang="en-US" altLang="zh-CN" sz="1200" b="0" i="0" kern="1200" dirty="0" smtClean="0">
+              <a:solidFill>
+                <a:schemeClr val="tx1"/>
+              </a:solidFill>
+              <a:effectLst/>
+              <a:latin typeface="+mn-lt"/>
+              <a:ea typeface="+mn-ea"/>
+              <a:cs typeface="+mn-cs"/>
+            </a:endParaRPr>
+          </a:p>
+          <a:p>
+            <a:r>
+              <a:rPr lang="zh-CN" altLang="en-US" sz="1200" b="0" i="0" kern="1200" dirty="0" smtClean="0">
+                <a:solidFill>
+                  <a:schemeClr val="tx1"/>
+                </a:solidFill>
+                <a:effectLst/>
+                <a:latin typeface="+mn-lt"/>
+                <a:ea typeface="+mn-ea"/>
+                <a:cs typeface="+mn-cs"/>
+              </a:rPr>
+              <a:t>涉及到三种语言：</a:t>
+            </a:r>
+            <a:r>
+              <a:rPr lang="en-US" altLang="zh-CN" sz="1200" b="0" i="0" kern="1200" dirty="0" smtClean="0">
+                <a:solidFill>
+                  <a:schemeClr val="tx1"/>
+                </a:solidFill>
+                <a:effectLst/>
+                <a:latin typeface="+mn-lt"/>
+                <a:ea typeface="+mn-ea"/>
+                <a:cs typeface="+mn-cs"/>
+              </a:rPr>
+              <a:t>Java</a:t>
+            </a:r>
+            <a:r>
+              <a:rPr lang="zh-CN" altLang="en-US" sz="1200" b="0" i="0" kern="1200" dirty="0" smtClean="0">
+                <a:solidFill>
+                  <a:schemeClr val="tx1"/>
+                </a:solidFill>
+                <a:effectLst/>
+                <a:latin typeface="+mn-lt"/>
+                <a:ea typeface="+mn-ea"/>
+                <a:cs typeface="+mn-cs"/>
+              </a:rPr>
+              <a:t>、</a:t>
+            </a:r>
+            <a:r>
+              <a:rPr lang="en-US" altLang="zh-CN" sz="1200" b="0" i="0" kern="1200" dirty="0" smtClean="0">
+                <a:solidFill>
+                  <a:schemeClr val="tx1"/>
+                </a:solidFill>
+                <a:effectLst/>
+                <a:latin typeface="+mn-lt"/>
+                <a:ea typeface="+mn-ea"/>
+                <a:cs typeface="+mn-cs"/>
+              </a:rPr>
+              <a:t>Python</a:t>
+            </a:r>
+            <a:r>
+              <a:rPr lang="zh-CN" altLang="en-US" sz="1200" b="0" i="0" kern="1200" dirty="0" smtClean="0">
+                <a:solidFill>
+                  <a:schemeClr val="tx1"/>
+                </a:solidFill>
+                <a:effectLst/>
+                <a:latin typeface="+mn-lt"/>
+                <a:ea typeface="+mn-ea"/>
+                <a:cs typeface="+mn-cs"/>
+              </a:rPr>
+              <a:t>、</a:t>
+            </a:r>
+            <a:r>
+              <a:rPr lang="en-US" altLang="zh-CN" sz="1200" b="0" i="0" kern="1200" dirty="0" smtClean="0">
+                <a:solidFill>
+                  <a:schemeClr val="tx1"/>
+                </a:solidFill>
+                <a:effectLst/>
+                <a:latin typeface="+mn-lt"/>
+                <a:ea typeface="+mn-ea"/>
+                <a:cs typeface="+mn-cs"/>
+              </a:rPr>
+              <a:t>Ruby</a:t>
+            </a:r>
+          </a:p>
+          <a:p>
+            <a:r>
+              <a:rPr lang="zh-CN" altLang="en-US" dirty="0" smtClean="0"/>
+              <a:t>创新点</a:t>
+            </a:r>
+            <a:endParaRPr lang="en-US" altLang="zh-CN" dirty="0" smtClean="0"/>
+          </a:p>
+          <a:p>
+            <a:r>
+              <a:rPr lang="en-US" altLang="zh-CN" dirty="0" smtClean="0"/>
+              <a:t>1</a:t>
+            </a:r>
+            <a:r>
+              <a:rPr lang="zh-CN" altLang="en-US" dirty="0" smtClean="0"/>
+              <a:t>、静态分析用于提醒库更新</a:t>
+            </a:r>
+            <a:endParaRPr lang="en-US" altLang="zh-CN" dirty="0" smtClean="0"/>
+          </a:p>
+          <a:p>
+            <a:r>
+              <a:rPr lang="en-US" altLang="zh-CN" dirty="0" smtClean="0"/>
+              <a:t>2</a:t>
+            </a:r>
+            <a:r>
+              <a:rPr lang="zh-CN" altLang="en-US" dirty="0" smtClean="0"/>
+              <a:t>、</a:t>
             </a:r>
             <a:r>
               <a:rPr lang="en-US" altLang="zh-CN" dirty="0" smtClean="0"/>
@@ -4209,7 +5042,22 @@
             </a:r>
             <a:r>
               <a:rPr lang="zh-CN" altLang="en-US" dirty="0" smtClean="0"/>
-              <a:t>的过程中，每次都需要构建一个调用图</a:t>
+              <a:t>查询可以在线性时间内完成</a:t>
+            </a:r>
+            <a:endParaRPr lang="en-US" altLang="zh-CN" dirty="0" smtClean="0"/>
+          </a:p>
+          <a:p>
+            <a:r>
+              <a:rPr lang="en-US" altLang="zh-CN" dirty="0" smtClean="0"/>
+              <a:t>3</a:t>
+            </a:r>
+            <a:r>
+              <a:rPr lang="zh-CN" altLang="en-US" dirty="0" smtClean="0"/>
+              <a:t>、做了个实证分析证明了有版本违反了</a:t>
+            </a:r>
+            <a:r>
+              <a:rPr lang="en-US" altLang="zh-CN" dirty="0" err="1" smtClean="0"/>
+              <a:t>SemVer</a:t>
             </a:r>
             <a:endParaRPr lang="zh-CN" altLang="en-US" dirty="0"/>
           </a:p>
@@ -4232,7 +5080,7 @@
           <a:p>
             <a:fld id="{D1A57DDF-2958-4B06-BBB2-5E1DEC7CA669}" type="slidenum">
               <a:rPr lang="zh-CN" altLang="en-US" smtClean="0"/>
-              <a:t>33</a:t>
+              <a:t>31</a:t>
             </a:fld>
             <a:endParaRPr lang="zh-CN" altLang="en-US"/>
           </a:p>
@@ -4241,7 +5089,7 @@
     </p:spTree>
     <p:extLst>
       <p:ext uri="{BB962C8B-B14F-4D97-AF65-F5344CB8AC3E}">
-        <p14:creationId xmlns:p14="http://schemas.microsoft.com/office/powerpoint/2010/main" val="2323087568"/>
+        <p14:creationId xmlns:p14="http://schemas.microsoft.com/office/powerpoint/2010/main" val="2445071755"/>
       </p:ext>
     </p:extLst>
   </p:cSld>
@@ -4295,119 +5143,6 @@
           <a:bodyPr/>
           <a:lstStyle/>
           <a:p>
-            <a:pPr marL="0" marR="0" indent="0" algn="l" defTabSz="914400" rtl="0" eaLnBrk="1" fontAlgn="auto" latinLnBrk="0" hangingPunct="1">
-              <a:lnSpc>
-                <a:spcPct val="100000"/>
-              </a:lnSpc>
-              <a:spcBef>
-                <a:spcPts val="0"/>
-              </a:spcBef>
-              <a:spcAft>
-                <a:spcPts val="0"/>
-              </a:spcAft>
-              <a:buClrTx/>
-              <a:buSzTx/>
-              <a:buFontTx/>
-              <a:buNone/>
-              <a:tabLst/>
-              <a:defRPr/>
-            </a:pPr>
-            <a:r>
-              <a:rPr lang="zh-CN" altLang="en-US" dirty="0" smtClean="0"/>
-              <a:t>我们的方法是在仅连续的库版本之间预先计算</a:t>
-            </a:r>
-            <a:r>
-              <a:rPr lang="en-US" altLang="zh-CN" dirty="0" smtClean="0"/>
-              <a:t>diffs</a:t>
-            </a:r>
-            <a:r>
-              <a:rPr lang="zh-CN" altLang="en-US" dirty="0" smtClean="0"/>
-              <a:t>，然后组合各个</a:t>
-            </a:r>
-            <a:r>
-              <a:rPr lang="en-US" altLang="zh-CN" dirty="0" smtClean="0"/>
-              <a:t>diffs</a:t>
-            </a:r>
-            <a:r>
-              <a:rPr lang="zh-CN" altLang="en-US" dirty="0" smtClean="0"/>
-              <a:t>以导出任意版本间的</a:t>
-            </a:r>
-            <a:r>
-              <a:rPr lang="en-US" altLang="zh-CN" dirty="0" smtClean="0"/>
-              <a:t>diffs</a:t>
-            </a:r>
-            <a:r>
-              <a:rPr lang="zh-CN" altLang="en-US" dirty="0" smtClean="0"/>
-              <a:t>。 这实现了良好的平衡，需要线性的空间并且在实践中足够快地运行。</a:t>
-            </a:r>
-            <a:endParaRPr lang="en-US" altLang="zh-CN" dirty="0" smtClean="0"/>
-          </a:p>
-          <a:p>
-            <a:r>
-              <a:rPr lang="en-US" altLang="zh-CN" dirty="0" smtClean="0"/>
-              <a:t>Diff</a:t>
-            </a:r>
-            <a:r>
-              <a:rPr lang="zh-CN" altLang="en-US" dirty="0" smtClean="0"/>
-              <a:t>复合，例如</a:t>
-            </a:r>
-            <a:endParaRPr lang="en-US" altLang="zh-CN" dirty="0" smtClean="0"/>
-          </a:p>
-          <a:p>
-            <a:r>
-              <a:rPr lang="en-US" altLang="zh-CN" sz="1200" b="0" i="0" kern="1200" dirty="0" smtClean="0">
-                <a:solidFill>
-                  <a:schemeClr val="tx1"/>
-                </a:solidFill>
-                <a:effectLst/>
-                <a:latin typeface="+mn-lt"/>
-                <a:ea typeface="+mn-ea"/>
-                <a:cs typeface="+mn-cs"/>
-              </a:rPr>
-              <a:t>compose Insert Delete = Missing</a:t>
-            </a:r>
-            <a:br>
-              <a:rPr lang="en-US" altLang="zh-CN" sz="1200" b="0" i="0" kern="1200" dirty="0" smtClean="0">
-                <a:solidFill>
-                  <a:schemeClr val="tx1"/>
-                </a:solidFill>
-                <a:effectLst/>
-                <a:latin typeface="+mn-lt"/>
-                <a:ea typeface="+mn-ea"/>
-                <a:cs typeface="+mn-cs"/>
-              </a:rPr>
-            </a:br>
-            <a:r>
-              <a:rPr lang="en-US" altLang="zh-CN" sz="1200" b="0" i="0" kern="1200" dirty="0" smtClean="0">
-                <a:solidFill>
-                  <a:schemeClr val="tx1"/>
-                </a:solidFill>
-                <a:effectLst/>
-                <a:latin typeface="+mn-lt"/>
-                <a:ea typeface="+mn-ea"/>
-                <a:cs typeface="+mn-cs"/>
-              </a:rPr>
-              <a:t>compose Delete Insert = Change</a:t>
-            </a:r>
-            <a:r>
-              <a:rPr lang="en-US" altLang="zh-CN" dirty="0" smtClean="0"/>
-              <a:t> </a:t>
-            </a:r>
-            <a:br>
-              <a:rPr lang="en-US" altLang="zh-CN" dirty="0" smtClean="0"/>
-            </a:br>
-            <a:r>
-              <a:rPr lang="zh-CN" altLang="en-US" dirty="0" smtClean="0"/>
-              <a:t>这种形式（粒度是</a:t>
-            </a:r>
-            <a:r>
-              <a:rPr lang="en-US" altLang="zh-CN" dirty="0" smtClean="0"/>
-              <a:t>method</a:t>
-            </a:r>
-            <a:r>
-              <a:rPr lang="zh-CN" altLang="en-US" dirty="0" smtClean="0"/>
-              <a:t>）</a:t>
-            </a:r>
             <a:endParaRPr lang="zh-CN" altLang="en-US" dirty="0"/>
           </a:p>
         </p:txBody>
@@ -4429,7 +5164,7 @@
           <a:p>
             <a:fld id="{D1A57DDF-2958-4B06-BBB2-5E1DEC7CA669}" type="slidenum">
               <a:rPr lang="zh-CN" altLang="en-US" smtClean="0"/>
-              <a:t>34</a:t>
+              <a:t>32</a:t>
             </a:fld>
             <a:endParaRPr lang="zh-CN" altLang="en-US"/>
           </a:p>
@@ -4438,7 +5173,7 @@
     </p:spTree>
     <p:extLst>
       <p:ext uri="{BB962C8B-B14F-4D97-AF65-F5344CB8AC3E}">
-        <p14:creationId xmlns:p14="http://schemas.microsoft.com/office/powerpoint/2010/main" val="1712541636"/>
+        <p14:creationId xmlns:p14="http://schemas.microsoft.com/office/powerpoint/2010/main" val="393289999"/>
       </p:ext>
     </p:extLst>
   </p:cSld>
@@ -4493,105 +5228,16 @@
           <a:lstStyle/>
           <a:p>
             <a:r>
-              <a:rPr lang="en-US" altLang="zh-CN" sz="1200" b="0" i="0" kern="1200" dirty="0" smtClean="0">
-                <a:solidFill>
-                  <a:schemeClr val="tx1"/>
-                </a:solidFill>
-                <a:effectLst/>
-                <a:latin typeface="+mn-lt"/>
-                <a:ea typeface="+mn-ea"/>
-                <a:cs typeface="+mn-cs"/>
-              </a:rPr>
-              <a:t>We then use diﬀs to </a:t>
-            </a:r>
-            <a:r>
-              <a:rPr lang="en-US" altLang="zh-CN" sz="1200" b="0" i="0" kern="1200" dirty="0" smtClean="0">
-                <a:solidFill>
-                  <a:schemeClr val="accent1"/>
-                </a:solidFill>
-                <a:effectLst/>
-                <a:latin typeface="+mn-lt"/>
-                <a:ea typeface="+mn-ea"/>
-                <a:cs typeface="+mn-cs"/>
-              </a:rPr>
-              <a:t>suggest upgrades and determine if they induce</a:t>
-            </a:r>
-            <a:r>
-              <a:rPr lang="en-US" altLang="zh-CN" sz="1200" b="0" i="0" kern="1200" baseline="0" dirty="0" smtClean="0">
-                <a:solidFill>
-                  <a:schemeClr val="accent1"/>
-                </a:solidFill>
-                <a:effectLst/>
-                <a:latin typeface="+mn-lt"/>
-                <a:ea typeface="+mn-ea"/>
-                <a:cs typeface="+mn-cs"/>
-              </a:rPr>
-              <a:t> </a:t>
-            </a:r>
-            <a:r>
-              <a:rPr lang="en-US" altLang="zh-CN" sz="1200" b="0" i="0" kern="1200" dirty="0" smtClean="0">
-                <a:solidFill>
-                  <a:schemeClr val="accent1"/>
-                </a:solidFill>
-                <a:effectLst/>
-                <a:latin typeface="+mn-lt"/>
-                <a:ea typeface="+mn-ea"/>
-                <a:cs typeface="+mn-cs"/>
-              </a:rPr>
-              <a:t>breaking changes</a:t>
-            </a:r>
-          </a:p>
-          <a:p>
-            <a:r>
-              <a:rPr lang="zh-CN" altLang="en-US" sz="1200" b="0" i="0" kern="1200" dirty="0" smtClean="0">
-                <a:solidFill>
-                  <a:schemeClr val="accent1"/>
-                </a:solidFill>
-                <a:effectLst/>
-                <a:latin typeface="+mn-lt"/>
-                <a:ea typeface="+mn-ea"/>
-                <a:cs typeface="+mn-cs"/>
-              </a:rPr>
-              <a:t>从专有漏洞数据库中获取一个库中脆弱的版本，然后提醒更新库（找到不会造成漏洞的库）</a:t>
-            </a:r>
-            <a:endParaRPr lang="en-US" altLang="zh-CN" sz="1200" b="0" i="0" kern="1200" dirty="0" smtClean="0">
-              <a:solidFill>
-                <a:schemeClr val="accent1"/>
-              </a:solidFill>
-              <a:effectLst/>
-              <a:latin typeface="+mn-lt"/>
-              <a:ea typeface="+mn-ea"/>
-              <a:cs typeface="+mn-cs"/>
-            </a:endParaRPr>
-          </a:p>
-          <a:p>
-            <a:r>
-              <a:rPr lang="zh-CN" altLang="en-US" sz="1200" b="0" i="0" kern="1200" dirty="0" smtClean="0">
-                <a:solidFill>
-                  <a:schemeClr val="accent1"/>
-                </a:solidFill>
-                <a:effectLst/>
-                <a:latin typeface="+mn-lt"/>
-                <a:ea typeface="+mn-ea"/>
-                <a:cs typeface="+mn-cs"/>
-              </a:rPr>
-              <a:t>如果我没有理解错，意思就是通过（用户的调用图）</a:t>
-            </a:r>
-            <a:r>
-              <a:rPr lang="zh-CN" altLang="en-US" sz="1200" b="0" i="0" kern="1200" dirty="0" smtClean="0">
-                <a:solidFill>
-                  <a:schemeClr val="tx1"/>
-                </a:solidFill>
-                <a:effectLst/>
-                <a:latin typeface="+mn-lt"/>
-                <a:ea typeface="+mn-ea"/>
-                <a:cs typeface="+mn-cs"/>
-              </a:rPr>
-              <a:t>来检查一个库的更新是否存在问题</a:t>
-            </a:r>
-            <a:r>
               <a:rPr lang="zh-CN" altLang="en-US" dirty="0" smtClean="0"/>
-              <a:t>，最后生成一个类似于此的补丁文件，标记涉及到的版本等信息</a:t>
+              <a:t>在计算</a:t>
+            </a:r>
+            <a:r>
+              <a:rPr lang="en-US" altLang="zh-CN" dirty="0" smtClean="0"/>
+              <a:t>diff</a:t>
+            </a:r>
+            <a:r>
+              <a:rPr lang="zh-CN" altLang="en-US" dirty="0" smtClean="0"/>
+              <a:t>的过程中，每次都需要构建一个调用图</a:t>
             </a:r>
             <a:endParaRPr lang="zh-CN" altLang="en-US" dirty="0"/>
           </a:p>
@@ -4614,7 +5260,7 @@
           <a:p>
             <a:fld id="{D1A57DDF-2958-4B06-BBB2-5E1DEC7CA669}" type="slidenum">
               <a:rPr lang="zh-CN" altLang="en-US" smtClean="0"/>
-              <a:t>35</a:t>
+              <a:t>33</a:t>
             </a:fld>
             <a:endParaRPr lang="zh-CN" altLang="en-US"/>
           </a:p>
@@ -4623,7 +5269,7 @@
     </p:spTree>
     <p:extLst>
       <p:ext uri="{BB962C8B-B14F-4D97-AF65-F5344CB8AC3E}">
-        <p14:creationId xmlns:p14="http://schemas.microsoft.com/office/powerpoint/2010/main" val="1033868513"/>
+        <p14:creationId xmlns:p14="http://schemas.microsoft.com/office/powerpoint/2010/main" val="2323087568"/>
       </p:ext>
     </p:extLst>
   </p:cSld>
@@ -4796,6 +5442,388 @@
           <a:bodyPr/>
           <a:lstStyle/>
           <a:p>
+            <a:pPr marL="0" marR="0" indent="0" algn="l" defTabSz="914400" rtl="0" eaLnBrk="1" fontAlgn="auto" latinLnBrk="0" hangingPunct="1">
+              <a:lnSpc>
+                <a:spcPct val="100000"/>
+              </a:lnSpc>
+              <a:spcBef>
+                <a:spcPts val="0"/>
+              </a:spcBef>
+              <a:spcAft>
+                <a:spcPts val="0"/>
+              </a:spcAft>
+              <a:buClrTx/>
+              <a:buSzTx/>
+              <a:buFontTx/>
+              <a:buNone/>
+              <a:tabLst/>
+              <a:defRPr/>
+            </a:pPr>
+            <a:r>
+              <a:rPr lang="zh-CN" altLang="en-US" dirty="0" smtClean="0"/>
+              <a:t>我们的方法是在仅连续的库版本之间预先计算</a:t>
+            </a:r>
+            <a:r>
+              <a:rPr lang="en-US" altLang="zh-CN" dirty="0" smtClean="0"/>
+              <a:t>diffs</a:t>
+            </a:r>
+            <a:r>
+              <a:rPr lang="zh-CN" altLang="en-US" dirty="0" smtClean="0"/>
+              <a:t>，然后组合各个</a:t>
+            </a:r>
+            <a:r>
+              <a:rPr lang="en-US" altLang="zh-CN" dirty="0" smtClean="0"/>
+              <a:t>diffs</a:t>
+            </a:r>
+            <a:r>
+              <a:rPr lang="zh-CN" altLang="en-US" dirty="0" smtClean="0"/>
+              <a:t>以导出任意版本间的</a:t>
+            </a:r>
+            <a:r>
+              <a:rPr lang="en-US" altLang="zh-CN" dirty="0" smtClean="0"/>
+              <a:t>diffs</a:t>
+            </a:r>
+            <a:r>
+              <a:rPr lang="zh-CN" altLang="en-US" dirty="0" smtClean="0"/>
+              <a:t>。 这实现了良好的平衡，需要线性的空间并且在实践中足够快地运行。</a:t>
+            </a:r>
+            <a:endParaRPr lang="en-US" altLang="zh-CN" dirty="0" smtClean="0"/>
+          </a:p>
+          <a:p>
+            <a:r>
+              <a:rPr lang="en-US" altLang="zh-CN" dirty="0" smtClean="0"/>
+              <a:t>Diff</a:t>
+            </a:r>
+            <a:r>
+              <a:rPr lang="zh-CN" altLang="en-US" dirty="0" smtClean="0"/>
+              <a:t>复合，例如</a:t>
+            </a:r>
+            <a:endParaRPr lang="en-US" altLang="zh-CN" dirty="0" smtClean="0"/>
+          </a:p>
+          <a:p>
+            <a:r>
+              <a:rPr lang="en-US" altLang="zh-CN" sz="1200" b="0" i="0" kern="1200" dirty="0" smtClean="0">
+                <a:solidFill>
+                  <a:schemeClr val="tx1"/>
+                </a:solidFill>
+                <a:effectLst/>
+                <a:latin typeface="+mn-lt"/>
+                <a:ea typeface="+mn-ea"/>
+                <a:cs typeface="+mn-cs"/>
+              </a:rPr>
+              <a:t>compose Insert Delete = Missing</a:t>
+            </a:r>
+            <a:br>
+              <a:rPr lang="en-US" altLang="zh-CN" sz="1200" b="0" i="0" kern="1200" dirty="0" smtClean="0">
+                <a:solidFill>
+                  <a:schemeClr val="tx1"/>
+                </a:solidFill>
+                <a:effectLst/>
+                <a:latin typeface="+mn-lt"/>
+                <a:ea typeface="+mn-ea"/>
+                <a:cs typeface="+mn-cs"/>
+              </a:rPr>
+            </a:br>
+            <a:r>
+              <a:rPr lang="en-US" altLang="zh-CN" sz="1200" b="0" i="0" kern="1200" dirty="0" smtClean="0">
+                <a:solidFill>
+                  <a:schemeClr val="tx1"/>
+                </a:solidFill>
+                <a:effectLst/>
+                <a:latin typeface="+mn-lt"/>
+                <a:ea typeface="+mn-ea"/>
+                <a:cs typeface="+mn-cs"/>
+              </a:rPr>
+              <a:t>compose Delete Insert = Change</a:t>
+            </a:r>
+            <a:r>
+              <a:rPr lang="en-US" altLang="zh-CN" dirty="0" smtClean="0"/>
+              <a:t> </a:t>
+            </a:r>
+            <a:br>
+              <a:rPr lang="en-US" altLang="zh-CN" dirty="0" smtClean="0"/>
+            </a:br>
+            <a:r>
+              <a:rPr lang="zh-CN" altLang="en-US" dirty="0" smtClean="0"/>
+              <a:t>这种形式（粒度是</a:t>
+            </a:r>
+            <a:r>
+              <a:rPr lang="en-US" altLang="zh-CN" dirty="0" smtClean="0"/>
+              <a:t>method</a:t>
+            </a:r>
+            <a:r>
+              <a:rPr lang="zh-CN" altLang="en-US" dirty="0" smtClean="0"/>
+              <a:t>）</a:t>
+            </a:r>
+            <a:endParaRPr lang="zh-CN" altLang="en-US" dirty="0"/>
+          </a:p>
+        </p:txBody>
+      </p:sp>
+      <p:sp>
+        <p:nvSpPr>
+          <p:cNvPr id="4" name="灯片编号占位符 3"/>
+          <p:cNvSpPr>
+            <a:spLocks noGrp="1"/>
+          </p:cNvSpPr>
+          <p:nvPr>
+            <p:ph type="sldNum" sz="quarter" idx="10"/>
+          </p:nvPr>
+        </p:nvSpPr>
+        <p:spPr/>
+        <p:txBody>
+          <a:bodyPr/>
+          <a:lstStyle/>
+          <a:p>
+            <a:fld id="{D1A57DDF-2958-4B06-BBB2-5E1DEC7CA669}" type="slidenum">
+              <a:rPr lang="zh-CN" altLang="en-US" smtClean="0"/>
+              <a:t>34</a:t>
+            </a:fld>
+            <a:endParaRPr lang="zh-CN" altLang="en-US"/>
+          </a:p>
+        </p:txBody>
+      </p:sp>
+    </p:spTree>
+    <p:extLst>
+      <p:ext uri="{BB962C8B-B14F-4D97-AF65-F5344CB8AC3E}">
+        <p14:creationId xmlns:p14="http://schemas.microsoft.com/office/powerpoint/2010/main" val="1712541636"/>
+      </p:ext>
+    </p:extLst>
+  </p:cSld>
+  <p:clrMapOvr>
+    <a:masterClrMapping/>
+  </p:clrMapOvr>
+</p:notes>
+</file>
+
+<file path=ppt/notesSlides/notesSlide31.xml><?xml version="1.0" encoding="utf-8"?>
+<p:notes xmlns:a="http://schemas.openxmlformats.org/drawingml/2006/main" xmlns:r="http://schemas.openxmlformats.org/officeDocument/2006/relationships" xmlns:p="http://schemas.openxmlformats.org/presentationml/2006/main">
+  <p:cSld>
+    <p:spTree>
+      <p:nvGrpSpPr>
+        <p:cNvPr id="1" name=""/>
+        <p:cNvGrpSpPr/>
+        <p:nvPr/>
+      </p:nvGrpSpPr>
+      <p:grpSpPr>
+        <a:xfrm>
+          <a:off x="0" y="0"/>
+          <a:ext cx="0" cy="0"/>
+          <a:chOff x="0" y="0"/>
+          <a:chExt cx="0" cy="0"/>
+        </a:xfrm>
+      </p:grpSpPr>
+      <p:sp>
+        <p:nvSpPr>
+          <p:cNvPr id="2" name="幻灯片图像占位符 1"/>
+          <p:cNvSpPr>
+            <a:spLocks noGrp="1" noRot="1" noChangeAspect="1"/>
+          </p:cNvSpPr>
+          <p:nvPr>
+            <p:ph type="sldImg"/>
+          </p:nvPr>
+        </p:nvSpPr>
+        <p:spPr/>
+      </p:sp>
+      <p:sp>
+        <p:nvSpPr>
+          <p:cNvPr id="3" name="备注占位符 2"/>
+          <p:cNvSpPr>
+            <a:spLocks noGrp="1"/>
+          </p:cNvSpPr>
+          <p:nvPr>
+            <p:ph type="body" idx="1"/>
+          </p:nvPr>
+        </p:nvSpPr>
+        <p:spPr/>
+        <p:txBody>
+          <a:bodyPr/>
+          <a:lstStyle/>
+          <a:p>
+            <a:r>
+              <a:rPr lang="en-US" altLang="zh-CN" sz="1200" b="0" i="0" kern="1200" dirty="0" smtClean="0">
+                <a:solidFill>
+                  <a:schemeClr val="tx1"/>
+                </a:solidFill>
+                <a:effectLst/>
+                <a:latin typeface="+mn-lt"/>
+                <a:ea typeface="+mn-ea"/>
+                <a:cs typeface="+mn-cs"/>
+              </a:rPr>
+              <a:t>We then use diﬀs to </a:t>
+            </a:r>
+            <a:r>
+              <a:rPr lang="en-US" altLang="zh-CN" sz="1200" b="0" i="0" kern="1200" dirty="0" smtClean="0">
+                <a:solidFill>
+                  <a:schemeClr val="accent1"/>
+                </a:solidFill>
+                <a:effectLst/>
+                <a:latin typeface="+mn-lt"/>
+                <a:ea typeface="+mn-ea"/>
+                <a:cs typeface="+mn-cs"/>
+              </a:rPr>
+              <a:t>suggest upgrades and determine if they induce</a:t>
+            </a:r>
+            <a:r>
+              <a:rPr lang="en-US" altLang="zh-CN" sz="1200" b="0" i="0" kern="1200" baseline="0" dirty="0" smtClean="0">
+                <a:solidFill>
+                  <a:schemeClr val="accent1"/>
+                </a:solidFill>
+                <a:effectLst/>
+                <a:latin typeface="+mn-lt"/>
+                <a:ea typeface="+mn-ea"/>
+                <a:cs typeface="+mn-cs"/>
+              </a:rPr>
+              <a:t> </a:t>
+            </a:r>
+            <a:r>
+              <a:rPr lang="en-US" altLang="zh-CN" sz="1200" b="0" i="0" kern="1200" dirty="0" smtClean="0">
+                <a:solidFill>
+                  <a:schemeClr val="accent1"/>
+                </a:solidFill>
+                <a:effectLst/>
+                <a:latin typeface="+mn-lt"/>
+                <a:ea typeface="+mn-ea"/>
+                <a:cs typeface="+mn-cs"/>
+              </a:rPr>
+              <a:t>breaking changes</a:t>
+            </a:r>
+          </a:p>
+          <a:p>
+            <a:r>
+              <a:rPr lang="zh-CN" altLang="en-US" sz="1200" b="0" i="0" kern="1200" dirty="0" smtClean="0">
+                <a:solidFill>
+                  <a:schemeClr val="accent1"/>
+                </a:solidFill>
+                <a:effectLst/>
+                <a:latin typeface="+mn-lt"/>
+                <a:ea typeface="+mn-ea"/>
+                <a:cs typeface="+mn-cs"/>
+              </a:rPr>
+              <a:t>从专有漏洞数据库中获取一个库中脆弱的版本，然后提醒更新库（找到不会造成漏洞的库）</a:t>
+            </a:r>
+            <a:endParaRPr lang="en-US" altLang="zh-CN" sz="1200" b="0" i="0" kern="1200" dirty="0" smtClean="0">
+              <a:solidFill>
+                <a:schemeClr val="accent1"/>
+              </a:solidFill>
+              <a:effectLst/>
+              <a:latin typeface="+mn-lt"/>
+              <a:ea typeface="+mn-ea"/>
+              <a:cs typeface="+mn-cs"/>
+            </a:endParaRPr>
+          </a:p>
+          <a:p>
+            <a:r>
+              <a:rPr lang="zh-CN" altLang="en-US" sz="1200" b="0" i="0" kern="1200" dirty="0" smtClean="0">
+                <a:solidFill>
+                  <a:schemeClr val="accent1"/>
+                </a:solidFill>
+                <a:effectLst/>
+                <a:latin typeface="+mn-lt"/>
+                <a:ea typeface="+mn-ea"/>
+                <a:cs typeface="+mn-cs"/>
+              </a:rPr>
+              <a:t>如果我没有理解错，意思就是通过（用户的调用图）</a:t>
+            </a:r>
+            <a:r>
+              <a:rPr lang="zh-CN" altLang="en-US" sz="1200" b="0" i="0" kern="1200" dirty="0" smtClean="0">
+                <a:solidFill>
+                  <a:schemeClr val="tx1"/>
+                </a:solidFill>
+                <a:effectLst/>
+                <a:latin typeface="+mn-lt"/>
+                <a:ea typeface="+mn-ea"/>
+                <a:cs typeface="+mn-cs"/>
+              </a:rPr>
+              <a:t>来检查一个库的更新是否存在问题</a:t>
+            </a:r>
+            <a:r>
+              <a:rPr lang="zh-CN" altLang="en-US" dirty="0" smtClean="0"/>
+              <a:t>，最后生成一个类似于此的补丁文件，标记涉及到的版本等信息</a:t>
+            </a:r>
+            <a:endParaRPr lang="zh-CN" altLang="en-US" dirty="0"/>
+          </a:p>
+        </p:txBody>
+      </p:sp>
+      <p:sp>
+        <p:nvSpPr>
+          <p:cNvPr id="4" name="灯片编号占位符 3"/>
+          <p:cNvSpPr>
+            <a:spLocks noGrp="1"/>
+          </p:cNvSpPr>
+          <p:nvPr>
+            <p:ph type="sldNum" sz="quarter" idx="10"/>
+          </p:nvPr>
+        </p:nvSpPr>
+        <p:spPr/>
+        <p:txBody>
+          <a:bodyPr/>
+          <a:lstStyle/>
+          <a:p>
+            <a:fld id="{D1A57DDF-2958-4B06-BBB2-5E1DEC7CA669}" type="slidenum">
+              <a:rPr lang="zh-CN" altLang="en-US" smtClean="0"/>
+              <a:t>35</a:t>
+            </a:fld>
+            <a:endParaRPr lang="zh-CN" altLang="en-US"/>
+          </a:p>
+        </p:txBody>
+      </p:sp>
+    </p:spTree>
+    <p:extLst>
+      <p:ext uri="{BB962C8B-B14F-4D97-AF65-F5344CB8AC3E}">
+        <p14:creationId xmlns:p14="http://schemas.microsoft.com/office/powerpoint/2010/main" val="1033868513"/>
+      </p:ext>
+    </p:extLst>
+  </p:cSld>
+  <p:clrMapOvr>
+    <a:masterClrMapping/>
+  </p:clrMapOvr>
+</p:notes>
+</file>
+
+<file path=ppt/notesSlides/notesSlide32.xml><?xml version="1.0" encoding="utf-8"?>
+<p:notes xmlns:a="http://schemas.openxmlformats.org/drawingml/2006/main" xmlns:r="http://schemas.openxmlformats.org/officeDocument/2006/relationships" xmlns:p="http://schemas.openxmlformats.org/presentationml/2006/main">
+  <p:cSld>
+    <p:spTree>
+      <p:nvGrpSpPr>
+        <p:cNvPr id="1" name=""/>
+        <p:cNvGrpSpPr/>
+        <p:nvPr/>
+      </p:nvGrpSpPr>
+      <p:grpSpPr>
+        <a:xfrm>
+          <a:off x="0" y="0"/>
+          <a:ext cx="0" cy="0"/>
+          <a:chOff x="0" y="0"/>
+          <a:chExt cx="0" cy="0"/>
+        </a:xfrm>
+      </p:grpSpPr>
+      <p:sp>
+        <p:nvSpPr>
+          <p:cNvPr id="2" name="幻灯片图像占位符 1"/>
+          <p:cNvSpPr>
+            <a:spLocks noGrp="1" noRot="1" noChangeAspect="1"/>
+          </p:cNvSpPr>
+          <p:nvPr>
+            <p:ph type="sldImg"/>
+          </p:nvPr>
+        </p:nvSpPr>
+        <p:spPr/>
+      </p:sp>
+      <p:sp>
+        <p:nvSpPr>
+          <p:cNvPr id="3" name="备注占位符 2"/>
+          <p:cNvSpPr>
+            <a:spLocks noGrp="1"/>
+          </p:cNvSpPr>
+          <p:nvPr>
+            <p:ph type="body" idx="1"/>
+          </p:nvPr>
+        </p:nvSpPr>
+        <p:spPr/>
+        <p:txBody>
+          <a:bodyPr/>
+          <a:lstStyle/>
+          <a:p>
             <a:r>
               <a:rPr lang="en-US" altLang="zh-CN" sz="1200" b="0" i="0" kern="1200" dirty="0" smtClean="0">
                 <a:solidFill>
@@ -5125,7 +6153,7 @@
 </p:notes>
 </file>
 
-<file path=ppt/notesSlides/notesSlide31.xml><?xml version="1.0" encoding="utf-8"?>
+<file path=ppt/notesSlides/notesSlide33.xml><?xml version="1.0" encoding="utf-8"?>
 <p:notes xmlns:a="http://schemas.openxmlformats.org/drawingml/2006/main" xmlns:r="http://schemas.openxmlformats.org/officeDocument/2006/relationships" xmlns:p="http://schemas.openxmlformats.org/presentationml/2006/main">
   <p:cSld>
     <p:spTree>
@@ -5687,8 +6715,565 @@
           <a:p>
             <a:r>
               <a:rPr lang="zh-CN" altLang="en-US" dirty="0" smtClean="0"/>
-              <a:t>收集数据具体是怎么操作的？</a:t>
-            </a:r>
+              <a:t>收集数据具体是怎么操作的</a:t>
+            </a:r>
+            <a:r>
+              <a:rPr lang="zh-CN" altLang="en-US" dirty="0" smtClean="0"/>
+              <a:t>？</a:t>
+            </a:r>
+            <a:endParaRPr lang="en-US" altLang="zh-CN" dirty="0" smtClean="0"/>
+          </a:p>
+          <a:p>
+            <a:pPr marL="171450" indent="-171450">
+              <a:buFont typeface="Arial" panose="020B0604020202020204" pitchFamily="34" charset="0"/>
+              <a:buChar char="•"/>
+            </a:pPr>
+            <a:r>
+              <a:rPr lang="en-US" altLang="zh-CN" dirty="0" smtClean="0"/>
+              <a:t>Guru repository</a:t>
+            </a:r>
+          </a:p>
+          <a:p>
+            <a:pPr marL="0" indent="0">
+              <a:buFont typeface="Arial" panose="020B0604020202020204" pitchFamily="34" charset="0"/>
+              <a:buNone/>
+            </a:pPr>
+            <a:r>
+              <a:rPr lang="en-US" altLang="zh-CN" sz="1200" b="0" i="0" kern="1200" dirty="0" smtClean="0">
+                <a:solidFill>
+                  <a:schemeClr val="tx1"/>
+                </a:solidFill>
+                <a:effectLst/>
+                <a:latin typeface="+mn-lt"/>
+                <a:ea typeface="+mn-ea"/>
+                <a:cs typeface="+mn-cs"/>
+              </a:rPr>
+              <a:t>The repository contains specifications either provided by API</a:t>
+            </a:r>
+            <a:r>
+              <a:rPr lang="en-US" altLang="zh-CN" sz="1200" b="0" i="0" kern="1200" baseline="0" dirty="0" smtClean="0">
+                <a:solidFill>
+                  <a:schemeClr val="tx1"/>
+                </a:solidFill>
+                <a:effectLst/>
+                <a:latin typeface="+mn-lt"/>
+                <a:ea typeface="+mn-ea"/>
+                <a:cs typeface="+mn-cs"/>
+              </a:rPr>
+              <a:t> </a:t>
+            </a:r>
+            <a:r>
+              <a:rPr lang="en-US" altLang="zh-CN" sz="1200" b="0" i="0" kern="1200" dirty="0" smtClean="0">
+                <a:solidFill>
+                  <a:schemeClr val="tx1"/>
+                </a:solidFill>
+                <a:effectLst/>
+                <a:latin typeface="+mn-lt"/>
+                <a:ea typeface="+mn-ea"/>
+                <a:cs typeface="+mn-cs"/>
+              </a:rPr>
+              <a:t>providers or third-parties, or generated using dedicated scripts</a:t>
+            </a:r>
+            <a:r>
+              <a:rPr lang="en-US" altLang="zh-CN" dirty="0" smtClean="0"/>
+              <a:t> </a:t>
+            </a:r>
+          </a:p>
+          <a:p>
+            <a:pPr marL="171450" indent="-171450">
+              <a:buFont typeface="Arial" panose="020B0604020202020204" pitchFamily="34" charset="0"/>
+              <a:buChar char="•"/>
+            </a:pPr>
+            <a:r>
+              <a:rPr lang="en-US" altLang="zh-CN" dirty="0" smtClean="0"/>
+              <a:t>Search the files</a:t>
+            </a:r>
+          </a:p>
+          <a:p>
+            <a:pPr marL="0" indent="0">
+              <a:buFont typeface="Arial" panose="020B0604020202020204" pitchFamily="34" charset="0"/>
+              <a:buNone/>
+            </a:pPr>
+            <a:r>
+              <a:rPr lang="en-US" altLang="zh-CN" sz="1200" b="0" i="0" kern="1200" dirty="0" smtClean="0">
+                <a:solidFill>
+                  <a:schemeClr val="tx1"/>
+                </a:solidFill>
+                <a:effectLst/>
+                <a:latin typeface="+mn-lt"/>
+                <a:ea typeface="+mn-ea"/>
+                <a:cs typeface="+mn-cs"/>
+              </a:rPr>
+              <a:t>We obtained such</a:t>
+            </a:r>
+            <a:r>
+              <a:rPr lang="en-US" altLang="zh-CN" sz="1200" b="0" i="0" kern="1200" baseline="0" dirty="0" smtClean="0">
+                <a:solidFill>
+                  <a:schemeClr val="tx1"/>
+                </a:solidFill>
+                <a:effectLst/>
+                <a:latin typeface="+mn-lt"/>
+                <a:ea typeface="+mn-ea"/>
+                <a:cs typeface="+mn-cs"/>
+              </a:rPr>
+              <a:t> </a:t>
+            </a:r>
+            <a:r>
+              <a:rPr lang="en-US" altLang="zh-CN" sz="1200" b="0" i="0" kern="1200" dirty="0" smtClean="0">
+                <a:solidFill>
+                  <a:schemeClr val="tx1"/>
+                </a:solidFill>
+                <a:effectLst/>
+                <a:latin typeface="+mn-lt"/>
+                <a:ea typeface="+mn-ea"/>
+                <a:cs typeface="+mn-cs"/>
+              </a:rPr>
+              <a:t>a set by querying GitHub using its search capabilities</a:t>
+            </a:r>
+            <a:r>
+              <a:rPr lang="en-US" altLang="zh-CN" dirty="0" smtClean="0"/>
+              <a:t> .	 </a:t>
+            </a:r>
+            <a:r>
+              <a:rPr lang="en-US" altLang="zh-CN" dirty="0" err="1" smtClean="0"/>
+              <a:t>extension:js</a:t>
+            </a:r>
+            <a:r>
+              <a:rPr lang="en-US" altLang="zh-CN" dirty="0" smtClean="0"/>
+              <a:t> "$.ajax" "{</a:t>
+            </a:r>
+            <a:r>
+              <a:rPr lang="en-US" altLang="zh-CN" dirty="0" err="1" smtClean="0"/>
+              <a:t>domainName</a:t>
+            </a:r>
+            <a:r>
+              <a:rPr lang="en-US" altLang="zh-CN" dirty="0" smtClean="0"/>
+              <a:t>}"</a:t>
+            </a:r>
+          </a:p>
+          <a:p>
+            <a:pPr marL="0" indent="0">
+              <a:buFont typeface="Arial" panose="020B0604020202020204" pitchFamily="34" charset="0"/>
+              <a:buNone/>
+            </a:pPr>
+            <a:r>
+              <a:rPr lang="en-US" altLang="zh-CN" sz="1200" b="0" i="0" kern="1200" dirty="0" smtClean="0">
+                <a:solidFill>
+                  <a:schemeClr val="tx1"/>
+                </a:solidFill>
+                <a:effectLst/>
+                <a:latin typeface="+mn-lt"/>
+                <a:ea typeface="+mn-ea"/>
+                <a:cs typeface="+mn-cs"/>
+              </a:rPr>
+              <a:t>Each</a:t>
+            </a:r>
+            <a:r>
+              <a:rPr lang="en-US" altLang="zh-CN" sz="1200" b="0" i="0" kern="1200" baseline="0" dirty="0" smtClean="0">
+                <a:solidFill>
+                  <a:schemeClr val="tx1"/>
+                </a:solidFill>
+                <a:effectLst/>
+                <a:latin typeface="+mn-lt"/>
+                <a:ea typeface="+mn-ea"/>
+                <a:cs typeface="+mn-cs"/>
+              </a:rPr>
+              <a:t> </a:t>
+            </a:r>
+            <a:r>
+              <a:rPr lang="en-US" altLang="zh-CN" sz="1200" b="0" i="0" kern="1200" dirty="0" smtClean="0">
+                <a:solidFill>
+                  <a:schemeClr val="tx1"/>
+                </a:solidFill>
+                <a:effectLst/>
+                <a:latin typeface="+mn-lt"/>
+                <a:ea typeface="+mn-ea"/>
+                <a:cs typeface="+mn-cs"/>
+              </a:rPr>
+              <a:t>search query targets the domain name of an available Swagger</a:t>
+            </a:r>
+            <a:r>
+              <a:rPr lang="en-US" altLang="zh-CN" sz="1200" b="0" i="0" kern="1200" baseline="0" dirty="0" smtClean="0">
+                <a:solidFill>
+                  <a:schemeClr val="tx1"/>
+                </a:solidFill>
+                <a:effectLst/>
+                <a:latin typeface="+mn-lt"/>
+                <a:ea typeface="+mn-ea"/>
+                <a:cs typeface="+mn-cs"/>
+              </a:rPr>
+              <a:t> </a:t>
+            </a:r>
+            <a:r>
+              <a:rPr lang="en-US" altLang="zh-CN" sz="1200" b="0" i="0" kern="1200" dirty="0" smtClean="0">
+                <a:solidFill>
+                  <a:schemeClr val="tx1"/>
+                </a:solidFill>
+                <a:effectLst/>
+                <a:latin typeface="+mn-lt"/>
+                <a:ea typeface="+mn-ea"/>
+                <a:cs typeface="+mn-cs"/>
+              </a:rPr>
+              <a:t>specification from APIs Guru and JavaScript instances that</a:t>
+            </a:r>
+            <a:r>
+              <a:rPr lang="en-US" altLang="zh-CN" sz="1200" b="0" i="0" kern="1200" baseline="0" dirty="0" smtClean="0">
+                <a:solidFill>
+                  <a:schemeClr val="tx1"/>
+                </a:solidFill>
+                <a:effectLst/>
+                <a:latin typeface="+mn-lt"/>
+                <a:ea typeface="+mn-ea"/>
+                <a:cs typeface="+mn-cs"/>
+              </a:rPr>
+              <a:t> </a:t>
+            </a:r>
+            <a:r>
+              <a:rPr lang="en-US" altLang="zh-CN" sz="1200" b="0" i="0" kern="1200" dirty="0" smtClean="0">
+                <a:solidFill>
+                  <a:schemeClr val="tx1"/>
+                </a:solidFill>
+                <a:effectLst/>
+                <a:latin typeface="+mn-lt"/>
+                <a:ea typeface="+mn-ea"/>
+                <a:cs typeface="+mn-cs"/>
+              </a:rPr>
+              <a:t>send requests using the jQuery function</a:t>
+            </a:r>
+            <a:r>
+              <a:rPr lang="en-US" altLang="zh-CN" dirty="0" smtClean="0"/>
+              <a:t> </a:t>
+            </a:r>
+          </a:p>
+          <a:p>
+            <a:pPr marL="171450" indent="-171450">
+              <a:buFont typeface="Arial" panose="020B0604020202020204" pitchFamily="34" charset="0"/>
+              <a:buChar char="•"/>
+            </a:pPr>
+            <a:r>
+              <a:rPr lang="en-US" altLang="zh-CN" dirty="0" smtClean="0"/>
+              <a:t>Filter</a:t>
+            </a:r>
+            <a:r>
+              <a:rPr lang="en-US" altLang="zh-CN" baseline="0" dirty="0" smtClean="0"/>
+              <a:t> data</a:t>
+            </a:r>
+          </a:p>
+          <a:p>
+            <a:pPr marL="0" indent="0">
+              <a:buFont typeface="Arial" panose="020B0604020202020204" pitchFamily="34" charset="0"/>
+              <a:buNone/>
+            </a:pPr>
+            <a:r>
+              <a:rPr lang="en-US" altLang="zh-CN" sz="1200" b="0" i="0" kern="1200" dirty="0" smtClean="0">
+                <a:solidFill>
+                  <a:schemeClr val="tx1"/>
+                </a:solidFill>
+                <a:effectLst/>
+                <a:latin typeface="+mn-lt"/>
+                <a:ea typeface="+mn-ea"/>
+                <a:cs typeface="+mn-cs"/>
+              </a:rPr>
+              <a:t>For this evaluation, we focused on the 6575 requests that</a:t>
+            </a:r>
+            <a:r>
+              <a:rPr lang="en-US" altLang="zh-CN" sz="1200" b="0" i="0" kern="1200" baseline="0" dirty="0" smtClean="0">
+                <a:solidFill>
+                  <a:schemeClr val="tx1"/>
+                </a:solidFill>
+                <a:effectLst/>
+                <a:latin typeface="+mn-lt"/>
+                <a:ea typeface="+mn-ea"/>
+                <a:cs typeface="+mn-cs"/>
+              </a:rPr>
+              <a:t> </a:t>
+            </a:r>
+            <a:r>
+              <a:rPr lang="en-US" altLang="zh-CN" sz="1200" b="0" i="0" kern="1200" dirty="0" smtClean="0">
+                <a:solidFill>
+                  <a:schemeClr val="tx1"/>
+                </a:solidFill>
+                <a:effectLst/>
+                <a:latin typeface="+mn-lt"/>
+                <a:ea typeface="+mn-ea"/>
+                <a:cs typeface="+mn-cs"/>
+              </a:rPr>
+              <a:t>matched a specification (i.e., a request URL matching the</a:t>
+            </a:r>
+            <a:r>
+              <a:rPr lang="en-US" altLang="zh-CN" sz="1200" b="0" i="0" kern="1200" baseline="0" dirty="0" smtClean="0">
+                <a:solidFill>
+                  <a:schemeClr val="tx1"/>
+                </a:solidFill>
+                <a:effectLst/>
+                <a:latin typeface="+mn-lt"/>
+                <a:ea typeface="+mn-ea"/>
+                <a:cs typeface="+mn-cs"/>
+              </a:rPr>
+              <a:t> </a:t>
+            </a:r>
+            <a:r>
+              <a:rPr lang="en-US" altLang="zh-CN" sz="1200" b="0" i="0" kern="1200" dirty="0" smtClean="0">
+                <a:solidFill>
+                  <a:schemeClr val="tx1"/>
+                </a:solidFill>
+                <a:effectLst/>
+                <a:latin typeface="+mn-lt"/>
+                <a:ea typeface="+mn-ea"/>
+                <a:cs typeface="+mn-cs"/>
+              </a:rPr>
+              <a:t>base URL of a specification, including matching the schemes,</a:t>
+            </a:r>
+            <a:r>
+              <a:rPr lang="en-US" altLang="zh-CN" sz="1200" b="0" i="0" kern="1200" baseline="0" dirty="0" smtClean="0">
+                <a:solidFill>
+                  <a:schemeClr val="tx1"/>
+                </a:solidFill>
+                <a:effectLst/>
+                <a:latin typeface="+mn-lt"/>
+                <a:ea typeface="+mn-ea"/>
+                <a:cs typeface="+mn-cs"/>
+              </a:rPr>
+              <a:t> </a:t>
+            </a:r>
+            <a:r>
+              <a:rPr lang="en-US" altLang="zh-CN" sz="1200" b="0" i="0" kern="1200" dirty="0" smtClean="0">
+                <a:solidFill>
+                  <a:schemeClr val="tx1"/>
+                </a:solidFill>
+                <a:effectLst/>
+                <a:latin typeface="+mn-lt"/>
+                <a:ea typeface="+mn-ea"/>
+                <a:cs typeface="+mn-cs"/>
+              </a:rPr>
+              <a:t>domain, and the </a:t>
+            </a:r>
+            <a:r>
+              <a:rPr lang="en-US" altLang="zh-CN" sz="1200" b="0" i="0" kern="1200" dirty="0" err="1" smtClean="0">
+                <a:solidFill>
+                  <a:schemeClr val="tx1"/>
+                </a:solidFill>
+                <a:effectLst/>
+                <a:latin typeface="+mn-lt"/>
+                <a:ea typeface="+mn-ea"/>
+                <a:cs typeface="+mn-cs"/>
+              </a:rPr>
+              <a:t>basepath</a:t>
+            </a:r>
+            <a:r>
+              <a:rPr lang="en-US" altLang="zh-CN" sz="1200" b="0" i="0" kern="1200" dirty="0" smtClean="0">
+                <a:solidFill>
+                  <a:schemeClr val="tx1"/>
+                </a:solidFill>
+                <a:effectLst/>
+                <a:latin typeface="+mn-lt"/>
+                <a:ea typeface="+mn-ea"/>
+                <a:cs typeface="+mn-cs"/>
+              </a:rPr>
+              <a:t>)</a:t>
+            </a:r>
+          </a:p>
+          <a:p>
+            <a:pPr marL="628650" lvl="1" indent="-171450">
+              <a:buFont typeface="Arial" panose="020B0604020202020204" pitchFamily="34" charset="0"/>
+              <a:buChar char="•"/>
+            </a:pPr>
+            <a:r>
+              <a:rPr lang="en-US" altLang="zh-CN" b="0" i="0" kern="1200" dirty="0" smtClean="0">
+                <a:solidFill>
+                  <a:schemeClr val="tx1"/>
+                </a:solidFill>
+                <a:effectLst/>
+                <a:latin typeface="+mn-lt"/>
+                <a:ea typeface="+mn-ea"/>
+                <a:cs typeface="+mn-cs"/>
+              </a:rPr>
+              <a:t>9915</a:t>
+            </a:r>
+            <a:r>
+              <a:rPr lang="en-US" altLang="zh-CN" b="0" i="0" kern="1200" baseline="0" dirty="0" smtClean="0">
+                <a:solidFill>
+                  <a:schemeClr val="tx1"/>
+                </a:solidFill>
+                <a:effectLst/>
+                <a:latin typeface="+mn-lt"/>
+                <a:ea typeface="+mn-ea"/>
+                <a:cs typeface="+mn-cs"/>
+              </a:rPr>
+              <a:t>  (</a:t>
+            </a:r>
+            <a:r>
+              <a:rPr lang="en-US" altLang="zh-CN" b="0" i="0" kern="1200" dirty="0" smtClean="0">
+                <a:solidFill>
+                  <a:schemeClr val="tx1"/>
+                </a:solidFill>
+                <a:effectLst/>
+                <a:latin typeface="+mn-lt"/>
+                <a:ea typeface="+mn-ea"/>
+                <a:cs typeface="+mn-cs"/>
+              </a:rPr>
+              <a:t>Remove</a:t>
+            </a:r>
+            <a:r>
+              <a:rPr lang="en-US" altLang="zh-CN" b="0" i="0" kern="1200" baseline="0" dirty="0" smtClean="0">
+                <a:solidFill>
+                  <a:schemeClr val="tx1"/>
+                </a:solidFill>
+                <a:effectLst/>
+                <a:latin typeface="+mn-lt"/>
+                <a:ea typeface="+mn-ea"/>
+                <a:cs typeface="+mn-cs"/>
+              </a:rPr>
+              <a:t> 13093 requests)	4926</a:t>
+            </a:r>
+            <a:r>
+              <a:rPr lang="zh-CN" altLang="en-US" b="0" i="0" kern="1200" baseline="0" dirty="0" smtClean="0">
+                <a:solidFill>
+                  <a:schemeClr val="tx1"/>
+                </a:solidFill>
+                <a:effectLst/>
+                <a:latin typeface="+mn-lt"/>
+                <a:ea typeface="+mn-ea"/>
+                <a:cs typeface="+mn-cs"/>
+              </a:rPr>
+              <a:t>个是不包含</a:t>
+            </a:r>
+            <a:r>
+              <a:rPr lang="en-US" altLang="zh-CN" b="0" i="0" kern="1200" baseline="0" dirty="0" smtClean="0">
+                <a:solidFill>
+                  <a:schemeClr val="tx1"/>
+                </a:solidFill>
+                <a:effectLst/>
+                <a:latin typeface="+mn-lt"/>
+                <a:ea typeface="+mn-ea"/>
+                <a:cs typeface="+mn-cs"/>
+              </a:rPr>
+              <a:t>API calls</a:t>
+            </a:r>
+            <a:r>
+              <a:rPr lang="zh-CN" altLang="en-US" b="0" i="0" kern="1200" baseline="0" dirty="0" smtClean="0">
+                <a:solidFill>
+                  <a:schemeClr val="tx1"/>
+                </a:solidFill>
+                <a:effectLst/>
+                <a:latin typeface="+mn-lt"/>
+                <a:ea typeface="+mn-ea"/>
+                <a:cs typeface="+mn-cs"/>
+              </a:rPr>
+              <a:t>，</a:t>
+            </a:r>
+            <a:r>
+              <a:rPr lang="en-US" altLang="zh-CN" b="0" i="0" kern="1200" baseline="0" dirty="0" smtClean="0">
+                <a:solidFill>
+                  <a:schemeClr val="tx1"/>
+                </a:solidFill>
+                <a:effectLst/>
+                <a:latin typeface="+mn-lt"/>
+                <a:ea typeface="+mn-ea"/>
+                <a:cs typeface="+mn-cs"/>
+              </a:rPr>
+              <a:t>3178</a:t>
+            </a:r>
+            <a:r>
+              <a:rPr lang="zh-CN" altLang="en-US" b="0" i="0" kern="1200" baseline="0" dirty="0" smtClean="0">
+                <a:solidFill>
+                  <a:schemeClr val="tx1"/>
+                </a:solidFill>
+                <a:effectLst/>
+                <a:latin typeface="+mn-lt"/>
+                <a:ea typeface="+mn-ea"/>
+                <a:cs typeface="+mn-cs"/>
+              </a:rPr>
+              <a:t>是静态分析不能解析的</a:t>
+            </a:r>
+            <a:r>
+              <a:rPr lang="en-US" altLang="zh-CN" b="0" i="0" kern="1200" baseline="0" dirty="0" err="1" smtClean="0">
+                <a:solidFill>
+                  <a:schemeClr val="tx1"/>
+                </a:solidFill>
+                <a:effectLst/>
+                <a:latin typeface="+mn-lt"/>
+                <a:ea typeface="+mn-ea"/>
+                <a:cs typeface="+mn-cs"/>
+              </a:rPr>
+              <a:t>urls</a:t>
+            </a:r>
+            <a:r>
+              <a:rPr lang="zh-CN" altLang="en-US" b="0" i="0" kern="1200" baseline="0" dirty="0" smtClean="0">
+                <a:solidFill>
+                  <a:schemeClr val="tx1"/>
+                </a:solidFill>
+                <a:effectLst/>
+                <a:latin typeface="+mn-lt"/>
+                <a:ea typeface="+mn-ea"/>
+                <a:cs typeface="+mn-cs"/>
+              </a:rPr>
+              <a:t>（比如在</a:t>
+            </a:r>
+            <a:r>
+              <a:rPr lang="en-US" altLang="zh-CN" b="0" i="0" kern="1200" baseline="0" dirty="0" smtClean="0">
+                <a:solidFill>
+                  <a:schemeClr val="tx1"/>
+                </a:solidFill>
+                <a:effectLst/>
+                <a:latin typeface="+mn-lt"/>
+                <a:ea typeface="+mn-ea"/>
+                <a:cs typeface="+mn-cs"/>
+              </a:rPr>
+              <a:t>base </a:t>
+            </a:r>
+            <a:r>
+              <a:rPr lang="en-US" altLang="zh-CN" b="0" i="0" kern="1200" baseline="0" dirty="0" err="1" smtClean="0">
+                <a:solidFill>
+                  <a:schemeClr val="tx1"/>
+                </a:solidFill>
+                <a:effectLst/>
+                <a:latin typeface="+mn-lt"/>
+                <a:ea typeface="+mn-ea"/>
+                <a:cs typeface="+mn-cs"/>
+              </a:rPr>
+              <a:t>url</a:t>
+            </a:r>
+            <a:r>
+              <a:rPr lang="zh-CN" altLang="en-US" b="0" i="0" kern="1200" baseline="0" dirty="0" smtClean="0">
+                <a:solidFill>
+                  <a:schemeClr val="tx1"/>
+                </a:solidFill>
+                <a:effectLst/>
+                <a:latin typeface="+mn-lt"/>
+                <a:ea typeface="+mn-ea"/>
+                <a:cs typeface="+mn-cs"/>
+              </a:rPr>
+              <a:t>中有不能确定的符号，还有动态执行才会赋值的符号）</a:t>
+            </a:r>
+            <a:r>
+              <a:rPr lang="en-US" altLang="zh-CN" dirty="0" smtClean="0"/>
+              <a:t/>
+            </a:r>
+            <a:br>
+              <a:rPr lang="en-US" altLang="zh-CN" dirty="0" smtClean="0"/>
+            </a:br>
+            <a:r>
+              <a:rPr lang="en-US" altLang="zh-CN" dirty="0" smtClean="0"/>
+              <a:t/>
+            </a:r>
+            <a:br>
+              <a:rPr lang="en-US" altLang="zh-CN" dirty="0" smtClean="0"/>
+            </a:br>
+            <a:r>
+              <a:rPr lang="en-US" altLang="zh-CN" dirty="0" smtClean="0"/>
+              <a:t/>
+            </a:r>
+            <a:br>
+              <a:rPr lang="en-US" altLang="zh-CN" dirty="0" smtClean="0"/>
+            </a:br>
+            <a:r>
+              <a:rPr lang="en-US" altLang="zh-CN" dirty="0" smtClean="0"/>
+              <a:t/>
+            </a:r>
+            <a:br>
+              <a:rPr lang="en-US" altLang="zh-CN" dirty="0" smtClean="0"/>
+            </a:br>
             <a:endParaRPr lang="zh-CN" altLang="en-US" dirty="0"/>
           </a:p>
         </p:txBody>
@@ -5874,6 +7459,67 @@
           <a:bodyPr/>
           <a:lstStyle/>
           <a:p>
+            <a:pPr marL="171450" indent="-171450">
+              <a:buFont typeface="Arial" panose="020B0604020202020204" pitchFamily="34" charset="0"/>
+              <a:buChar char="•"/>
+            </a:pPr>
+            <a:r>
+              <a:rPr lang="en-US" altLang="zh-CN" dirty="0" smtClean="0"/>
+              <a:t>1</a:t>
+            </a:r>
+          </a:p>
+          <a:p>
+            <a:pPr marL="0" indent="0">
+              <a:buFont typeface="Arial" panose="020B0604020202020204" pitchFamily="34" charset="0"/>
+              <a:buNone/>
+            </a:pPr>
+            <a:r>
+              <a:rPr lang="zh-CN" altLang="en-US" dirty="0" smtClean="0"/>
+              <a:t>代码问题</a:t>
+            </a:r>
+            <a:endParaRPr lang="en-US" altLang="zh-CN" dirty="0" smtClean="0"/>
+          </a:p>
+          <a:p>
+            <a:pPr marL="0" indent="0">
+              <a:buFont typeface="Arial" panose="020B0604020202020204" pitchFamily="34" charset="0"/>
+              <a:buNone/>
+            </a:pPr>
+            <a:r>
+              <a:rPr lang="zh-CN" altLang="en-US" dirty="0" smtClean="0"/>
+              <a:t>规范的缺失和错误</a:t>
+            </a:r>
+            <a:endParaRPr lang="en-US" altLang="zh-CN" dirty="0" smtClean="0"/>
+          </a:p>
+          <a:p>
+            <a:pPr marL="171450" indent="-171450">
+              <a:buFont typeface="Arial" panose="020B0604020202020204" pitchFamily="34" charset="0"/>
+              <a:buChar char="•"/>
+            </a:pPr>
+            <a:r>
+              <a:rPr lang="en-US" altLang="zh-CN" dirty="0" smtClean="0"/>
+              <a:t>2</a:t>
+            </a:r>
+          </a:p>
+          <a:p>
+            <a:pPr marL="0" indent="0">
+              <a:buFont typeface="Arial" panose="020B0604020202020204" pitchFamily="34" charset="0"/>
+              <a:buNone/>
+            </a:pPr>
+            <a:r>
+              <a:rPr lang="zh-CN" altLang="en-US" dirty="0" smtClean="0"/>
+              <a:t>静态分析</a:t>
+            </a:r>
+            <a:endParaRPr lang="en-US" altLang="zh-CN" dirty="0" smtClean="0"/>
+          </a:p>
+          <a:p>
+            <a:pPr marL="0" indent="0">
+              <a:buFont typeface="Arial" panose="020B0604020202020204" pitchFamily="34" charset="0"/>
+              <a:buNone/>
+            </a:pPr>
+            <a:r>
+              <a:rPr lang="zh-CN" altLang="en-US" dirty="0" smtClean="0"/>
+              <a:t>检查步骤</a:t>
+            </a:r>
             <a:endParaRPr lang="zh-CN" altLang="en-US" dirty="0"/>
           </a:p>
         </p:txBody>
@@ -5995,6 +7641,296 @@
             </a:r>
           </a:p>
           <a:p>
+            <a:pPr marL="171450" indent="-171450">
+              <a:buFont typeface="Arial" panose="020B0604020202020204" pitchFamily="34" charset="0"/>
+              <a:buChar char="•"/>
+            </a:pPr>
+            <a:r>
+              <a:rPr lang="en-US" altLang="zh-CN" sz="1200" b="0" i="0" kern="1200" dirty="0" smtClean="0">
+                <a:solidFill>
+                  <a:schemeClr val="tx1"/>
+                </a:solidFill>
+                <a:effectLst/>
+                <a:latin typeface="+mn-lt"/>
+                <a:ea typeface="+mn-ea"/>
+                <a:cs typeface="+mn-cs"/>
+              </a:rPr>
+              <a:t>While the analysis reports a required data property to</a:t>
+            </a:r>
+            <a:r>
+              <a:rPr lang="en-US" altLang="zh-CN" sz="1200" b="0" i="0" kern="1200" baseline="0" dirty="0" smtClean="0">
+                <a:solidFill>
+                  <a:schemeClr val="tx1"/>
+                </a:solidFill>
+                <a:effectLst/>
+                <a:latin typeface="+mn-lt"/>
+                <a:ea typeface="+mn-ea"/>
+                <a:cs typeface="+mn-cs"/>
+              </a:rPr>
+              <a:t> </a:t>
+            </a:r>
+            <a:r>
+              <a:rPr lang="en-US" altLang="zh-CN" sz="1200" b="0" i="0" kern="1200" dirty="0" smtClean="0">
+                <a:solidFill>
+                  <a:schemeClr val="tx1"/>
+                </a:solidFill>
+                <a:effectLst/>
+                <a:latin typeface="+mn-lt"/>
+                <a:ea typeface="+mn-ea"/>
+                <a:cs typeface="+mn-cs"/>
+              </a:rPr>
+              <a:t>be sent in a query parameter, the specification requires it to</a:t>
+            </a:r>
+            <a:r>
+              <a:rPr lang="en-US" altLang="zh-CN" sz="1200" b="0" i="0" kern="1200" baseline="0" dirty="0" smtClean="0">
+                <a:solidFill>
+                  <a:schemeClr val="tx1"/>
+                </a:solidFill>
+                <a:effectLst/>
+                <a:latin typeface="+mn-lt"/>
+                <a:ea typeface="+mn-ea"/>
+                <a:cs typeface="+mn-cs"/>
+              </a:rPr>
+              <a:t> </a:t>
+            </a:r>
+            <a:r>
+              <a:rPr lang="en-US" altLang="zh-CN" sz="1200" b="0" i="0" kern="1200" dirty="0" smtClean="0">
+                <a:solidFill>
+                  <a:schemeClr val="tx1"/>
+                </a:solidFill>
+                <a:effectLst/>
+                <a:latin typeface="+mn-lt"/>
+                <a:ea typeface="+mn-ea"/>
+                <a:cs typeface="+mn-cs"/>
+              </a:rPr>
+              <a:t>be sent in the payload body</a:t>
+            </a:r>
+            <a:r>
+              <a:rPr lang="en-US" altLang="zh-CN" dirty="0" smtClean="0"/>
+              <a:t> </a:t>
+            </a:r>
+            <a:r>
+              <a:rPr lang="zh-CN" altLang="en-US" dirty="0" smtClean="0"/>
+              <a:t>查询数据和有效数据位置放错了</a:t>
+            </a:r>
+            <a:endParaRPr lang="en-US" altLang="zh-CN" dirty="0" smtClean="0"/>
+          </a:p>
+          <a:p>
+            <a:pPr marL="171450" indent="-171450">
+              <a:buFont typeface="Arial" panose="020B0604020202020204" pitchFamily="34" charset="0"/>
+              <a:buChar char="•"/>
+            </a:pPr>
+            <a:r>
+              <a:rPr lang="en-US" altLang="zh-CN" sz="1200" b="0" i="0" kern="1200" dirty="0" smtClean="0">
+                <a:solidFill>
+                  <a:schemeClr val="tx1"/>
+                </a:solidFill>
+                <a:effectLst/>
+                <a:latin typeface="+mn-lt"/>
+                <a:ea typeface="+mn-ea"/>
+                <a:cs typeface="+mn-cs"/>
+              </a:rPr>
+              <a:t>False positives</a:t>
+            </a:r>
+          </a:p>
+          <a:p>
+            <a:pPr marL="457200" lvl="1" indent="0">
+              <a:buFont typeface="Arial" panose="020B0604020202020204" pitchFamily="34" charset="0"/>
+              <a:buNone/>
+            </a:pPr>
+            <a:r>
+              <a:rPr lang="en-US" altLang="zh-CN" sz="1200" b="0" i="0" kern="1200" dirty="0" smtClean="0">
+                <a:solidFill>
+                  <a:schemeClr val="tx1"/>
+                </a:solidFill>
+                <a:effectLst/>
+                <a:latin typeface="+mn-lt"/>
+                <a:ea typeface="+mn-ea"/>
+                <a:cs typeface="+mn-cs"/>
+              </a:rPr>
+              <a:t>The 17 false positive cases are explained by deficiencies in</a:t>
+            </a:r>
+            <a:r>
+              <a:rPr lang="en-US" altLang="zh-CN" sz="1200" b="0" i="0" kern="1200" baseline="0" dirty="0" smtClean="0">
+                <a:solidFill>
+                  <a:schemeClr val="tx1"/>
+                </a:solidFill>
+                <a:effectLst/>
+                <a:latin typeface="+mn-lt"/>
+                <a:ea typeface="+mn-ea"/>
+                <a:cs typeface="+mn-cs"/>
+              </a:rPr>
+              <a:t> </a:t>
+            </a:r>
+            <a:r>
+              <a:rPr lang="en-US" altLang="zh-CN" sz="1200" b="0" i="0" kern="1200" dirty="0" smtClean="0">
+                <a:solidFill>
+                  <a:schemeClr val="tx1"/>
+                </a:solidFill>
+                <a:effectLst/>
+                <a:latin typeface="+mn-lt"/>
+                <a:ea typeface="+mn-ea"/>
+                <a:cs typeface="+mn-cs"/>
+              </a:rPr>
+              <a:t>the static analysis. </a:t>
+            </a:r>
+            <a:r>
+              <a:rPr lang="zh-CN" altLang="en-US" sz="1200" b="0" i="0" kern="1200" dirty="0" smtClean="0">
+                <a:solidFill>
+                  <a:schemeClr val="tx1"/>
+                </a:solidFill>
+                <a:effectLst/>
+                <a:latin typeface="+mn-lt"/>
+                <a:ea typeface="+mn-ea"/>
+                <a:cs typeface="+mn-cs"/>
+              </a:rPr>
+              <a:t>静态分析出错</a:t>
+            </a:r>
+            <a:endParaRPr lang="en-US" altLang="zh-CN" sz="1200" b="0" i="0" kern="1200" dirty="0" smtClean="0">
+              <a:solidFill>
+                <a:schemeClr val="tx1"/>
+              </a:solidFill>
+              <a:effectLst/>
+              <a:latin typeface="+mn-lt"/>
+              <a:ea typeface="+mn-ea"/>
+              <a:cs typeface="+mn-cs"/>
+            </a:endParaRPr>
+          </a:p>
+          <a:p>
+            <a:pPr marL="457200" lvl="1" indent="0">
+              <a:buFont typeface="Arial" panose="020B0604020202020204" pitchFamily="34" charset="0"/>
+              <a:buNone/>
+            </a:pPr>
+            <a:r>
+              <a:rPr lang="en-US" altLang="zh-CN" sz="1200" b="0" i="0" kern="1200" dirty="0" smtClean="0">
+                <a:solidFill>
+                  <a:schemeClr val="tx1"/>
+                </a:solidFill>
+                <a:effectLst/>
+                <a:latin typeface="+mn-lt"/>
+                <a:ea typeface="+mn-ea"/>
+                <a:cs typeface="+mn-cs"/>
+              </a:rPr>
+              <a:t>In 13 cases, the static analysis does actually</a:t>
+            </a:r>
+            <a:r>
+              <a:rPr lang="en-US" altLang="zh-CN" sz="1200" b="0" i="0" kern="1200" baseline="0" dirty="0" smtClean="0">
+                <a:solidFill>
+                  <a:schemeClr val="tx1"/>
+                </a:solidFill>
+                <a:effectLst/>
+                <a:latin typeface="+mn-lt"/>
+                <a:ea typeface="+mn-ea"/>
+                <a:cs typeface="+mn-cs"/>
+              </a:rPr>
+              <a:t> </a:t>
+            </a:r>
+            <a:r>
+              <a:rPr lang="en-US" altLang="zh-CN" sz="1200" b="0" i="0" kern="1200" dirty="0" smtClean="0">
+                <a:solidFill>
+                  <a:schemeClr val="tx1"/>
+                </a:solidFill>
+                <a:effectLst/>
+                <a:latin typeface="+mn-lt"/>
+                <a:ea typeface="+mn-ea"/>
+                <a:cs typeface="+mn-cs"/>
+              </a:rPr>
+              <a:t>report data that, upon manual inspection, does match with the</a:t>
+            </a:r>
+            <a:r>
+              <a:rPr lang="en-US" altLang="zh-CN" sz="1200" b="0" i="0" kern="1200" baseline="0" dirty="0" smtClean="0">
+                <a:solidFill>
+                  <a:schemeClr val="tx1"/>
+                </a:solidFill>
+                <a:effectLst/>
+                <a:latin typeface="+mn-lt"/>
+                <a:ea typeface="+mn-ea"/>
+                <a:cs typeface="+mn-cs"/>
+              </a:rPr>
+              <a:t> </a:t>
+            </a:r>
+            <a:r>
+              <a:rPr lang="en-US" altLang="zh-CN" sz="1200" b="0" i="0" kern="1200" dirty="0" smtClean="0">
+                <a:solidFill>
+                  <a:schemeClr val="tx1"/>
+                </a:solidFill>
+                <a:effectLst/>
+                <a:latin typeface="+mn-lt"/>
+                <a:ea typeface="+mn-ea"/>
+                <a:cs typeface="+mn-cs"/>
+              </a:rPr>
+              <a:t>data schema in the specification. However, in these cases, the</a:t>
+            </a:r>
+            <a:r>
+              <a:rPr lang="en-US" altLang="zh-CN" sz="1200" b="0" i="0" kern="1200" baseline="0" dirty="0" smtClean="0">
+                <a:solidFill>
+                  <a:schemeClr val="tx1"/>
+                </a:solidFill>
+                <a:effectLst/>
+                <a:latin typeface="+mn-lt"/>
+                <a:ea typeface="+mn-ea"/>
+                <a:cs typeface="+mn-cs"/>
+              </a:rPr>
+              <a:t> </a:t>
+            </a:r>
+            <a:r>
+              <a:rPr lang="en-US" altLang="zh-CN" sz="1200" b="0" i="0" kern="1200" dirty="0" smtClean="0">
+                <a:solidFill>
+                  <a:schemeClr val="tx1"/>
+                </a:solidFill>
+                <a:effectLst/>
+                <a:latin typeface="+mn-lt"/>
+                <a:ea typeface="+mn-ea"/>
+                <a:cs typeface="+mn-cs"/>
+              </a:rPr>
+              <a:t>data is present as a JSON-encoded string in the request source</a:t>
+            </a:r>
+            <a:r>
+              <a:rPr lang="en-US" altLang="zh-CN" sz="1200" b="0" i="0" kern="1200" baseline="0" dirty="0" smtClean="0">
+                <a:solidFill>
+                  <a:schemeClr val="tx1"/>
+                </a:solidFill>
+                <a:effectLst/>
+                <a:latin typeface="+mn-lt"/>
+                <a:ea typeface="+mn-ea"/>
+                <a:cs typeface="+mn-cs"/>
+              </a:rPr>
+              <a:t> </a:t>
+            </a:r>
+            <a:r>
+              <a:rPr lang="en-US" altLang="zh-CN" sz="1200" b="0" i="0" kern="1200" dirty="0" smtClean="0">
+                <a:solidFill>
+                  <a:schemeClr val="tx1"/>
+                </a:solidFill>
+                <a:effectLst/>
+                <a:latin typeface="+mn-lt"/>
+                <a:ea typeface="+mn-ea"/>
+                <a:cs typeface="+mn-cs"/>
+              </a:rPr>
+              <a:t>code (rather than a JSON object)</a:t>
+            </a:r>
+            <a:r>
+              <a:rPr lang="en-US" altLang="zh-CN" dirty="0" smtClean="0"/>
+              <a:t> </a:t>
+            </a:r>
+            <a:r>
+              <a:rPr lang="zh-CN" altLang="en-US" dirty="0" smtClean="0"/>
+              <a:t>解码出问题</a:t>
+            </a:r>
+            <a:r>
+              <a:rPr lang="en-US" altLang="zh-CN" dirty="0" smtClean="0"/>
+              <a:t/>
+            </a:r>
+            <a:br>
+              <a:rPr lang="en-US" altLang="zh-CN" dirty="0" smtClean="0"/>
+            </a:br>
+            <a:r>
+              <a:rPr lang="en-US" altLang="zh-CN" dirty="0" smtClean="0"/>
+              <a:t/>
+            </a:r>
+            <a:br>
+              <a:rPr lang="en-US" altLang="zh-CN" dirty="0" smtClean="0"/>
+            </a:br>
             <a:endParaRPr lang="zh-CN" altLang="en-US" dirty="0"/>
           </a:p>
         </p:txBody>
@@ -6166,7 +8102,7 @@
           <a:p>
             <a:fld id="{C7947714-66FC-4CB8-89F8-9FC375975CD4}" type="datetimeFigureOut">
               <a:rPr lang="zh-CN" altLang="en-US" smtClean="0"/>
-              <a:t>2019/3/31</a:t>
+              <a:t>2019/4/1</a:t>
             </a:fld>
             <a:endParaRPr lang="zh-CN" altLang="en-US"/>
           </a:p>
@@ -6336,7 +8272,7 @@
           <a:p>
             <a:fld id="{C7947714-66FC-4CB8-89F8-9FC375975CD4}" type="datetimeFigureOut">
               <a:rPr lang="zh-CN" altLang="en-US" smtClean="0"/>
-              <a:t>2019/3/31</a:t>
+              <a:t>2019/4/1</a:t>
             </a:fld>
             <a:endParaRPr lang="zh-CN" altLang="en-US"/>
           </a:p>
@@ -6516,7 +8452,7 @@
           <a:p>
             <a:fld id="{C7947714-66FC-4CB8-89F8-9FC375975CD4}" type="datetimeFigureOut">
               <a:rPr lang="zh-CN" altLang="en-US" smtClean="0"/>
-              <a:t>2019/3/31</a:t>
+              <a:t>2019/4/1</a:t>
             </a:fld>
             <a:endParaRPr lang="zh-CN" altLang="en-US"/>
           </a:p>
@@ -6686,7 +8622,7 @@
           <a:p>
             <a:fld id="{C7947714-66FC-4CB8-89F8-9FC375975CD4}" type="datetimeFigureOut">
               <a:rPr lang="zh-CN" altLang="en-US" smtClean="0"/>
-              <a:t>2019/3/31</a:t>
+              <a:t>2019/4/1</a:t>
             </a:fld>
             <a:endParaRPr lang="zh-CN" altLang="en-US"/>
           </a:p>
@@ -6932,7 +8868,7 @@
           <a:p>
             <a:fld id="{C7947714-66FC-4CB8-89F8-9FC375975CD4}" type="datetimeFigureOut">
               <a:rPr lang="zh-CN" altLang="en-US" smtClean="0"/>
-              <a:t>2019/3/31</a:t>
+              <a:t>2019/4/1</a:t>
             </a:fld>
             <a:endParaRPr lang="zh-CN" altLang="en-US"/>
           </a:p>
@@ -7164,7 +9100,7 @@
           <a:p>
             <a:fld id="{C7947714-66FC-4CB8-89F8-9FC375975CD4}" type="datetimeFigureOut">
               <a:rPr lang="zh-CN" altLang="en-US" smtClean="0"/>
-              <a:t>2019/3/31</a:t>
+              <a:t>2019/4/1</a:t>
             </a:fld>
             <a:endParaRPr lang="zh-CN" altLang="en-US"/>
           </a:p>
@@ -7531,7 +9467,7 @@
           <a:p>
             <a:fld id="{C7947714-66FC-4CB8-89F8-9FC375975CD4}" type="datetimeFigureOut">
               <a:rPr lang="zh-CN" altLang="en-US" smtClean="0"/>
-              <a:t>2019/3/31</a:t>
+              <a:t>2019/4/1</a:t>
             </a:fld>
             <a:endParaRPr lang="zh-CN" altLang="en-US"/>
           </a:p>
@@ -7649,7 +9585,7 @@
           <a:p>
             <a:fld id="{C7947714-66FC-4CB8-89F8-9FC375975CD4}" type="datetimeFigureOut">
               <a:rPr lang="zh-CN" altLang="en-US" smtClean="0"/>
-              <a:t>2019/3/31</a:t>
+              <a:t>2019/4/1</a:t>
             </a:fld>
             <a:endParaRPr lang="zh-CN" altLang="en-US"/>
           </a:p>
@@ -7744,7 +9680,7 @@
           <a:p>
             <a:fld id="{C7947714-66FC-4CB8-89F8-9FC375975CD4}" type="datetimeFigureOut">
               <a:rPr lang="zh-CN" altLang="en-US" smtClean="0"/>
-              <a:t>2019/3/31</a:t>
+              <a:t>2019/4/1</a:t>
             </a:fld>
             <a:endParaRPr lang="zh-CN" altLang="en-US"/>
           </a:p>
@@ -8021,7 +9957,7 @@
           <a:p>
             <a:fld id="{C7947714-66FC-4CB8-89F8-9FC375975CD4}" type="datetimeFigureOut">
               <a:rPr lang="zh-CN" altLang="en-US" smtClean="0"/>
-              <a:t>2019/3/31</a:t>
+              <a:t>2019/4/1</a:t>
             </a:fld>
             <a:endParaRPr lang="zh-CN" altLang="en-US"/>
           </a:p>
@@ -8274,7 +10210,7 @@
           <a:p>
             <a:fld id="{C7947714-66FC-4CB8-89F8-9FC375975CD4}" type="datetimeFigureOut">
               <a:rPr lang="zh-CN" altLang="en-US" smtClean="0"/>
-              <a:t>2019/3/31</a:t>
+              <a:t>2019/4/1</a:t>
             </a:fld>
             <a:endParaRPr lang="zh-CN" altLang="en-US"/>
           </a:p>
@@ -8487,7 +10423,7 @@
           <a:p>
             <a:fld id="{C7947714-66FC-4CB8-89F8-9FC375975CD4}" type="datetimeFigureOut">
               <a:rPr lang="zh-CN" altLang="en-US" smtClean="0"/>
-              <a:t>2019/3/31</a:t>
+              <a:t>2019/4/1</a:t>
             </a:fld>
             <a:endParaRPr lang="zh-CN" altLang="en-US"/>
           </a:p>
@@ -9224,7 +11160,7 @@
           <a:bodyPr/>
           <a:lstStyle/>
           <a:p>
-            <a:endParaRPr lang="zh-CN" altLang="en-US"/>
+            <a:endParaRPr lang="zh-CN" altLang="en-US" dirty="0"/>
           </a:p>
         </p:txBody>
       </p:sp>
@@ -9240,13 +11176,13 @@
         </p:nvSpPr>
         <p:spPr>
           <a:xfrm>
-            <a:off x="838200" y="1825625"/>
-            <a:ext cx="5796516" cy="4638970"/>
+            <a:off x="0" y="1811817"/>
+            <a:ext cx="6221820" cy="4745296"/>
           </a:xfrm>
         </p:spPr>
         <p:txBody>
           <a:bodyPr>
-            <a:normAutofit fontScale="77500" lnSpcReduction="20000"/>
+            <a:normAutofit fontScale="85000" lnSpcReduction="20000"/>
           </a:bodyPr>
           <a:lstStyle/>
           <a:p>
@@ -9490,26 +11426,6 @@
         <p:txBody>
           <a:bodyPr/>
           <a:lstStyle/>
-          <a:p>
-            <a:pPr marL="0" indent="0">
-              <a:buNone/>
-            </a:pPr>
-            <a:r>
-              <a:rPr lang="en-US" altLang="zh-CN" dirty="0" smtClean="0"/>
-              <a:t>Method</a:t>
-            </a:r>
-            <a:r>
-              <a:rPr lang="zh-CN" altLang="en-US" dirty="0" smtClean="0"/>
-              <a:t>：</a:t>
-            </a:r>
-            <a:endParaRPr lang="en-US" altLang="zh-CN" dirty="0"/>
-          </a:p>
-          <a:p>
-            <a:pPr marL="0" indent="0">
-              <a:buNone/>
-            </a:pPr>
-            <a:endParaRPr lang="en-US" altLang="zh-CN" dirty="0" smtClean="0"/>
-          </a:p>
           <a:p>
             <a:pPr marL="0" indent="0">
               <a:buNone/>
@@ -9701,10 +11617,7 @@
           </a:bodyPr>
           <a:lstStyle/>
           <a:p>
-            <a:r>
-              <a:rPr lang="en-US" altLang="zh-CN" sz="2800" dirty="0" smtClean="0"/>
-              <a:t>Method </a:t>
-            </a:r>
+            <a:endParaRPr lang="en-US" altLang="zh-CN" sz="2800" dirty="0" smtClean="0"/>
           </a:p>
           <a:p>
             <a:endParaRPr lang="en-US" altLang="zh-CN" sz="2800" dirty="0" smtClean="0"/>
@@ -9742,6 +11655,7 @@
             </a:r>
           </a:p>
           <a:p>
+            <a:pPr lvl="1"/>
             <a:r>
               <a:rPr lang="en-US" altLang="zh-CN" sz="2800" dirty="0" smtClean="0"/>
               <a:t>Errors </a:t>
@@ -9756,6 +11670,7 @@
             </a:r>
           </a:p>
           <a:p>
+            <a:pPr lvl="1"/>
             <a:r>
               <a:rPr lang="en-US" altLang="zh-CN" sz="2800" dirty="0" smtClean="0"/>
               <a:t>Errors </a:t>
@@ -10037,7 +11952,12 @@
             <p:ph idx="1"/>
           </p:nvPr>
         </p:nvSpPr>
-        <p:spPr/>
+        <p:spPr>
+          <a:xfrm>
+            <a:off x="838199" y="1825624"/>
+            <a:ext cx="10921409" cy="4415687"/>
+          </a:xfrm>
+        </p:spPr>
         <p:txBody>
           <a:bodyPr/>
           <a:lstStyle/>
@@ -10052,15 +11972,23 @@
             </a:r>
             <a:r>
               <a:rPr lang="en-US" altLang="zh-CN" dirty="0"/>
-              <a:t> back to its root causes linked to specific functions. By applying a well-chosen context sensitivity policy to use on these functions during a fresh analysis pass, the anomalous behavior may be </a:t>
-            </a:r>
-            <a:r>
-              <a:rPr lang="en-US" altLang="zh-CN" dirty="0" err="1"/>
+              <a:t> back to its root causes linked to specific functions. By applying a well-chosen context sensitivity policy to use on these functions during a fresh analysis pass, the anomalous behavior may </a:t>
+            </a:r>
+            <a:r>
+              <a:rPr lang="en-US" altLang="zh-CN" dirty="0" smtClean="0"/>
+              <a:t>be </a:t>
+            </a:r>
+            <a:r>
+              <a:rPr lang="en-US" altLang="zh-CN" dirty="0" err="1" smtClean="0"/>
               <a:t>circumventable</a:t>
             </a:r>
             <a:r>
-              <a:rPr lang="en-US" altLang="zh-CN" dirty="0"/>
-              <a:t> .</a:t>
+              <a:rPr lang="en-US" altLang="zh-CN" dirty="0" smtClean="0"/>
+              <a:t> </a:t>
+            </a:r>
+            <a:r>
+              <a:rPr lang="en-US" altLang="zh-CN" dirty="0"/>
+              <a:t>.</a:t>
             </a:r>
           </a:p>
           <a:p>
@@ -10162,7 +12090,7 @@
         </p:nvSpPr>
         <p:spPr>
           <a:xfrm>
-            <a:off x="1318437" y="2647507"/>
+            <a:off x="999460" y="1911320"/>
             <a:ext cx="4986670" cy="2862322"/>
           </a:xfrm>
           <a:prstGeom prst="rect">
@@ -10390,7 +12318,7 @@
         </p:nvSpPr>
         <p:spPr>
           <a:xfrm>
-            <a:off x="838200" y="3095059"/>
+            <a:off x="838200" y="2680389"/>
             <a:ext cx="5084135" cy="2308324"/>
           </a:xfrm>
           <a:prstGeom prst="rect">
@@ -10686,7 +12614,7 @@
         <p:spPr>
           <a:xfrm>
             <a:off x="223283" y="2238451"/>
-            <a:ext cx="6996224" cy="1354217"/>
+            <a:ext cx="6996224" cy="523220"/>
           </a:xfrm>
           <a:prstGeom prst="rect">
             <a:avLst/>
@@ -10707,42 +12635,34 @@
               <a:rPr lang="en-US" altLang="zh-CN" sz="2800" dirty="0"/>
               <a:t>Labeled Propagation System </a:t>
             </a:r>
-            <a:r>
-              <a:rPr lang="en-US" altLang="zh-CN" dirty="0"/>
-              <a:t/>
-            </a:r>
-            <a:br>
-              <a:rPr lang="en-US" altLang="zh-CN" dirty="0"/>
-            </a:br>
-            <a:r>
-              <a:rPr lang="en-US" altLang="zh-CN" dirty="0"/>
-              <a:t>    </a:t>
-            </a:r>
-            <a:r>
-              <a:rPr lang="en-US" altLang="zh-CN" dirty="0" smtClean="0"/>
-              <a:t>predict(k</a:t>
-            </a:r>
-            <a:r>
-              <a:rPr lang="en-US" altLang="zh-CN" dirty="0"/>
-              <a:t>) = intercept + slope × kn. </a:t>
-            </a:r>
-          </a:p>
-          <a:p>
-            <a:r>
-              <a:rPr lang="en-US" altLang="zh-CN" dirty="0" smtClean="0"/>
-              <a:t>	If </a:t>
-            </a:r>
-            <a:r>
-              <a:rPr lang="en-US" altLang="zh-CN" dirty="0"/>
-              <a:t>actual(k) &gt; threshold × predict(k) </a:t>
-            </a:r>
-            <a:br>
-              <a:rPr lang="en-US" altLang="zh-CN" dirty="0"/>
-            </a:br>
             <a:endParaRPr lang="zh-CN" altLang="en-US" dirty="0"/>
           </a:p>
         </p:txBody>
       </p:sp>
+      <p:pic>
+        <p:nvPicPr>
+          <p:cNvPr id="3" name="图片 2"/>
+          <p:cNvPicPr>
+            <a:picLocks noChangeAspect="1"/>
+          </p:cNvPicPr>
+          <p:nvPr/>
+        </p:nvPicPr>
+        <p:blipFill>
+          <a:blip r:embed="rId4"/>
+          <a:stretch>
+            <a:fillRect/>
+          </a:stretch>
+        </p:blipFill>
+        <p:spPr>
+          <a:xfrm>
+            <a:off x="699977" y="3852438"/>
+            <a:ext cx="4610100" cy="1838325"/>
+          </a:xfrm>
+          <a:prstGeom prst="rect">
+            <a:avLst/>
+          </a:prstGeom>
+        </p:spPr>
+      </p:pic>
     </p:spTree>
     <p:extLst>
       <p:ext uri="{BB962C8B-B14F-4D97-AF65-F5344CB8AC3E}">
@@ -10842,6 +12762,46 @@
           </a:prstGeom>
         </p:spPr>
       </p:pic>
+      <p:sp>
+        <p:nvSpPr>
+          <p:cNvPr id="3" name="矩形 2"/>
+          <p:cNvSpPr/>
+          <p:nvPr/>
+        </p:nvSpPr>
+        <p:spPr>
+          <a:xfrm>
+            <a:off x="506817" y="5178907"/>
+            <a:ext cx="11050773" cy="646331"/>
+          </a:xfrm>
+          <a:prstGeom prst="rect">
+            <a:avLst/>
+          </a:prstGeom>
+        </p:spPr>
+        <p:txBody>
+          <a:bodyPr wrap="square">
+            <a:spAutoFit/>
+          </a:bodyPr>
+          <a:lstStyle/>
+          <a:p>
+            <a:r>
+              <a:rPr lang="en-US" altLang="zh-CN" dirty="0"/>
+              <a:t> predict(k) = intercept + slope × kn. </a:t>
+            </a:r>
+            <a:r>
+              <a:rPr lang="en-US" altLang="zh-CN" dirty="0" smtClean="0"/>
+              <a:t> If </a:t>
+            </a:r>
+            <a:r>
+              <a:rPr lang="en-US" altLang="zh-CN" dirty="0"/>
+              <a:t>actual(k) &gt; threshold × predict(k) </a:t>
+            </a:r>
+            <a:br>
+              <a:rPr lang="en-US" altLang="zh-CN" dirty="0"/>
+            </a:br>
+            <a:endParaRPr lang="zh-CN" altLang="en-US" dirty="0"/>
+          </a:p>
+        </p:txBody>
+      </p:sp>
     </p:spTree>
     <p:extLst>
       <p:ext uri="{BB962C8B-B14F-4D97-AF65-F5344CB8AC3E}">
@@ -10901,10 +12861,15 @@
             <p:ph idx="1"/>
           </p:nvPr>
         </p:nvSpPr>
-        <p:spPr/>
+        <p:spPr>
+          <a:xfrm>
+            <a:off x="838200" y="1825624"/>
+            <a:ext cx="6668386" cy="4575176"/>
+          </a:xfrm>
+        </p:spPr>
         <p:txBody>
           <a:bodyPr>
-            <a:normAutofit lnSpcReduction="10000"/>
+            <a:normAutofit fontScale="92500" lnSpcReduction="10000"/>
           </a:bodyPr>
           <a:lstStyle/>
           <a:p>
@@ -10922,39 +12887,42 @@
               <a:buNone/>
             </a:pPr>
             <a:r>
-              <a:rPr lang="en-US" altLang="zh-CN" dirty="0"/>
-              <a:t>For </a:t>
-            </a:r>
-            <a:r>
-              <a:rPr lang="en-US" altLang="zh-CN" dirty="0" smtClean="0"/>
-              <a:t>each variable </a:t>
-            </a:r>
-            <a:r>
-              <a:rPr lang="en-US" altLang="zh-CN" dirty="0"/>
-              <a:t>or reference property v, we count (</a:t>
-            </a:r>
-            <a:r>
-              <a:rPr lang="en-US" altLang="zh-CN" dirty="0" err="1"/>
-              <a:t>i</a:t>
-            </a:r>
-            <a:r>
-              <a:rPr lang="en-US" altLang="zh-CN" dirty="0"/>
-              <a:t>) its points-to</a:t>
-            </a:r>
-            <a:br>
-              <a:rPr lang="en-US" altLang="zh-CN" dirty="0"/>
-            </a:br>
-            <a:r>
-              <a:rPr lang="en-US" altLang="zh-CN" dirty="0"/>
-              <a:t>size, |</a:t>
+              <a:rPr lang="en-US" altLang="zh-CN" dirty="0" smtClean="0"/>
+              <a:t>For each variable or reference property v, we count </a:t>
+            </a:r>
+          </a:p>
+          <a:p>
+            <a:pPr marL="571500" indent="-571500">
+              <a:buAutoNum type="romanLcParenBoth"/>
+            </a:pPr>
+            <a:r>
+              <a:rPr lang="en-US" altLang="zh-CN" dirty="0" smtClean="0"/>
+              <a:t>its points-to size</a:t>
+            </a:r>
+            <a:r>
+              <a:rPr lang="en-US" altLang="zh-CN" dirty="0"/>
+              <a:t>, |</a:t>
             </a:r>
             <a:r>
               <a:rPr lang="en-US" altLang="zh-CN" dirty="0" err="1"/>
               <a:t>Pv</a:t>
             </a:r>
             <a:r>
-              <a:rPr lang="en-US" altLang="zh-CN" dirty="0"/>
-              <a:t>|, as well as (ii) its number of occurrences as labels in the points-to sets of other variables and/or </a:t>
+              <a:rPr lang="en-US" altLang="zh-CN" dirty="0" smtClean="0"/>
+              <a:t>|</a:t>
+            </a:r>
+          </a:p>
+          <a:p>
+            <a:pPr marL="571500" indent="-571500">
+              <a:buAutoNum type="romanLcParenBoth"/>
+            </a:pPr>
+            <a:r>
+              <a:rPr lang="en-US" altLang="zh-CN" dirty="0" smtClean="0"/>
+              <a:t>its </a:t>
+            </a:r>
+            <a:r>
+              <a:rPr lang="en-US" altLang="zh-CN" dirty="0"/>
+              <a:t>number of occurrences as labels in the points-to sets of other variables and/or </a:t>
             </a:r>
             <a:r>
               <a:rPr lang="en-US" altLang="zh-CN" dirty="0" smtClean="0"/>
@@ -10970,7 +12938,41 @@
             </a:r>
             <a:r>
               <a:rPr lang="en-US" altLang="zh-CN" dirty="0"/>
-              <a:t>|. |</a:t>
+              <a:t>|. </a:t>
+            </a:r>
+            <a:endParaRPr lang="en-US" altLang="zh-CN" dirty="0" smtClean="0"/>
+          </a:p>
+          <a:p>
+            <a:pPr marL="0" indent="0">
+              <a:buNone/>
+            </a:pPr>
+            <a:r>
+              <a:rPr lang="en-US" altLang="zh-CN" dirty="0" smtClean="0"/>
+              <a:t>We </a:t>
+            </a:r>
+            <a:r>
+              <a:rPr lang="en-US" altLang="zh-CN" dirty="0"/>
+              <a:t>therefore use the </a:t>
+            </a:r>
+            <a:r>
+              <a:rPr lang="en-US" altLang="zh-CN" dirty="0" smtClean="0"/>
+              <a:t>scoring heuristic </a:t>
+            </a:r>
+            <a:r>
+              <a:rPr lang="en-US" altLang="zh-CN" dirty="0" err="1"/>
+              <a:t>Sv</a:t>
+            </a:r>
+            <a:r>
+              <a:rPr lang="en-US" altLang="zh-CN" dirty="0"/>
+              <a:t>=|</a:t>
+            </a:r>
+            <a:r>
+              <a:rPr lang="en-US" altLang="zh-CN" dirty="0" err="1"/>
+              <a:t>Pv</a:t>
+            </a:r>
+            <a:r>
+              <a:rPr lang="en-US" altLang="zh-CN" dirty="0"/>
+              <a:t>|×|</a:t>
             </a:r>
             <a:r>
               <a:rPr lang="en-US" altLang="zh-CN" dirty="0" err="1"/>
@@ -10978,59 +12980,15 @@
             </a:r>
             <a:r>
               <a:rPr lang="en-US" altLang="zh-CN" dirty="0"/>
-              <a:t>| measures how widely v reaches </a:t>
-            </a:r>
-            <a:r>
-              <a:rPr lang="en-US" altLang="zh-CN" dirty="0" smtClean="0"/>
-              <a:t>within the </a:t>
-            </a:r>
-            <a:r>
-              <a:rPr lang="en-US" altLang="zh-CN" dirty="0"/>
-              <a:t>propagation system, and |</a:t>
-            </a:r>
-            <a:r>
-              <a:rPr lang="en-US" altLang="zh-CN" dirty="0" err="1"/>
-              <a:t>Pv</a:t>
-            </a:r>
-            <a:r>
-              <a:rPr lang="en-US" altLang="zh-CN" dirty="0"/>
-              <a:t>| measures if the impact </a:t>
-            </a:r>
-            <a:r>
-              <a:rPr lang="en-US" altLang="zh-CN" dirty="0" smtClean="0"/>
-              <a:t>of its </a:t>
-            </a:r>
-            <a:r>
-              <a:rPr lang="en-US" altLang="zh-CN" dirty="0"/>
-              <a:t>wide reach is significant. We therefore use the </a:t>
-            </a:r>
-            <a:r>
-              <a:rPr lang="en-US" altLang="zh-CN" dirty="0" smtClean="0"/>
-              <a:t>scoring heuristic </a:t>
-            </a:r>
-            <a:r>
-              <a:rPr lang="en-US" altLang="zh-CN" dirty="0" err="1"/>
-              <a:t>Sv</a:t>
-            </a:r>
-            <a:r>
-              <a:rPr lang="en-US" altLang="zh-CN" dirty="0"/>
-              <a:t>=|</a:t>
-            </a:r>
-            <a:r>
-              <a:rPr lang="en-US" altLang="zh-CN" dirty="0" err="1"/>
-              <a:t>Pv</a:t>
-            </a:r>
-            <a:r>
-              <a:rPr lang="en-US" altLang="zh-CN" dirty="0"/>
-              <a:t>|×|</a:t>
-            </a:r>
-            <a:r>
-              <a:rPr lang="en-US" altLang="zh-CN" dirty="0" err="1"/>
-              <a:t>Lv</a:t>
-            </a:r>
-            <a:r>
-              <a:rPr lang="en-US" altLang="zh-CN" dirty="0"/>
-              <a:t>| as a measurement of the </a:t>
+              <a:t>| as </a:t>
+            </a:r>
+            <a:r>
+              <a:rPr lang="en-US" altLang="zh-CN" dirty="0" smtClean="0"/>
+              <a:t>a measurement </a:t>
+            </a:r>
+            <a:r>
+              <a:rPr lang="en-US" altLang="zh-CN" dirty="0"/>
+              <a:t>of the </a:t>
             </a:r>
             <a:r>
               <a:rPr lang="en-US" altLang="zh-CN" dirty="0" smtClean="0"/>
@@ -11038,7 +12996,15 @@
             </a:r>
             <a:r>
               <a:rPr lang="en-US" altLang="zh-CN" dirty="0"/>
-              <a:t>v being a root cause (lines 11-13 in Procedure 1). </a:t>
+              <a:t>v being a root </a:t>
+            </a:r>
+            <a:r>
+              <a:rPr lang="en-US" altLang="zh-CN" dirty="0" smtClean="0"/>
+              <a:t>cause.</a:t>
+            </a:r>
+            <a:r>
+              <a:rPr lang="en-US" altLang="zh-CN" dirty="0"/>
+              <a:t/>
             </a:r>
             <a:br>
               <a:rPr lang="en-US" altLang="zh-CN" dirty="0"/>
@@ -11054,6 +13020,30 @@
           </a:p>
         </p:txBody>
       </p:sp>
+      <p:pic>
+        <p:nvPicPr>
+          <p:cNvPr id="4" name="内容占位符 3"/>
+          <p:cNvPicPr>
+            <a:picLocks noChangeAspect="1"/>
+          </p:cNvPicPr>
+          <p:nvPr/>
+        </p:nvPicPr>
+        <p:blipFill>
+          <a:blip r:embed="rId3"/>
+          <a:stretch>
+            <a:fillRect/>
+          </a:stretch>
+        </p:blipFill>
+        <p:spPr>
+          <a:xfrm>
+            <a:off x="7496076" y="1868155"/>
+            <a:ext cx="4536313" cy="4351338"/>
+          </a:xfrm>
+          <a:prstGeom prst="rect">
+            <a:avLst/>
+          </a:prstGeom>
+        </p:spPr>
+      </p:pic>
     </p:spTree>
     <p:extLst>
       <p:ext uri="{BB962C8B-B14F-4D97-AF65-F5344CB8AC3E}">
@@ -11118,7 +13108,7 @@
           </p:nvPr>
         </p:nvPicPr>
         <p:blipFill>
-          <a:blip r:embed="rId2"/>
+          <a:blip r:embed="rId3"/>
           <a:stretch>
             <a:fillRect/>
           </a:stretch>
@@ -11133,6 +13123,235 @@
           </a:prstGeom>
         </p:spPr>
       </p:pic>
+      <p:sp>
+        <p:nvSpPr>
+          <p:cNvPr id="3" name="文本框 2"/>
+          <p:cNvSpPr txBox="1"/>
+          <p:nvPr/>
+        </p:nvSpPr>
+        <p:spPr>
+          <a:xfrm>
+            <a:off x="1169581" y="1784295"/>
+            <a:ext cx="5401340" cy="4247317"/>
+          </a:xfrm>
+          <a:prstGeom prst="rect">
+            <a:avLst/>
+          </a:prstGeom>
+          <a:noFill/>
+        </p:spPr>
+        <p:txBody>
+          <a:bodyPr wrap="square" rtlCol="0">
+            <a:spAutoFit/>
+          </a:bodyPr>
+          <a:lstStyle/>
+          <a:p>
+            <a:r>
+              <a:rPr lang="en-US" altLang="zh-CN" dirty="0"/>
+              <a:t>First, the target program is executed to collect a </a:t>
+            </a:r>
+            <a:r>
+              <a:rPr lang="en-US" altLang="zh-CN" dirty="0" smtClean="0"/>
+              <a:t>dynamic </a:t>
+            </a:r>
+          </a:p>
+          <a:p>
+            <a:pPr marL="400050" indent="-400050">
+              <a:buAutoNum type="romanLcParenBoth"/>
+            </a:pPr>
+            <a:r>
+              <a:rPr lang="en-US" altLang="zh-CN" dirty="0" smtClean="0"/>
+              <a:t>function </a:t>
+            </a:r>
+            <a:r>
+              <a:rPr lang="en-US" altLang="zh-CN" dirty="0"/>
+              <a:t>entries </a:t>
+            </a:r>
+            <a:r>
+              <a:rPr lang="en-US" altLang="zh-CN" dirty="0" smtClean="0"/>
+              <a:t>and exits</a:t>
+            </a:r>
+          </a:p>
+          <a:p>
+            <a:pPr marL="400050" indent="-400050">
+              <a:buAutoNum type="romanLcParenBoth"/>
+            </a:pPr>
+            <a:r>
+              <a:rPr lang="en-US" altLang="zh-CN" dirty="0" smtClean="0"/>
+              <a:t> invocations</a:t>
+            </a:r>
+          </a:p>
+          <a:p>
+            <a:pPr marL="800100" lvl="1" indent="-342900">
+              <a:buFont typeface="+mj-lt"/>
+              <a:buAutoNum type="alphaLcParenR"/>
+            </a:pPr>
+            <a:r>
+              <a:rPr lang="en-US" altLang="zh-CN" dirty="0" smtClean="0"/>
+              <a:t>the </a:t>
+            </a:r>
+            <a:r>
+              <a:rPr lang="en-US" altLang="zh-CN" dirty="0"/>
+              <a:t>location </a:t>
+            </a:r>
+            <a:r>
+              <a:rPr lang="en-US" altLang="zh-CN" dirty="0" smtClean="0"/>
+              <a:t>of the </a:t>
+            </a:r>
+            <a:r>
+              <a:rPr lang="en-US" altLang="zh-CN" dirty="0"/>
+              <a:t>call </a:t>
+            </a:r>
+            <a:r>
+              <a:rPr lang="en-US" altLang="zh-CN" dirty="0" smtClean="0"/>
+              <a:t>site</a:t>
+            </a:r>
+          </a:p>
+          <a:p>
+            <a:pPr marL="800100" lvl="1" indent="-342900">
+              <a:buFont typeface="+mj-lt"/>
+              <a:buAutoNum type="alphaLcParenR"/>
+            </a:pPr>
+            <a:r>
+              <a:rPr lang="en-US" altLang="zh-CN" dirty="0" smtClean="0"/>
+              <a:t>the </a:t>
+            </a:r>
+            <a:r>
+              <a:rPr lang="en-US" altLang="zh-CN" dirty="0"/>
+              <a:t>location of the target </a:t>
+            </a:r>
+            <a:r>
+              <a:rPr lang="en-US" altLang="zh-CN" dirty="0" smtClean="0"/>
+              <a:t>function</a:t>
+            </a:r>
+          </a:p>
+          <a:p>
+            <a:pPr marL="800100" lvl="1" indent="-342900">
+              <a:buFont typeface="+mj-lt"/>
+              <a:buAutoNum type="alphaLcParenR"/>
+            </a:pPr>
+            <a:r>
+              <a:rPr lang="en-US" altLang="zh-CN" dirty="0" smtClean="0"/>
+              <a:t>The allocation </a:t>
+            </a:r>
+            <a:r>
+              <a:rPr lang="en-US" altLang="zh-CN" dirty="0"/>
+              <a:t>site of the receiver object</a:t>
+            </a:r>
+            <a:endParaRPr lang="en-US" altLang="zh-CN" dirty="0" smtClean="0"/>
+          </a:p>
+          <a:p>
+            <a:pPr marL="400050" indent="-400050">
+              <a:buAutoNum type="romanLcParenBoth"/>
+            </a:pPr>
+            <a:r>
+              <a:rPr lang="en-US" altLang="zh-CN" dirty="0" smtClean="0"/>
+              <a:t>property </a:t>
+            </a:r>
+            <a:r>
+              <a:rPr lang="en-US" altLang="zh-CN" dirty="0"/>
+              <a:t>reads and </a:t>
+            </a:r>
+            <a:r>
+              <a:rPr lang="en-US" altLang="zh-CN" dirty="0" smtClean="0"/>
+              <a:t>writes.</a:t>
+            </a:r>
+          </a:p>
+          <a:p>
+            <a:pPr marL="800100" lvl="1" indent="-342900">
+              <a:buFont typeface="+mj-lt"/>
+              <a:buAutoNum type="alphaLcParenR"/>
+            </a:pPr>
+            <a:r>
+              <a:rPr lang="en-US" altLang="zh-CN" dirty="0" smtClean="0"/>
+              <a:t>the </a:t>
+            </a:r>
+            <a:r>
+              <a:rPr lang="en-US" altLang="zh-CN" dirty="0"/>
+              <a:t>instruction location in the program; </a:t>
+            </a:r>
+            <a:endParaRPr lang="en-US" altLang="zh-CN" dirty="0"/>
+          </a:p>
+          <a:p>
+            <a:pPr marL="800100" lvl="1" indent="-342900">
+              <a:buFont typeface="+mj-lt"/>
+              <a:buAutoNum type="alphaLcParenR"/>
+            </a:pPr>
+            <a:r>
+              <a:rPr lang="en-US" altLang="zh-CN" dirty="0" smtClean="0"/>
+              <a:t> </a:t>
+            </a:r>
+            <a:r>
+              <a:rPr lang="en-US" altLang="zh-CN" dirty="0"/>
+              <a:t>the allocation site </a:t>
+            </a:r>
+            <a:r>
+              <a:rPr lang="en-US" altLang="zh-CN" dirty="0" smtClean="0"/>
+              <a:t>of the </a:t>
+            </a:r>
+            <a:r>
+              <a:rPr lang="en-US" altLang="zh-CN" dirty="0"/>
+              <a:t>base object (as its program location</a:t>
+            </a:r>
+            <a:r>
+              <a:rPr lang="en-US" altLang="zh-CN" dirty="0" smtClean="0"/>
+              <a:t>)</a:t>
+            </a:r>
+          </a:p>
+          <a:p>
+            <a:pPr marL="800100" lvl="1" indent="-342900">
+              <a:buFont typeface="+mj-lt"/>
+              <a:buAutoNum type="alphaLcParenR"/>
+            </a:pPr>
+            <a:r>
+              <a:rPr lang="en-US" altLang="zh-CN" dirty="0" smtClean="0"/>
+              <a:t>the property</a:t>
+            </a:r>
+            <a:r>
+              <a:rPr lang="en-US" altLang="zh-CN" dirty="0"/>
+              <a:t> </a:t>
+            </a:r>
+            <a:r>
+              <a:rPr lang="en-US" altLang="zh-CN" dirty="0" smtClean="0"/>
+              <a:t>name</a:t>
+            </a:r>
+          </a:p>
+          <a:p>
+            <a:pPr marL="800100" lvl="1" indent="-342900">
+              <a:buFont typeface="+mj-lt"/>
+              <a:buAutoNum type="alphaLcParenR"/>
+            </a:pPr>
+            <a:r>
+              <a:rPr lang="en-US" altLang="zh-CN" dirty="0" smtClean="0"/>
+              <a:t>the </a:t>
+            </a:r>
+            <a:r>
+              <a:rPr lang="en-US" altLang="zh-CN" dirty="0"/>
+              <a:t>allocation site of the value, if it is a reference object, or the type of </a:t>
+            </a:r>
+            <a:r>
+              <a:rPr lang="en-US" altLang="zh-CN" dirty="0" smtClean="0"/>
+              <a:t>the value</a:t>
+            </a:r>
+            <a:r>
+              <a:rPr lang="en-US" altLang="zh-CN" dirty="0"/>
+              <a:t>, if it is a </a:t>
+            </a:r>
+            <a:r>
+              <a:rPr lang="en-US" altLang="zh-CN" dirty="0" smtClean="0"/>
+              <a:t>primitive</a:t>
+            </a:r>
+            <a:r>
+              <a:rPr lang="en-US" altLang="zh-CN" dirty="0"/>
+              <a:t> </a:t>
+            </a:r>
+            <a:r>
+              <a:rPr lang="en-US" altLang="zh-CN" dirty="0" smtClean="0"/>
+              <a:t>value</a:t>
+            </a:r>
+            <a:endParaRPr lang="zh-CN" altLang="en-US" dirty="0"/>
+          </a:p>
+        </p:txBody>
+      </p:sp>
     </p:spTree>
     <p:extLst>
       <p:ext uri="{BB962C8B-B14F-4D97-AF65-F5344CB8AC3E}">
@@ -11220,8 +13439,8 @@
         </p:nvSpPr>
         <p:spPr>
           <a:xfrm>
-            <a:off x="584791" y="2296632"/>
-            <a:ext cx="6273209" cy="3416320"/>
+            <a:off x="520996" y="1690688"/>
+            <a:ext cx="6273209" cy="3139321"/>
           </a:xfrm>
           <a:prstGeom prst="rect">
             <a:avLst/>
@@ -11235,8 +13454,12 @@
           <a:lstStyle/>
           <a:p>
             <a:r>
-              <a:rPr lang="en-US" altLang="zh-CN" dirty="0"/>
-              <a:t>For a program pointer r that is identified as a root</a:t>
+              <a:rPr lang="en-US" altLang="zh-CN" dirty="0" smtClean="0"/>
+              <a:t>For </a:t>
+            </a:r>
+            <a:r>
+              <a:rPr lang="en-US" altLang="zh-CN" dirty="0"/>
+              <a:t>a program pointer r that is identified as a root</a:t>
             </a:r>
             <a:br>
               <a:rPr lang="en-US" altLang="zh-CN" dirty="0"/>
@@ -11250,48 +13473,73 @@
             </a:br>
             <a:r>
               <a:rPr lang="en-US" altLang="zh-CN" dirty="0"/>
-              <a:t>location in each dynamic points-to graph, and collect (</a:t>
-            </a:r>
-            <a:r>
-              <a:rPr lang="en-US" altLang="zh-CN" dirty="0" err="1"/>
-              <a:t>i</a:t>
-            </a:r>
-            <a:r>
-              <a:rPr lang="en-US" altLang="zh-CN" dirty="0"/>
-              <a:t>)</a:t>
-            </a:r>
-            <a:br>
-              <a:rPr lang="en-US" altLang="zh-CN" dirty="0"/>
-            </a:br>
-            <a:r>
-              <a:rPr lang="en-US" altLang="zh-CN" dirty="0"/>
-              <a:t>the number of calling contexts associated with r, </a:t>
-            </a:r>
-            <a:r>
-              <a:rPr lang="en-US" altLang="zh-CN" dirty="0" err="1"/>
+              <a:t>location in each dynamic points-to graph, and collect </a:t>
+            </a:r>
+            <a:endParaRPr lang="en-US" altLang="zh-CN" dirty="0" smtClean="0"/>
+          </a:p>
+          <a:p>
+            <a:pPr marL="400050" indent="-400050">
+              <a:buAutoNum type="romanLcParenBoth"/>
+            </a:pPr>
+            <a:r>
+              <a:rPr lang="en-US" altLang="zh-CN" dirty="0" smtClean="0"/>
+              <a:t>the </a:t>
+            </a:r>
+            <a:r>
+              <a:rPr lang="en-US" altLang="zh-CN" dirty="0"/>
+              <a:t>number of calling contexts associated with r, </a:t>
+            </a:r>
+            <a:r>
+              <a:rPr lang="en-US" altLang="zh-CN" dirty="0" err="1" smtClean="0"/>
               <a:t>ccr</a:t>
             </a:r>
-            <a:r>
-              <a:rPr lang="en-US" altLang="zh-CN" dirty="0"/>
-              <a:t>, and </a:t>
-            </a:r>
-            <a:br>
-              <a:rPr lang="en-US" altLang="zh-CN" dirty="0"/>
-            </a:br>
-            <a:r>
-              <a:rPr lang="en-US" altLang="zh-CN" dirty="0"/>
-              <a:t>(ii) the sum of points-to sizes under all calling contexts,</a:t>
-            </a:r>
-            <a:br>
-              <a:rPr lang="en-US" altLang="zh-CN" dirty="0"/>
-            </a:br>
-            <a:r>
-              <a:rPr lang="en-US" altLang="zh-CN" dirty="0" err="1"/>
-              <a:t>P|pr</a:t>
-            </a:r>
-            <a:r>
-              <a:rPr lang="en-US" altLang="zh-CN" dirty="0"/>
-              <a:t>|. We then count </a:t>
+            <a:endParaRPr lang="en-US" altLang="zh-CN" dirty="0" smtClean="0"/>
+          </a:p>
+          <a:p>
+            <a:pPr marL="400050" indent="-400050">
+              <a:buAutoNum type="romanLcParenBoth"/>
+            </a:pPr>
+            <a:r>
+              <a:rPr lang="en-US" altLang="zh-CN" dirty="0" smtClean="0"/>
+              <a:t>the </a:t>
+            </a:r>
+            <a:r>
+              <a:rPr lang="en-US" altLang="zh-CN" dirty="0"/>
+              <a:t>sum of points-to sizes under all calling </a:t>
+            </a:r>
+            <a:r>
+              <a:rPr lang="en-US" altLang="zh-CN" dirty="0" smtClean="0"/>
+              <a:t>contexts </a:t>
+            </a:r>
+          </a:p>
+          <a:p>
+            <a:endParaRPr lang="en-US" altLang="zh-CN" dirty="0" smtClean="0"/>
+          </a:p>
+          <a:p>
+            <a:pPr marL="400050" indent="-400050">
+              <a:buAutoNum type="romanLcParenBoth"/>
+            </a:pPr>
+            <a:endParaRPr lang="en-US" altLang="zh-CN" dirty="0" smtClean="0"/>
+          </a:p>
+          <a:p>
+            <a:endParaRPr lang="en-US" altLang="zh-CN" dirty="0"/>
+          </a:p>
+          <a:p>
+            <a:r>
+              <a:rPr lang="en-US" altLang="zh-CN" dirty="0" smtClean="0"/>
+              <a:t>The </a:t>
+            </a:r>
+            <a:r>
+              <a:rPr lang="en-US" altLang="zh-CN" dirty="0"/>
+              <a:t>context sensitivity </a:t>
+            </a:r>
+            <a:r>
+              <a:rPr lang="en-US" altLang="zh-CN" dirty="0" smtClean="0"/>
+              <a:t>with the </a:t>
+            </a:r>
+            <a:r>
+              <a:rPr lang="en-US" altLang="zh-CN" dirty="0"/>
+              <a:t>smallest </a:t>
             </a:r>
             <a:r>
               <a:rPr lang="en-US" altLang="zh-CN" dirty="0" err="1"/>
@@ -11299,51 +13547,6 @@
             </a:r>
             <a:r>
               <a:rPr lang="en-US" altLang="zh-CN" dirty="0"/>
-              <a:t> = </a:t>
-            </a:r>
-            <a:r>
-              <a:rPr lang="en-US" altLang="zh-CN" dirty="0" err="1"/>
-              <a:t>Pcc|prr</a:t>
-            </a:r>
-            <a:r>
-              <a:rPr lang="en-US" altLang="zh-CN" dirty="0"/>
-              <a:t>| , the average dynamic</a:t>
-            </a:r>
-            <a:br>
-              <a:rPr lang="en-US" altLang="zh-CN" dirty="0"/>
-            </a:br>
-            <a:r>
-              <a:rPr lang="en-US" altLang="zh-CN" dirty="0"/>
-              <a:t>points-to size per calling context, to measure the accuracy</a:t>
-            </a:r>
-            <a:br>
-              <a:rPr lang="en-US" altLang="zh-CN" dirty="0"/>
-            </a:br>
-            <a:r>
-              <a:rPr lang="en-US" altLang="zh-CN" dirty="0"/>
-              <a:t>of the points-to relations of v under the given context sensitivity </a:t>
-            </a:r>
-            <a:br>
-              <a:rPr lang="en-US" altLang="zh-CN" dirty="0"/>
-            </a:br>
-            <a:r>
-              <a:rPr lang="en-US" altLang="zh-CN" dirty="0"/>
-              <a:t>The context sensitivity </a:t>
-            </a:r>
-            <a:r>
-              <a:rPr lang="en-US" altLang="zh-CN" dirty="0" smtClean="0"/>
-              <a:t>with the </a:t>
-            </a:r>
-            <a:r>
-              <a:rPr lang="en-US" altLang="zh-CN" dirty="0"/>
-              <a:t>smallest </a:t>
-            </a:r>
-            <a:r>
-              <a:rPr lang="en-US" altLang="zh-CN" dirty="0" err="1"/>
-              <a:t>ar</a:t>
-            </a:r>
-            <a:r>
-              <a:rPr lang="en-US" altLang="zh-CN" dirty="0"/>
               <a:t> is chosen for the function that contains r </a:t>
             </a:r>
             <a:r>
@@ -11361,6 +13564,30 @@
           </a:p>
         </p:txBody>
       </p:sp>
+      <p:pic>
+        <p:nvPicPr>
+          <p:cNvPr id="8" name="图片 7"/>
+          <p:cNvPicPr>
+            <a:picLocks noChangeAspect="1"/>
+          </p:cNvPicPr>
+          <p:nvPr/>
+        </p:nvPicPr>
+        <p:blipFill>
+          <a:blip r:embed="rId4"/>
+          <a:stretch>
+            <a:fillRect/>
+          </a:stretch>
+        </p:blipFill>
+        <p:spPr>
+          <a:xfrm>
+            <a:off x="2581496" y="3388242"/>
+            <a:ext cx="876300" cy="285750"/>
+          </a:xfrm>
+          <a:prstGeom prst="rect">
+            <a:avLst/>
+          </a:prstGeom>
+        </p:spPr>
+      </p:pic>
     </p:spTree>
     <p:extLst>
       <p:ext uri="{BB962C8B-B14F-4D97-AF65-F5344CB8AC3E}">
@@ -13915,16 +16142,8 @@
               <a:t>method determined by the static analysis is checked against all methods defined in all matched specifications and all matched </a:t>
             </a:r>
             <a:r>
-              <a:rPr lang="en-US" altLang="zh-CN" dirty="0" err="1" smtClean="0"/>
-              <a:t>pathswhat</a:t>
-            </a:r>
-            <a:r>
-              <a:rPr lang="en-US" altLang="zh-CN" dirty="0" smtClean="0"/>
-              <a:t> </a:t>
-            </a:r>
-            <a:r>
-              <a:rPr lang="en-US" altLang="zh-CN" dirty="0" err="1" smtClean="0"/>
-              <a:t>wa</a:t>
+              <a:rPr lang="en-US" altLang="zh-CN" dirty="0" smtClean="0"/>
+              <a:t>paths.</a:t>
             </a:r>
             <a:endParaRPr lang="zh-CN" altLang="zh-CN" dirty="0"/>
           </a:p>
@@ -14428,7 +16647,7 @@
         <p:spPr/>
         <p:txBody>
           <a:bodyPr>
-            <a:normAutofit fontScale="92500" lnSpcReduction="10000"/>
+            <a:normAutofit lnSpcReduction="10000"/>
           </a:bodyPr>
           <a:lstStyle/>
           <a:p>
@@ -14521,40 +16740,27 @@
             </a:br>
             <a:r>
               <a:rPr lang="en-US" altLang="zh-CN" dirty="0"/>
-              <a:t>For this evaluation, we focused on the 6575 requests that</a:t>
-            </a:r>
-            <a:br>
-              <a:rPr lang="en-US" altLang="zh-CN" dirty="0"/>
-            </a:br>
-            <a:r>
-              <a:rPr lang="en-US" altLang="zh-CN" dirty="0"/>
-              <a:t>matched a specification (i.e., a request URL matching the</a:t>
-            </a:r>
-            <a:br>
-              <a:rPr lang="en-US" altLang="zh-CN" dirty="0"/>
-            </a:br>
-            <a:r>
-              <a:rPr lang="en-US" altLang="zh-CN" dirty="0"/>
-              <a:t>base URL of a specification, including matching the schemes,</a:t>
-            </a:r>
-            <a:br>
-              <a:rPr lang="en-US" altLang="zh-CN" dirty="0"/>
-            </a:br>
-            <a:r>
-              <a:rPr lang="en-US" altLang="zh-CN" dirty="0"/>
-              <a:t>domain, and the </a:t>
-            </a:r>
-            <a:r>
-              <a:rPr lang="en-US" altLang="zh-CN" dirty="0" err="1"/>
+              <a:t>For this evaluation, we focused on the 6575 requests </a:t>
+            </a:r>
+            <a:r>
+              <a:rPr lang="en-US" altLang="zh-CN" dirty="0" smtClean="0"/>
+              <a:t>that matched </a:t>
+            </a:r>
+            <a:r>
+              <a:rPr lang="en-US" altLang="zh-CN" dirty="0"/>
+              <a:t>a specification (i.e., a request URL matching </a:t>
+            </a:r>
+            <a:r>
+              <a:rPr lang="en-US" altLang="zh-CN" dirty="0" smtClean="0"/>
+              <a:t>the base URL of a specification, including matching the schemes, domain, and the </a:t>
+            </a:r>
+            <a:r>
+              <a:rPr lang="en-US" altLang="zh-CN" dirty="0" err="1" smtClean="0"/>
               <a:t>basepath</a:t>
             </a:r>
             <a:r>
-              <a:rPr lang="en-US" altLang="zh-CN" dirty="0"/>
-              <a:t>) </a:t>
-            </a:r>
-            <a:r>
-              <a:rPr lang="en-US" altLang="zh-CN" dirty="0" smtClean="0"/>
-              <a:t>.</a:t>
+              <a:rPr lang="en-US" altLang="zh-CN" dirty="0" smtClean="0"/>
+              <a:t>) .</a:t>
             </a:r>
             <a:r>
               <a:rPr lang="en-US" altLang="zh-CN" dirty="0"/>
